--- a/Airlines Analysis.pptx
+++ b/Airlines Analysis.pptx
@@ -5,31 +5,38 @@
     <p:sldMasterId id="2147483672" r:id="rId1"/>
   </p:sldMasterIdLst>
   <p:notesMasterIdLst>
-    <p:notesMasterId r:id="rId24"/>
+    <p:notesMasterId r:id="rId31"/>
   </p:notesMasterIdLst>
   <p:sldIdLst>
     <p:sldId id="256" r:id="rId2"/>
-    <p:sldId id="277" r:id="rId3"/>
-    <p:sldId id="257" r:id="rId4"/>
-    <p:sldId id="258" r:id="rId5"/>
-    <p:sldId id="259" r:id="rId6"/>
-    <p:sldId id="260" r:id="rId7"/>
-    <p:sldId id="261" r:id="rId8"/>
-    <p:sldId id="262" r:id="rId9"/>
-    <p:sldId id="266" r:id="rId10"/>
-    <p:sldId id="265" r:id="rId11"/>
-    <p:sldId id="264" r:id="rId12"/>
-    <p:sldId id="267" r:id="rId13"/>
-    <p:sldId id="268" r:id="rId14"/>
-    <p:sldId id="269" r:id="rId15"/>
-    <p:sldId id="270" r:id="rId16"/>
-    <p:sldId id="271" r:id="rId17"/>
-    <p:sldId id="273" r:id="rId18"/>
-    <p:sldId id="274" r:id="rId19"/>
-    <p:sldId id="275" r:id="rId20"/>
-    <p:sldId id="276" r:id="rId21"/>
-    <p:sldId id="278" r:id="rId22"/>
-    <p:sldId id="279" r:id="rId23"/>
+    <p:sldId id="280" r:id="rId3"/>
+    <p:sldId id="281" r:id="rId4"/>
+    <p:sldId id="277" r:id="rId5"/>
+    <p:sldId id="257" r:id="rId6"/>
+    <p:sldId id="258" r:id="rId7"/>
+    <p:sldId id="259" r:id="rId8"/>
+    <p:sldId id="260" r:id="rId9"/>
+    <p:sldId id="261" r:id="rId10"/>
+    <p:sldId id="262" r:id="rId11"/>
+    <p:sldId id="266" r:id="rId12"/>
+    <p:sldId id="265" r:id="rId13"/>
+    <p:sldId id="264" r:id="rId14"/>
+    <p:sldId id="267" r:id="rId15"/>
+    <p:sldId id="268" r:id="rId16"/>
+    <p:sldId id="284" r:id="rId17"/>
+    <p:sldId id="269" r:id="rId18"/>
+    <p:sldId id="270" r:id="rId19"/>
+    <p:sldId id="271" r:id="rId20"/>
+    <p:sldId id="273" r:id="rId21"/>
+    <p:sldId id="274" r:id="rId22"/>
+    <p:sldId id="283" r:id="rId23"/>
+    <p:sldId id="275" r:id="rId24"/>
+    <p:sldId id="276" r:id="rId25"/>
+    <p:sldId id="278" r:id="rId26"/>
+    <p:sldId id="286" r:id="rId27"/>
+    <p:sldId id="287" r:id="rId28"/>
+    <p:sldId id="279" r:id="rId29"/>
+    <p:sldId id="285" r:id="rId30"/>
   </p:sldIdLst>
   <p:sldSz cx="12192000" cy="6858000"/>
   <p:notesSz cx="6858000" cy="9144000"/>
@@ -218,7 +225,7 @@
           <a:p>
             <a:fld id="{EBFDF876-D526-4BD0-8EB2-FE7A2EA91E9B}" type="datetimeFigureOut">
               <a:rPr lang="en-US" smtClean="0"/>
-              <a:t>7/6/2024</a:t>
+              <a:t>7/7/2024</a:t>
             </a:fld>
             <a:endParaRPr lang="en-US"/>
           </a:p>
@@ -566,7 +573,7 @@
           <a:p>
             <a:fld id="{D7A5F033-6371-499B-8AC3-328F5C2D7AEC}" type="slidenum">
               <a:rPr lang="en-US" smtClean="0"/>
-              <a:t>15</a:t>
+              <a:t>18</a:t>
             </a:fld>
             <a:endParaRPr lang="en-US"/>
           </a:p>
@@ -755,7 +762,7 @@
           <a:p>
             <a:fld id="{DC892A69-3604-4A3D-9074-F820118EE057}" type="datetimeFigureOut">
               <a:rPr lang="es-ES" smtClean="0"/>
-              <a:t>06/07/2024</a:t>
+              <a:t>07/07/2024</a:t>
             </a:fld>
             <a:endParaRPr lang="es-ES"/>
           </a:p>
@@ -1022,7 +1029,7 @@
           <a:p>
             <a:fld id="{DC892A69-3604-4A3D-9074-F820118EE057}" type="datetimeFigureOut">
               <a:rPr lang="es-ES" smtClean="0"/>
-              <a:t>06/07/2024</a:t>
+              <a:t>07/07/2024</a:t>
             </a:fld>
             <a:endParaRPr lang="es-ES"/>
           </a:p>
@@ -1253,7 +1260,7 @@
           <a:p>
             <a:fld id="{DC892A69-3604-4A3D-9074-F820118EE057}" type="datetimeFigureOut">
               <a:rPr lang="es-ES" smtClean="0"/>
-              <a:t>06/07/2024</a:t>
+              <a:t>07/07/2024</a:t>
             </a:fld>
             <a:endParaRPr lang="es-ES"/>
           </a:p>
@@ -1563,7 +1570,7 @@
           <a:p>
             <a:fld id="{DC892A69-3604-4A3D-9074-F820118EE057}" type="datetimeFigureOut">
               <a:rPr lang="es-ES" smtClean="0"/>
-              <a:t>06/07/2024</a:t>
+              <a:t>07/07/2024</a:t>
             </a:fld>
             <a:endParaRPr lang="es-ES"/>
           </a:p>
@@ -2036,7 +2043,7 @@
           <a:p>
             <a:fld id="{DC892A69-3604-4A3D-9074-F820118EE057}" type="datetimeFigureOut">
               <a:rPr lang="es-ES" smtClean="0"/>
-              <a:t>06/07/2024</a:t>
+              <a:t>07/07/2024</a:t>
             </a:fld>
             <a:endParaRPr lang="es-ES"/>
           </a:p>
@@ -2583,7 +2590,7 @@
           <a:p>
             <a:fld id="{DC892A69-3604-4A3D-9074-F820118EE057}" type="datetimeFigureOut">
               <a:rPr lang="es-ES" smtClean="0"/>
-              <a:t>06/07/2024</a:t>
+              <a:t>07/07/2024</a:t>
             </a:fld>
             <a:endParaRPr lang="es-ES"/>
           </a:p>
@@ -3357,7 +3364,7 @@
           <a:p>
             <a:fld id="{DC892A69-3604-4A3D-9074-F820118EE057}" type="datetimeFigureOut">
               <a:rPr lang="es-ES" smtClean="0"/>
-              <a:t>06/07/2024</a:t>
+              <a:t>07/07/2024</a:t>
             </a:fld>
             <a:endParaRPr lang="es-ES"/>
           </a:p>
@@ -3532,7 +3539,7 @@
           <a:p>
             <a:fld id="{DC892A69-3604-4A3D-9074-F820118EE057}" type="datetimeFigureOut">
               <a:rPr lang="es-ES" smtClean="0"/>
-              <a:t>06/07/2024</a:t>
+              <a:t>07/07/2024</a:t>
             </a:fld>
             <a:endParaRPr lang="es-ES"/>
           </a:p>
@@ -3755,7 +3762,7 @@
           <a:p>
             <a:fld id="{DC892A69-3604-4A3D-9074-F820118EE057}" type="datetimeFigureOut">
               <a:rPr lang="es-ES" smtClean="0"/>
-              <a:t>06/07/2024</a:t>
+              <a:t>07/07/2024</a:t>
             </a:fld>
             <a:endParaRPr lang="es-ES"/>
           </a:p>
@@ -3935,7 +3942,7 @@
           <a:p>
             <a:fld id="{DC892A69-3604-4A3D-9074-F820118EE057}" type="datetimeFigureOut">
               <a:rPr lang="es-ES" smtClean="0"/>
-              <a:t>06/07/2024</a:t>
+              <a:t>07/07/2024</a:t>
             </a:fld>
             <a:endParaRPr lang="es-ES"/>
           </a:p>
@@ -4224,7 +4231,7 @@
           <a:p>
             <a:fld id="{DC892A69-3604-4A3D-9074-F820118EE057}" type="datetimeFigureOut">
               <a:rPr lang="es-ES" smtClean="0"/>
-              <a:t>06/07/2024</a:t>
+              <a:t>07/07/2024</a:t>
             </a:fld>
             <a:endParaRPr lang="es-ES"/>
           </a:p>
@@ -4466,7 +4473,7 @@
           <a:p>
             <a:fld id="{DC892A69-3604-4A3D-9074-F820118EE057}" type="datetimeFigureOut">
               <a:rPr lang="es-ES" smtClean="0"/>
-              <a:t>06/07/2024</a:t>
+              <a:t>07/07/2024</a:t>
             </a:fld>
             <a:endParaRPr lang="es-ES"/>
           </a:p>
@@ -4845,7 +4852,7 @@
           <a:p>
             <a:fld id="{DC892A69-3604-4A3D-9074-F820118EE057}" type="datetimeFigureOut">
               <a:rPr lang="es-ES" smtClean="0"/>
-              <a:t>06/07/2024</a:t>
+              <a:t>07/07/2024</a:t>
             </a:fld>
             <a:endParaRPr lang="es-ES"/>
           </a:p>
@@ -4963,7 +4970,7 @@
           <a:p>
             <a:fld id="{DC892A69-3604-4A3D-9074-F820118EE057}" type="datetimeFigureOut">
               <a:rPr lang="es-ES" smtClean="0"/>
-              <a:t>06/07/2024</a:t>
+              <a:t>07/07/2024</a:t>
             </a:fld>
             <a:endParaRPr lang="es-ES"/>
           </a:p>
@@ -5058,7 +5065,7 @@
           <a:p>
             <a:fld id="{DC892A69-3604-4A3D-9074-F820118EE057}" type="datetimeFigureOut">
               <a:rPr lang="es-ES" smtClean="0"/>
-              <a:t>06/07/2024</a:t>
+              <a:t>07/07/2024</a:t>
             </a:fld>
             <a:endParaRPr lang="es-ES"/>
           </a:p>
@@ -5307,7 +5314,7 @@
           <a:p>
             <a:fld id="{DC892A69-3604-4A3D-9074-F820118EE057}" type="datetimeFigureOut">
               <a:rPr lang="es-ES" smtClean="0"/>
-              <a:t>06/07/2024</a:t>
+              <a:t>07/07/2024</a:t>
             </a:fld>
             <a:endParaRPr lang="es-ES"/>
           </a:p>
@@ -5564,7 +5571,7 @@
           <a:p>
             <a:fld id="{DC892A69-3604-4A3D-9074-F820118EE057}" type="datetimeFigureOut">
               <a:rPr lang="es-ES" smtClean="0"/>
-              <a:t>06/07/2024</a:t>
+              <a:t>07/07/2024</a:t>
             </a:fld>
             <a:endParaRPr lang="es-ES"/>
           </a:p>
@@ -5807,7 +5814,7 @@
           <a:p>
             <a:fld id="{DC892A69-3604-4A3D-9074-F820118EE057}" type="datetimeFigureOut">
               <a:rPr lang="es-ES" smtClean="0"/>
-              <a:t>06/07/2024</a:t>
+              <a:t>07/07/2024</a:t>
             </a:fld>
             <a:endParaRPr lang="es-ES"/>
           </a:p>
@@ -6234,7 +6241,12 @@
             <p:ph type="ctrTitle"/>
           </p:nvPr>
         </p:nvSpPr>
-        <p:spPr/>
+        <p:spPr>
+          <a:xfrm>
+            <a:off x="1219200" y="1476833"/>
+            <a:ext cx="9753600" cy="1825096"/>
+          </a:xfrm>
+        </p:spPr>
         <p:txBody>
           <a:bodyPr anchor="ctr">
             <a:noAutofit/>
@@ -6243,31 +6255,31 @@
           <a:p>
             <a:pPr algn="ctr"/>
             <a:r>
-              <a:rPr lang="es-ES" sz="4400" b="1" dirty="0"/>
+              <a:rPr lang="es-ES" b="1" dirty="0"/>
               <a:t>Will a </a:t>
             </a:r>
             <a:r>
-              <a:rPr lang="es-ES" sz="4400" b="1" dirty="0" err="1"/>
+              <a:rPr lang="es-ES" b="1" dirty="0" err="1"/>
               <a:t>flight</a:t>
             </a:r>
             <a:r>
-              <a:rPr lang="es-ES" sz="4400" b="1" dirty="0"/>
+              <a:rPr lang="es-ES" b="1" dirty="0"/>
               <a:t> ruin </a:t>
             </a:r>
             <a:r>
-              <a:rPr lang="es-ES" sz="4400" b="1" dirty="0" err="1"/>
+              <a:rPr lang="es-ES" b="1" dirty="0" err="1"/>
               <a:t>my</a:t>
             </a:r>
             <a:r>
-              <a:rPr lang="es-ES" sz="4400" b="1" dirty="0"/>
+              <a:rPr lang="es-ES" b="1" dirty="0"/>
               <a:t> </a:t>
             </a:r>
             <a:r>
-              <a:rPr lang="es-ES" sz="4400" b="1" dirty="0" err="1"/>
+              <a:rPr lang="es-ES" b="1" dirty="0" err="1"/>
               <a:t>honeymoon</a:t>
             </a:r>
             <a:r>
-              <a:rPr lang="es-ES" sz="4400" b="1" dirty="0"/>
+              <a:rPr lang="es-ES" b="1" dirty="0"/>
               <a:t>?</a:t>
             </a:r>
           </a:p>
@@ -6291,8 +6303,8 @@
         </p:nvSpPr>
         <p:spPr>
           <a:xfrm>
-            <a:off x="2493819" y="3898208"/>
-            <a:ext cx="7315200" cy="1155931"/>
+            <a:off x="2438400" y="3429000"/>
+            <a:ext cx="7315200" cy="1601255"/>
           </a:xfrm>
         </p:spPr>
         <p:txBody>
@@ -6303,30 +6315,49 @@
           <a:p>
             <a:pPr algn="l"/>
             <a:r>
-              <a:rPr lang="es-ES" sz="1400" dirty="0"/>
+              <a:rPr lang="es-ES" sz="1600" b="1" dirty="0"/>
               <a:t>Aída Moure Fernández</a:t>
             </a:r>
           </a:p>
           <a:p>
             <a:pPr algn="r"/>
-            <a:endParaRPr lang="es-ES" sz="1400" dirty="0"/>
+            <a:endParaRPr lang="es-ES" sz="1600" dirty="0"/>
           </a:p>
           <a:p>
             <a:pPr algn="r"/>
             <a:r>
+              <a:rPr lang="es-ES" sz="1600" i="1" dirty="0"/>
+              <a:t>Final Project </a:t>
+            </a:r>
+          </a:p>
+          <a:p>
+            <a:pPr algn="r"/>
+            <a:r>
+              <a:rPr lang="es-ES" sz="1600" i="1" dirty="0" err="1"/>
+              <a:t>IronHack</a:t>
+            </a:r>
+            <a:r>
+              <a:rPr lang="es-ES" sz="1600" i="1" dirty="0"/>
+              <a:t> PT JAN24</a:t>
+            </a:r>
+          </a:p>
+          <a:p>
+            <a:pPr algn="r"/>
+            <a:r>
+              <a:rPr lang="es-ES" sz="1400" i="1" dirty="0" err="1"/>
+              <a:t>July</a:t>
+            </a:r>
+            <a:r>
               <a:rPr lang="es-ES" sz="1400" i="1" dirty="0"/>
-              <a:t>Final Project </a:t>
-            </a:r>
-          </a:p>
-          <a:p>
-            <a:pPr algn="r"/>
-            <a:r>
-              <a:rPr lang="es-ES" sz="1400" i="1" dirty="0" err="1"/>
-              <a:t>IronHack</a:t>
+              <a:t> 10</a:t>
+            </a:r>
+            <a:r>
+              <a:rPr lang="es-ES" sz="1400" i="1" baseline="30000" dirty="0"/>
+              <a:t>th</a:t>
             </a:r>
             <a:r>
               <a:rPr lang="es-ES" sz="1400" i="1" dirty="0"/>
-              <a:t> PT JAN24</a:t>
+              <a:t> 2024</a:t>
             </a:r>
           </a:p>
         </p:txBody>
@@ -6345,6 +6376,387 @@
 </file>
 
 <file path=ppt/slides/slide10.xml><?xml version="1.0" encoding="utf-8"?>
+<p:sld xmlns:a="http://schemas.openxmlformats.org/drawingml/2006/main" xmlns:r="http://schemas.openxmlformats.org/officeDocument/2006/relationships" xmlns:p="http://schemas.openxmlformats.org/presentationml/2006/main">
+  <p:cSld>
+    <p:spTree>
+      <p:nvGrpSpPr>
+        <p:cNvPr id="1" name=""/>
+        <p:cNvGrpSpPr/>
+        <p:nvPr/>
+      </p:nvGrpSpPr>
+      <p:grpSpPr>
+        <a:xfrm>
+          <a:off x="0" y="0"/>
+          <a:ext cx="0" cy="0"/>
+          <a:chOff x="0" y="0"/>
+          <a:chExt cx="0" cy="0"/>
+        </a:xfrm>
+      </p:grpSpPr>
+      <p:sp>
+        <p:nvSpPr>
+          <p:cNvPr id="4" name="CuadroTexto 3">
+            <a:extLst>
+              <a:ext uri="{FF2B5EF4-FFF2-40B4-BE49-F238E27FC236}">
+                <a16:creationId xmlns:a16="http://schemas.microsoft.com/office/drawing/2014/main" id="{58A35942-FB00-5805-9BC4-81604A32C3E2}"/>
+              </a:ext>
+            </a:extLst>
+          </p:cNvPr>
+          <p:cNvSpPr txBox="1"/>
+          <p:nvPr/>
+        </p:nvSpPr>
+        <p:spPr>
+          <a:xfrm>
+            <a:off x="214728" y="2438871"/>
+            <a:ext cx="5177461" cy="1815882"/>
+          </a:xfrm>
+          <a:prstGeom prst="rect">
+            <a:avLst/>
+          </a:prstGeom>
+          <a:noFill/>
+        </p:spPr>
+        <p:txBody>
+          <a:bodyPr wrap="square" rtlCol="0">
+            <a:spAutoFit/>
+          </a:bodyPr>
+          <a:lstStyle/>
+          <a:p>
+            <a:endParaRPr lang="en-US" sz="1600" dirty="0"/>
+          </a:p>
+          <a:p>
+            <a:pPr marL="285750" indent="-285750">
+              <a:buFont typeface="Wingdings" panose="05000000000000000000" pitchFamily="2" charset="2"/>
+              <a:buChar char="Ø"/>
+            </a:pPr>
+            <a:r>
+              <a:rPr lang="en-US" sz="1600" dirty="0"/>
+              <a:t>No Airline is considered to have comfortable seats.</a:t>
+            </a:r>
+          </a:p>
+          <a:p>
+            <a:endParaRPr lang="en-US" sz="1600" dirty="0"/>
+          </a:p>
+          <a:p>
+            <a:pPr marL="285750" indent="-285750" algn="just">
+              <a:buFont typeface="Wingdings" panose="05000000000000000000" pitchFamily="2" charset="2"/>
+              <a:buChar char="Ø"/>
+            </a:pPr>
+            <a:r>
+              <a:rPr lang="en-US" sz="1600" dirty="0"/>
+              <a:t>American Airlines and British Airways stand as the most valued. Frontier is the most penalized. </a:t>
+            </a:r>
+          </a:p>
+          <a:p>
+            <a:endParaRPr lang="en-US" sz="1600" dirty="0"/>
+          </a:p>
+        </p:txBody>
+      </p:sp>
+      <p:sp>
+        <p:nvSpPr>
+          <p:cNvPr id="8" name="Título 1">
+            <a:extLst>
+              <a:ext uri="{FF2B5EF4-FFF2-40B4-BE49-F238E27FC236}">
+                <a16:creationId xmlns:a16="http://schemas.microsoft.com/office/drawing/2014/main" id="{06568900-B6E3-6D6A-82CF-A6A891A99E25}"/>
+              </a:ext>
+            </a:extLst>
+          </p:cNvPr>
+          <p:cNvSpPr>
+            <a:spLocks noGrp="1"/>
+          </p:cNvSpPr>
+          <p:nvPr>
+            <p:ph type="title"/>
+          </p:nvPr>
+        </p:nvSpPr>
+        <p:spPr>
+          <a:xfrm>
+            <a:off x="5763491" y="442455"/>
+            <a:ext cx="6094615" cy="731918"/>
+          </a:xfrm>
+        </p:spPr>
+        <p:txBody>
+          <a:bodyPr>
+            <a:normAutofit fontScale="90000"/>
+          </a:bodyPr>
+          <a:lstStyle/>
+          <a:p>
+            <a:r>
+              <a:rPr lang="en-US" sz="3100" b="1" i="1" dirty="0"/>
+              <a:t>Ratings</a:t>
+            </a:r>
+            <a:br>
+              <a:rPr lang="en-US" sz="2400" b="1" i="1" dirty="0"/>
+            </a:br>
+            <a:r>
+              <a:rPr lang="en-US" sz="2400" b="1" i="1" dirty="0"/>
+              <a:t>food</a:t>
+            </a:r>
+          </a:p>
+        </p:txBody>
+      </p:sp>
+      <p:pic>
+        <p:nvPicPr>
+          <p:cNvPr id="10" name="Imagen 9">
+            <a:extLst>
+              <a:ext uri="{FF2B5EF4-FFF2-40B4-BE49-F238E27FC236}">
+                <a16:creationId xmlns:a16="http://schemas.microsoft.com/office/drawing/2014/main" id="{C260E4A7-8378-2F87-1B2A-20AA805A02A9}"/>
+              </a:ext>
+            </a:extLst>
+          </p:cNvPr>
+          <p:cNvPicPr>
+            <a:picLocks noChangeAspect="1"/>
+          </p:cNvPicPr>
+          <p:nvPr/>
+        </p:nvPicPr>
+        <p:blipFill>
+          <a:blip r:embed="rId2">
+            <a:extLst>
+              <a:ext uri="{28A0092B-C50C-407E-A947-70E740481C1C}">
+                <a14:useLocalDpi xmlns:a14="http://schemas.microsoft.com/office/drawing/2010/main" val="0"/>
+              </a:ext>
+            </a:extLst>
+          </a:blip>
+          <a:stretch>
+            <a:fillRect/>
+          </a:stretch>
+        </p:blipFill>
+        <p:spPr>
+          <a:xfrm>
+            <a:off x="5580610" y="1535605"/>
+            <a:ext cx="6331464" cy="3622414"/>
+          </a:xfrm>
+          <a:prstGeom prst="roundRect">
+            <a:avLst>
+              <a:gd name="adj" fmla="val 8594"/>
+            </a:avLst>
+          </a:prstGeom>
+          <a:solidFill>
+            <a:srgbClr val="FFFFFF">
+              <a:shade val="85000"/>
+            </a:srgbClr>
+          </a:solidFill>
+          <a:ln>
+            <a:noFill/>
+          </a:ln>
+          <a:effectLst>
+            <a:reflection blurRad="12700" stA="38000" endPos="28000" dist="5000" dir="5400000" sy="-100000" algn="bl" rotWithShape="0"/>
+          </a:effectLst>
+        </p:spPr>
+      </p:pic>
+    </p:spTree>
+    <p:extLst>
+      <p:ext uri="{BB962C8B-B14F-4D97-AF65-F5344CB8AC3E}">
+        <p14:creationId xmlns:p14="http://schemas.microsoft.com/office/powerpoint/2010/main" val="2208134541"/>
+      </p:ext>
+    </p:extLst>
+  </p:cSld>
+  <p:clrMapOvr>
+    <a:masterClrMapping/>
+  </p:clrMapOvr>
+</p:sld>
+</file>
+
+<file path=ppt/slides/slide11.xml><?xml version="1.0" encoding="utf-8"?>
+<p:sld xmlns:a="http://schemas.openxmlformats.org/drawingml/2006/main" xmlns:r="http://schemas.openxmlformats.org/officeDocument/2006/relationships" xmlns:p="http://schemas.openxmlformats.org/presentationml/2006/main">
+  <p:cSld>
+    <p:spTree>
+      <p:nvGrpSpPr>
+        <p:cNvPr id="1" name=""/>
+        <p:cNvGrpSpPr/>
+        <p:nvPr/>
+      </p:nvGrpSpPr>
+      <p:grpSpPr>
+        <a:xfrm>
+          <a:off x="0" y="0"/>
+          <a:ext cx="0" cy="0"/>
+          <a:chOff x="0" y="0"/>
+          <a:chExt cx="0" cy="0"/>
+        </a:xfrm>
+      </p:grpSpPr>
+      <p:pic>
+        <p:nvPicPr>
+          <p:cNvPr id="5" name="Marcador de contenido 4">
+            <a:extLst>
+              <a:ext uri="{FF2B5EF4-FFF2-40B4-BE49-F238E27FC236}">
+                <a16:creationId xmlns:a16="http://schemas.microsoft.com/office/drawing/2014/main" id="{3361C533-D2D8-F05E-EFBC-467E4C626C9B}"/>
+              </a:ext>
+            </a:extLst>
+          </p:cNvPr>
+          <p:cNvPicPr>
+            <a:picLocks noGrp="1" noChangeAspect="1"/>
+          </p:cNvPicPr>
+          <p:nvPr>
+            <p:ph idx="1"/>
+          </p:nvPr>
+        </p:nvPicPr>
+        <p:blipFill>
+          <a:blip r:embed="rId2">
+            <a:extLst>
+              <a:ext uri="{28A0092B-C50C-407E-A947-70E740481C1C}">
+                <a14:useLocalDpi xmlns:a14="http://schemas.microsoft.com/office/drawing/2010/main" val="0"/>
+              </a:ext>
+            </a:extLst>
+          </a:blip>
+          <a:stretch>
+            <a:fillRect/>
+          </a:stretch>
+        </p:blipFill>
+        <p:spPr>
+          <a:xfrm>
+            <a:off x="5583136" y="1778924"/>
+            <a:ext cx="5925782" cy="4464770"/>
+          </a:xfrm>
+          <a:prstGeom prst="roundRect">
+            <a:avLst>
+              <a:gd name="adj" fmla="val 8594"/>
+            </a:avLst>
+          </a:prstGeom>
+          <a:solidFill>
+            <a:srgbClr val="FFFFFF">
+              <a:shade val="85000"/>
+            </a:srgbClr>
+          </a:solidFill>
+          <a:ln>
+            <a:noFill/>
+          </a:ln>
+          <a:effectLst>
+            <a:reflection blurRad="12700" stA="38000" endPos="28000" dist="5000" dir="5400000" sy="-100000" algn="bl" rotWithShape="0"/>
+          </a:effectLst>
+        </p:spPr>
+      </p:pic>
+      <p:sp>
+        <p:nvSpPr>
+          <p:cNvPr id="6" name="Título 1">
+            <a:extLst>
+              <a:ext uri="{FF2B5EF4-FFF2-40B4-BE49-F238E27FC236}">
+                <a16:creationId xmlns:a16="http://schemas.microsoft.com/office/drawing/2014/main" id="{3812F62B-3CD3-6F7F-B2E9-1470A26B8B03}"/>
+              </a:ext>
+            </a:extLst>
+          </p:cNvPr>
+          <p:cNvSpPr>
+            <a:spLocks noGrp="1"/>
+          </p:cNvSpPr>
+          <p:nvPr>
+            <p:ph type="title"/>
+          </p:nvPr>
+        </p:nvSpPr>
+        <p:spPr>
+          <a:xfrm>
+            <a:off x="5829993" y="481248"/>
+            <a:ext cx="6094615" cy="731918"/>
+          </a:xfrm>
+        </p:spPr>
+        <p:txBody>
+          <a:bodyPr>
+            <a:normAutofit fontScale="90000"/>
+          </a:bodyPr>
+          <a:lstStyle/>
+          <a:p>
+            <a:r>
+              <a:rPr lang="en-US" sz="3100" b="1" i="1" dirty="0"/>
+              <a:t>Type of </a:t>
+            </a:r>
+            <a:r>
+              <a:rPr lang="en-US" sz="3100" b="1" i="1" dirty="0" err="1"/>
+              <a:t>travEler</a:t>
+            </a:r>
+            <a:br>
+              <a:rPr lang="en-US" sz="3100" b="1" i="1" dirty="0"/>
+            </a:br>
+            <a:r>
+              <a:rPr lang="en-US" sz="3100" b="1" i="1" dirty="0"/>
+              <a:t>	</a:t>
+            </a:r>
+            <a:r>
+              <a:rPr lang="en-US" sz="2400" b="1" i="1" dirty="0"/>
+              <a:t>by Trip purpose</a:t>
+            </a:r>
+          </a:p>
+        </p:txBody>
+      </p:sp>
+      <p:sp>
+        <p:nvSpPr>
+          <p:cNvPr id="7" name="CuadroTexto 6">
+            <a:extLst>
+              <a:ext uri="{FF2B5EF4-FFF2-40B4-BE49-F238E27FC236}">
+                <a16:creationId xmlns:a16="http://schemas.microsoft.com/office/drawing/2014/main" id="{13415CA3-44DB-F325-AF84-DF6B63E6D5A2}"/>
+              </a:ext>
+            </a:extLst>
+          </p:cNvPr>
+          <p:cNvSpPr txBox="1"/>
+          <p:nvPr/>
+        </p:nvSpPr>
+        <p:spPr>
+          <a:xfrm>
+            <a:off x="286772" y="2848965"/>
+            <a:ext cx="5177461" cy="1815882"/>
+          </a:xfrm>
+          <a:prstGeom prst="rect">
+            <a:avLst/>
+          </a:prstGeom>
+          <a:noFill/>
+        </p:spPr>
+        <p:txBody>
+          <a:bodyPr wrap="square" rtlCol="0">
+            <a:spAutoFit/>
+          </a:bodyPr>
+          <a:lstStyle/>
+          <a:p>
+            <a:endParaRPr lang="en-US" sz="1600" dirty="0"/>
+          </a:p>
+          <a:p>
+            <a:pPr marL="285750" indent="-285750">
+              <a:buFont typeface="Wingdings" panose="05000000000000000000" pitchFamily="2" charset="2"/>
+              <a:buChar char="Ø"/>
+            </a:pPr>
+            <a:r>
+              <a:rPr lang="en-US" sz="1600" dirty="0"/>
+              <a:t>People in business trips travel alone</a:t>
+            </a:r>
+          </a:p>
+          <a:p>
+            <a:endParaRPr lang="en-US" sz="1600" dirty="0"/>
+          </a:p>
+          <a:p>
+            <a:pPr marL="285750" indent="-285750">
+              <a:buFont typeface="Wingdings" panose="05000000000000000000" pitchFamily="2" charset="2"/>
+              <a:buChar char="Ø"/>
+            </a:pPr>
+            <a:r>
+              <a:rPr lang="en-US" sz="1600" dirty="0"/>
+              <a:t>Travelling with couple/family is always for leisure</a:t>
+            </a:r>
+          </a:p>
+          <a:p>
+            <a:endParaRPr lang="en-US" sz="1600" dirty="0"/>
+          </a:p>
+          <a:p>
+            <a:pPr marL="285750" indent="-285750" algn="just">
+              <a:buFont typeface="Wingdings" panose="05000000000000000000" pitchFamily="2" charset="2"/>
+              <a:buChar char="Ø"/>
+            </a:pPr>
+            <a:r>
+              <a:rPr lang="en-US" sz="1600" dirty="0"/>
+              <a:t>Most travelers overall travel alone</a:t>
+            </a:r>
+          </a:p>
+          <a:p>
+            <a:endParaRPr lang="en-US" sz="1600" dirty="0"/>
+          </a:p>
+        </p:txBody>
+      </p:sp>
+    </p:spTree>
+    <p:extLst>
+      <p:ext uri="{BB962C8B-B14F-4D97-AF65-F5344CB8AC3E}">
+        <p14:creationId xmlns:p14="http://schemas.microsoft.com/office/powerpoint/2010/main" val="3062284034"/>
+      </p:ext>
+    </p:extLst>
+  </p:cSld>
+  <p:clrMapOvr>
+    <a:masterClrMapping/>
+  </p:clrMapOvr>
+</p:sld>
+</file>
+
+<file path=ppt/slides/slide12.xml><?xml version="1.0" encoding="utf-8"?>
 <p:sld xmlns:a="http://schemas.openxmlformats.org/drawingml/2006/main" xmlns:r="http://schemas.openxmlformats.org/officeDocument/2006/relationships" xmlns:p="http://schemas.openxmlformats.org/presentationml/2006/main">
   <p:cSld>
     <p:spTree>
@@ -6523,7 +6935,7 @@
 </p:sld>
 </file>
 
-<file path=ppt/slides/slide11.xml><?xml version="1.0" encoding="utf-8"?>
+<file path=ppt/slides/slide13.xml><?xml version="1.0" encoding="utf-8"?>
 <p:sld xmlns:a="http://schemas.openxmlformats.org/drawingml/2006/main" xmlns:r="http://schemas.openxmlformats.org/officeDocument/2006/relationships" xmlns:p="http://schemas.openxmlformats.org/presentationml/2006/main">
   <p:cSld>
     <p:spTree>
@@ -6725,7 +7137,7 @@
 </p:sld>
 </file>
 
-<file path=ppt/slides/slide12.xml><?xml version="1.0" encoding="utf-8"?>
+<file path=ppt/slides/slide14.xml><?xml version="1.0" encoding="utf-8"?>
 <p:sld xmlns:a="http://schemas.openxmlformats.org/drawingml/2006/main" xmlns:r="http://schemas.openxmlformats.org/officeDocument/2006/relationships" xmlns:p="http://schemas.openxmlformats.org/presentationml/2006/main">
   <p:cSld>
     <p:spTree>
@@ -6927,7 +7339,7 @@
 </p:sld>
 </file>
 
-<file path=ppt/slides/slide13.xml><?xml version="1.0" encoding="utf-8"?>
+<file path=ppt/slides/slide15.xml><?xml version="1.0" encoding="utf-8"?>
 <p:sld xmlns:a="http://schemas.openxmlformats.org/drawingml/2006/main" xmlns:r="http://schemas.openxmlformats.org/officeDocument/2006/relationships" xmlns:p="http://schemas.openxmlformats.org/presentationml/2006/main">
   <p:cSld>
     <p:spTree>
@@ -7256,7 +7668,7 @@
             </a:r>
             <a:r>
               <a:rPr lang="en-US" sz="1600" dirty="0"/>
-              <a:t>: ISTM</a:t>
+              <a:t>: LSTM</a:t>
             </a:r>
           </a:p>
         </p:txBody>
@@ -7271,10 +7683,294 @@
   <p:clrMapOvr>
     <a:masterClrMapping/>
   </p:clrMapOvr>
+  <p:timing>
+    <p:tnLst>
+      <p:par>
+        <p:cTn id="1" dur="indefinite" restart="never" nodeType="tmRoot">
+          <p:childTnLst>
+            <p:seq concurrent="1" nextAc="seek">
+              <p:cTn id="2" dur="indefinite" nodeType="mainSeq">
+                <p:childTnLst>
+                  <p:par>
+                    <p:cTn id="3" fill="hold">
+                      <p:stCondLst>
+                        <p:cond delay="indefinite"/>
+                      </p:stCondLst>
+                      <p:childTnLst>
+                        <p:par>
+                          <p:cTn id="4" fill="hold">
+                            <p:stCondLst>
+                              <p:cond delay="0"/>
+                            </p:stCondLst>
+                            <p:childTnLst>
+                              <p:par>
+                                <p:cTn id="5" presetID="22" presetClass="entr" presetSubtype="4" fill="hold" nodeType="clickEffect">
+                                  <p:stCondLst>
+                                    <p:cond delay="0"/>
+                                  </p:stCondLst>
+                                  <p:childTnLst>
+                                    <p:set>
+                                      <p:cBhvr>
+                                        <p:cTn id="6" dur="1" fill="hold">
+                                          <p:stCondLst>
+                                            <p:cond delay="0"/>
+                                          </p:stCondLst>
+                                        </p:cTn>
+                                        <p:tgtEl>
+                                          <p:spTgt spid="5"/>
+                                        </p:tgtEl>
+                                        <p:attrNameLst>
+                                          <p:attrName>style.visibility</p:attrName>
+                                        </p:attrNameLst>
+                                      </p:cBhvr>
+                                      <p:to>
+                                        <p:strVal val="visible"/>
+                                      </p:to>
+                                    </p:set>
+                                    <p:animEffect transition="in" filter="wipe(down)">
+                                      <p:cBhvr>
+                                        <p:cTn id="7" dur="500"/>
+                                        <p:tgtEl>
+                                          <p:spTgt spid="5"/>
+                                        </p:tgtEl>
+                                      </p:cBhvr>
+                                    </p:animEffect>
+                                  </p:childTnLst>
+                                </p:cTn>
+                              </p:par>
+                            </p:childTnLst>
+                          </p:cTn>
+                        </p:par>
+                      </p:childTnLst>
+                    </p:cTn>
+                  </p:par>
+                  <p:par>
+                    <p:cTn id="8" fill="hold">
+                      <p:stCondLst>
+                        <p:cond delay="indefinite"/>
+                      </p:stCondLst>
+                      <p:childTnLst>
+                        <p:par>
+                          <p:cTn id="9" fill="hold">
+                            <p:stCondLst>
+                              <p:cond delay="0"/>
+                            </p:stCondLst>
+                            <p:childTnLst>
+                              <p:par>
+                                <p:cTn id="10" presetID="2" presetClass="entr" presetSubtype="4" fill="hold" grpId="0" nodeType="clickEffect">
+                                  <p:stCondLst>
+                                    <p:cond delay="0"/>
+                                  </p:stCondLst>
+                                  <p:childTnLst>
+                                    <p:set>
+                                      <p:cBhvr>
+                                        <p:cTn id="11" dur="1" fill="hold">
+                                          <p:stCondLst>
+                                            <p:cond delay="0"/>
+                                          </p:stCondLst>
+                                        </p:cTn>
+                                        <p:tgtEl>
+                                          <p:spTgt spid="8"/>
+                                        </p:tgtEl>
+                                        <p:attrNameLst>
+                                          <p:attrName>style.visibility</p:attrName>
+                                        </p:attrNameLst>
+                                      </p:cBhvr>
+                                      <p:to>
+                                        <p:strVal val="visible"/>
+                                      </p:to>
+                                    </p:set>
+                                    <p:anim calcmode="lin" valueType="num">
+                                      <p:cBhvr additive="base">
+                                        <p:cTn id="12" dur="500" fill="hold"/>
+                                        <p:tgtEl>
+                                          <p:spTgt spid="8"/>
+                                        </p:tgtEl>
+                                        <p:attrNameLst>
+                                          <p:attrName>ppt_x</p:attrName>
+                                        </p:attrNameLst>
+                                      </p:cBhvr>
+                                      <p:tavLst>
+                                        <p:tav tm="0">
+                                          <p:val>
+                                            <p:strVal val="#ppt_x"/>
+                                          </p:val>
+                                        </p:tav>
+                                        <p:tav tm="100000">
+                                          <p:val>
+                                            <p:strVal val="#ppt_x"/>
+                                          </p:val>
+                                        </p:tav>
+                                      </p:tavLst>
+                                    </p:anim>
+                                    <p:anim calcmode="lin" valueType="num">
+                                      <p:cBhvr additive="base">
+                                        <p:cTn id="13" dur="500" fill="hold"/>
+                                        <p:tgtEl>
+                                          <p:spTgt spid="8"/>
+                                        </p:tgtEl>
+                                        <p:attrNameLst>
+                                          <p:attrName>ppt_y</p:attrName>
+                                        </p:attrNameLst>
+                                      </p:cBhvr>
+                                      <p:tavLst>
+                                        <p:tav tm="0">
+                                          <p:val>
+                                            <p:strVal val="1+#ppt_h/2"/>
+                                          </p:val>
+                                        </p:tav>
+                                        <p:tav tm="100000">
+                                          <p:val>
+                                            <p:strVal val="#ppt_y"/>
+                                          </p:val>
+                                        </p:tav>
+                                      </p:tavLst>
+                                    </p:anim>
+                                  </p:childTnLst>
+                                </p:cTn>
+                              </p:par>
+                            </p:childTnLst>
+                          </p:cTn>
+                        </p:par>
+                      </p:childTnLst>
+                    </p:cTn>
+                  </p:par>
+                  <p:par>
+                    <p:cTn id="14" fill="hold">
+                      <p:stCondLst>
+                        <p:cond delay="indefinite"/>
+                      </p:stCondLst>
+                      <p:childTnLst>
+                        <p:par>
+                          <p:cTn id="15" fill="hold">
+                            <p:stCondLst>
+                              <p:cond delay="0"/>
+                            </p:stCondLst>
+                            <p:childTnLst>
+                              <p:par>
+                                <p:cTn id="16" presetID="16" presetClass="entr" presetSubtype="21" fill="hold" nodeType="clickEffect">
+                                  <p:stCondLst>
+                                    <p:cond delay="0"/>
+                                  </p:stCondLst>
+                                  <p:childTnLst>
+                                    <p:set>
+                                      <p:cBhvr>
+                                        <p:cTn id="17" dur="1" fill="hold">
+                                          <p:stCondLst>
+                                            <p:cond delay="0"/>
+                                          </p:stCondLst>
+                                        </p:cTn>
+                                        <p:tgtEl>
+                                          <p:spTgt spid="7"/>
+                                        </p:tgtEl>
+                                        <p:attrNameLst>
+                                          <p:attrName>style.visibility</p:attrName>
+                                        </p:attrNameLst>
+                                      </p:cBhvr>
+                                      <p:to>
+                                        <p:strVal val="visible"/>
+                                      </p:to>
+                                    </p:set>
+                                    <p:animEffect transition="in" filter="barn(inVertical)">
+                                      <p:cBhvr>
+                                        <p:cTn id="18" dur="500"/>
+                                        <p:tgtEl>
+                                          <p:spTgt spid="7"/>
+                                        </p:tgtEl>
+                                      </p:cBhvr>
+                                    </p:animEffect>
+                                  </p:childTnLst>
+                                </p:cTn>
+                              </p:par>
+                            </p:childTnLst>
+                          </p:cTn>
+                        </p:par>
+                      </p:childTnLst>
+                    </p:cTn>
+                  </p:par>
+                  <p:par>
+                    <p:cTn id="19" fill="hold">
+                      <p:stCondLst>
+                        <p:cond delay="indefinite"/>
+                      </p:stCondLst>
+                      <p:childTnLst>
+                        <p:par>
+                          <p:cTn id="20" fill="hold">
+                            <p:stCondLst>
+                              <p:cond delay="0"/>
+                            </p:stCondLst>
+                            <p:childTnLst>
+                              <p:par>
+                                <p:cTn id="21" presetID="14" presetClass="entr" presetSubtype="10" fill="hold" grpId="0" nodeType="clickEffect">
+                                  <p:stCondLst>
+                                    <p:cond delay="0"/>
+                                  </p:stCondLst>
+                                  <p:childTnLst>
+                                    <p:set>
+                                      <p:cBhvr>
+                                        <p:cTn id="22" dur="1" fill="hold">
+                                          <p:stCondLst>
+                                            <p:cond delay="0"/>
+                                          </p:stCondLst>
+                                        </p:cTn>
+                                        <p:tgtEl>
+                                          <p:spTgt spid="9"/>
+                                        </p:tgtEl>
+                                        <p:attrNameLst>
+                                          <p:attrName>style.visibility</p:attrName>
+                                        </p:attrNameLst>
+                                      </p:cBhvr>
+                                      <p:to>
+                                        <p:strVal val="visible"/>
+                                      </p:to>
+                                    </p:set>
+                                    <p:animEffect transition="in" filter="randombar(horizontal)">
+                                      <p:cBhvr>
+                                        <p:cTn id="23" dur="500"/>
+                                        <p:tgtEl>
+                                          <p:spTgt spid="9"/>
+                                        </p:tgtEl>
+                                      </p:cBhvr>
+                                    </p:animEffect>
+                                  </p:childTnLst>
+                                </p:cTn>
+                              </p:par>
+                            </p:childTnLst>
+                          </p:cTn>
+                        </p:par>
+                      </p:childTnLst>
+                    </p:cTn>
+                  </p:par>
+                </p:childTnLst>
+              </p:cTn>
+              <p:prevCondLst>
+                <p:cond evt="onPrev" delay="0">
+                  <p:tgtEl>
+                    <p:sldTgt/>
+                  </p:tgtEl>
+                </p:cond>
+              </p:prevCondLst>
+              <p:nextCondLst>
+                <p:cond evt="onNext" delay="0">
+                  <p:tgtEl>
+                    <p:sldTgt/>
+                  </p:tgtEl>
+                </p:cond>
+              </p:nextCondLst>
+            </p:seq>
+          </p:childTnLst>
+        </p:cTn>
+      </p:par>
+    </p:tnLst>
+    <p:bldLst>
+      <p:bldP spid="8" grpId="0"/>
+      <p:bldP spid="9" grpId="0"/>
+    </p:bldLst>
+  </p:timing>
 </p:sld>
 </file>
 
-<file path=ppt/slides/slide14.xml><?xml version="1.0" encoding="utf-8"?>
+<file path=ppt/slides/slide16.xml><?xml version="1.0" encoding="utf-8"?>
 <p:sld xmlns:a="http://schemas.openxmlformats.org/drawingml/2006/main" xmlns:r="http://schemas.openxmlformats.org/officeDocument/2006/relationships" xmlns:p="http://schemas.openxmlformats.org/presentationml/2006/main">
   <p:cSld>
     <p:spTree>
@@ -7293,6 +7989,80 @@
       </p:grpSpPr>
       <p:sp>
         <p:nvSpPr>
+          <p:cNvPr id="5" name="CuadroTexto 4">
+            <a:extLst>
+              <a:ext uri="{FF2B5EF4-FFF2-40B4-BE49-F238E27FC236}">
+                <a16:creationId xmlns:a16="http://schemas.microsoft.com/office/drawing/2014/main" id="{A801BECA-5CE7-6BC9-DB42-48997F335703}"/>
+              </a:ext>
+            </a:extLst>
+          </p:cNvPr>
+          <p:cNvSpPr txBox="1"/>
+          <p:nvPr/>
+        </p:nvSpPr>
+        <p:spPr>
+          <a:xfrm>
+            <a:off x="1856286" y="1590070"/>
+            <a:ext cx="8479428" cy="2308324"/>
+          </a:xfrm>
+          <a:prstGeom prst="rect">
+            <a:avLst/>
+          </a:prstGeom>
+          <a:noFill/>
+        </p:spPr>
+        <p:txBody>
+          <a:bodyPr wrap="square" anchor="ctr">
+            <a:spAutoFit/>
+          </a:bodyPr>
+          <a:lstStyle/>
+          <a:p>
+            <a:pPr algn="ctr"/>
+            <a:r>
+              <a:rPr lang="en-US" sz="4800" b="1" dirty="0"/>
+              <a:t>What does influence </a:t>
+            </a:r>
+          </a:p>
+          <a:p>
+            <a:pPr algn="ctr"/>
+            <a:r>
+              <a:rPr lang="en-US" sz="4800" b="1" dirty="0"/>
+              <a:t>a flight to be recommended?</a:t>
+            </a:r>
+            <a:endParaRPr lang="en-US" sz="4800" dirty="0"/>
+          </a:p>
+        </p:txBody>
+      </p:sp>
+    </p:spTree>
+    <p:extLst>
+      <p:ext uri="{BB962C8B-B14F-4D97-AF65-F5344CB8AC3E}">
+        <p14:creationId xmlns:p14="http://schemas.microsoft.com/office/powerpoint/2010/main" val="1969871162"/>
+      </p:ext>
+    </p:extLst>
+  </p:cSld>
+  <p:clrMapOvr>
+    <a:masterClrMapping/>
+  </p:clrMapOvr>
+</p:sld>
+</file>
+
+<file path=ppt/slides/slide17.xml><?xml version="1.0" encoding="utf-8"?>
+<p:sld xmlns:a="http://schemas.openxmlformats.org/drawingml/2006/main" xmlns:r="http://schemas.openxmlformats.org/officeDocument/2006/relationships" xmlns:p="http://schemas.openxmlformats.org/presentationml/2006/main">
+  <p:cSld>
+    <p:spTree>
+      <p:nvGrpSpPr>
+        <p:cNvPr id="1" name=""/>
+        <p:cNvGrpSpPr/>
+        <p:nvPr/>
+      </p:nvGrpSpPr>
+      <p:grpSpPr>
+        <a:xfrm>
+          <a:off x="0" y="0"/>
+          <a:ext cx="0" cy="0"/>
+          <a:chOff x="0" y="0"/>
+          <a:chExt cx="0" cy="0"/>
+        </a:xfrm>
+      </p:grpSpPr>
+      <p:sp>
+        <p:nvSpPr>
           <p:cNvPr id="2" name="Título 1">
             <a:extLst>
               <a:ext uri="{FF2B5EF4-FFF2-40B4-BE49-F238E27FC236}">
@@ -7488,7 +8258,7 @@
 </p:sld>
 </file>
 
-<file path=ppt/slides/slide15.xml><?xml version="1.0" encoding="utf-8"?>
+<file path=ppt/slides/slide18.xml><?xml version="1.0" encoding="utf-8"?>
 <p:sld xmlns:a="http://schemas.openxmlformats.org/drawingml/2006/main" xmlns:r="http://schemas.openxmlformats.org/officeDocument/2006/relationships" xmlns:p="http://schemas.openxmlformats.org/presentationml/2006/main">
   <p:cSld>
     <p:spTree>
@@ -8052,7 +8822,7 @@
 </p:sld>
 </file>
 
-<file path=ppt/slides/slide16.xml><?xml version="1.0" encoding="utf-8"?>
+<file path=ppt/slides/slide19.xml><?xml version="1.0" encoding="utf-8"?>
 <p:sld xmlns:a="http://schemas.openxmlformats.org/drawingml/2006/main" xmlns:r="http://schemas.openxmlformats.org/officeDocument/2006/relationships" xmlns:p="http://schemas.openxmlformats.org/presentationml/2006/main">
   <p:cSld>
     <p:spTree>
@@ -8237,10 +9007,10 @@
       </p:pic>
       <p:pic>
         <p:nvPicPr>
-          <p:cNvPr id="9" name="Imagen 8">
+          <p:cNvPr id="10" name="Imagen 9">
             <a:extLst>
               <a:ext uri="{FF2B5EF4-FFF2-40B4-BE49-F238E27FC236}">
-                <a16:creationId xmlns:a16="http://schemas.microsoft.com/office/drawing/2014/main" id="{2E426C01-7EE9-23F0-B426-AC1714D1053B}"/>
+                <a16:creationId xmlns:a16="http://schemas.microsoft.com/office/drawing/2014/main" id="{153A5916-E59D-CD47-CD77-D8CE515A8847}"/>
               </a:ext>
             </a:extLst>
           </p:cNvPr>
@@ -8250,7 +9020,47 @@
           <p:nvPr/>
         </p:nvPicPr>
         <p:blipFill>
-          <a:blip r:embed="rId3">
+          <a:blip r:embed="rId3"/>
+          <a:stretch>
+            <a:fillRect/>
+          </a:stretch>
+        </p:blipFill>
+        <p:spPr>
+          <a:xfrm>
+            <a:off x="4432899" y="3634048"/>
+            <a:ext cx="3112287" cy="1964644"/>
+          </a:xfrm>
+          <a:prstGeom prst="rect">
+            <a:avLst/>
+          </a:prstGeom>
+          <a:ln>
+            <a:noFill/>
+          </a:ln>
+          <a:effectLst>
+            <a:outerShdw blurRad="292100" dist="139700" dir="2700000" algn="tl" rotWithShape="0">
+              <a:srgbClr val="333333">
+                <a:alpha val="65000"/>
+              </a:srgbClr>
+            </a:outerShdw>
+          </a:effectLst>
+        </p:spPr>
+      </p:pic>
+      <p:pic>
+        <p:nvPicPr>
+          <p:cNvPr id="4" name="Imagen 3">
+            <a:extLst>
+              <a:ext uri="{FF2B5EF4-FFF2-40B4-BE49-F238E27FC236}">
+                <a16:creationId xmlns:a16="http://schemas.microsoft.com/office/drawing/2014/main" id="{480ABCF3-2C78-9116-5D84-6D7DC1F0ECFE}"/>
+              </a:ext>
+            </a:extLst>
+          </p:cNvPr>
+          <p:cNvPicPr>
+            <a:picLocks noChangeAspect="1"/>
+          </p:cNvPicPr>
+          <p:nvPr/>
+        </p:nvPicPr>
+        <p:blipFill>
+          <a:blip r:embed="rId4">
             <a:extLst>
               <a:ext uri="{28A0092B-C50C-407E-A947-70E740481C1C}">
                 <a14:useLocalDpi xmlns:a14="http://schemas.microsoft.com/office/drawing/2010/main" val="0"/>
@@ -8263,8 +9073,8 @@
         </p:blipFill>
         <p:spPr>
           <a:xfrm>
-            <a:off x="7827262" y="2698781"/>
-            <a:ext cx="4253902" cy="3968504"/>
+            <a:off x="7889966" y="2698779"/>
+            <a:ext cx="4133602" cy="3968503"/>
           </a:xfrm>
           <a:prstGeom prst="roundRect">
             <a:avLst>
@@ -8284,46 +9094,6 @@
           </a:effectLst>
         </p:spPr>
       </p:pic>
-      <p:pic>
-        <p:nvPicPr>
-          <p:cNvPr id="10" name="Imagen 9">
-            <a:extLst>
-              <a:ext uri="{FF2B5EF4-FFF2-40B4-BE49-F238E27FC236}">
-                <a16:creationId xmlns:a16="http://schemas.microsoft.com/office/drawing/2014/main" id="{153A5916-E59D-CD47-CD77-D8CE515A8847}"/>
-              </a:ext>
-            </a:extLst>
-          </p:cNvPr>
-          <p:cNvPicPr>
-            <a:picLocks noChangeAspect="1"/>
-          </p:cNvPicPr>
-          <p:nvPr/>
-        </p:nvPicPr>
-        <p:blipFill>
-          <a:blip r:embed="rId4"/>
-          <a:stretch>
-            <a:fillRect/>
-          </a:stretch>
-        </p:blipFill>
-        <p:spPr>
-          <a:xfrm>
-            <a:off x="4432899" y="3634048"/>
-            <a:ext cx="3112287" cy="1964644"/>
-          </a:xfrm>
-          <a:prstGeom prst="rect">
-            <a:avLst/>
-          </a:prstGeom>
-          <a:ln>
-            <a:noFill/>
-          </a:ln>
-          <a:effectLst>
-            <a:outerShdw blurRad="292100" dist="139700" dir="2700000" algn="tl" rotWithShape="0">
-              <a:srgbClr val="333333">
-                <a:alpha val="65000"/>
-              </a:srgbClr>
-            </a:outerShdw>
-          </a:effectLst>
-        </p:spPr>
-      </p:pic>
     </p:spTree>
     <p:extLst>
       <p:ext uri="{BB962C8B-B14F-4D97-AF65-F5344CB8AC3E}">
@@ -8337,7 +9107,215 @@
 </p:sld>
 </file>
 
-<file path=ppt/slides/slide17.xml><?xml version="1.0" encoding="utf-8"?>
+<file path=ppt/slides/slide2.xml><?xml version="1.0" encoding="utf-8"?>
+<p:sld xmlns:a="http://schemas.openxmlformats.org/drawingml/2006/main" xmlns:r="http://schemas.openxmlformats.org/officeDocument/2006/relationships" xmlns:p="http://schemas.openxmlformats.org/presentationml/2006/main">
+  <p:cSld>
+    <p:spTree>
+      <p:nvGrpSpPr>
+        <p:cNvPr id="1" name=""/>
+        <p:cNvGrpSpPr/>
+        <p:nvPr/>
+      </p:nvGrpSpPr>
+      <p:grpSpPr>
+        <a:xfrm>
+          <a:off x="0" y="0"/>
+          <a:ext cx="0" cy="0"/>
+          <a:chOff x="0" y="0"/>
+          <a:chExt cx="0" cy="0"/>
+        </a:xfrm>
+      </p:grpSpPr>
+      <p:pic>
+        <p:nvPicPr>
+          <p:cNvPr id="1026" name="Picture 2" descr="Marlex y la selección de perfiles para Ironhack">
+            <a:extLst>
+              <a:ext uri="{FF2B5EF4-FFF2-40B4-BE49-F238E27FC236}">
+                <a16:creationId xmlns:a16="http://schemas.microsoft.com/office/drawing/2014/main" id="{F2601FAE-BDF8-8742-DDE9-08B6E1BE4B22}"/>
+              </a:ext>
+            </a:extLst>
+          </p:cNvPr>
+          <p:cNvPicPr>
+            <a:picLocks noGrp="1" noChangeAspect="1" noChangeArrowheads="1"/>
+          </p:cNvPicPr>
+          <p:nvPr>
+            <p:ph idx="1"/>
+          </p:nvPr>
+        </p:nvPicPr>
+        <p:blipFill>
+          <a:blip r:embed="rId2">
+            <a:extLst>
+              <a:ext uri="{28A0092B-C50C-407E-A947-70E740481C1C}">
+                <a14:useLocalDpi xmlns:a14="http://schemas.microsoft.com/office/drawing/2010/main" val="0"/>
+              </a:ext>
+            </a:extLst>
+          </a:blip>
+          <a:srcRect/>
+          <a:stretch>
+            <a:fillRect/>
+          </a:stretch>
+        </p:blipFill>
+        <p:spPr bwMode="auto">
+          <a:xfrm>
+            <a:off x="305252" y="947017"/>
+            <a:ext cx="5374661" cy="4070350"/>
+          </a:xfrm>
+          <a:prstGeom prst="rect">
+            <a:avLst/>
+          </a:prstGeom>
+          <a:ln>
+            <a:noFill/>
+          </a:ln>
+          <a:effectLst>
+            <a:softEdge rad="112500"/>
+          </a:effectLst>
+          <a:extLst>
+            <a:ext uri="{909E8E84-426E-40DD-AFC4-6F175D3DCCD1}">
+              <a14:hiddenFill xmlns:a14="http://schemas.microsoft.com/office/drawing/2010/main">
+                <a:solidFill>
+                  <a:srgbClr val="FFFFFF"/>
+                </a:solidFill>
+              </a14:hiddenFill>
+            </a:ext>
+          </a:extLst>
+        </p:spPr>
+      </p:pic>
+      <p:pic>
+        <p:nvPicPr>
+          <p:cNvPr id="1028" name="Picture 4" descr="Retrato de un gato gracioso con gafas de sol en un flotador azul en la  playa Concepto de verano Ai generativo | Foto Premium">
+            <a:extLst>
+              <a:ext uri="{FF2B5EF4-FFF2-40B4-BE49-F238E27FC236}">
+                <a16:creationId xmlns:a16="http://schemas.microsoft.com/office/drawing/2014/main" id="{9E076B66-2868-BF55-98F6-7CB9686ABC26}"/>
+              </a:ext>
+            </a:extLst>
+          </p:cNvPr>
+          <p:cNvPicPr>
+            <a:picLocks noChangeAspect="1" noChangeArrowheads="1"/>
+          </p:cNvPicPr>
+          <p:nvPr/>
+        </p:nvPicPr>
+        <p:blipFill>
+          <a:blip r:embed="rId3">
+            <a:extLst>
+              <a:ext uri="{28A0092B-C50C-407E-A947-70E740481C1C}">
+                <a14:useLocalDpi xmlns:a14="http://schemas.microsoft.com/office/drawing/2010/main" val="0"/>
+              </a:ext>
+            </a:extLst>
+          </a:blip>
+          <a:srcRect/>
+          <a:stretch>
+            <a:fillRect/>
+          </a:stretch>
+        </p:blipFill>
+        <p:spPr bwMode="auto">
+          <a:xfrm>
+            <a:off x="6142602" y="2501537"/>
+            <a:ext cx="5488245" cy="3912325"/>
+          </a:xfrm>
+          <a:prstGeom prst="rect">
+            <a:avLst/>
+          </a:prstGeom>
+          <a:ln>
+            <a:noFill/>
+          </a:ln>
+          <a:effectLst>
+            <a:softEdge rad="112500"/>
+          </a:effectLst>
+          <a:extLst>
+            <a:ext uri="{909E8E84-426E-40DD-AFC4-6F175D3DCCD1}">
+              <a14:hiddenFill xmlns:a14="http://schemas.microsoft.com/office/drawing/2010/main">
+                <a:solidFill>
+                  <a:srgbClr val="FFFFFF"/>
+                </a:solidFill>
+              </a14:hiddenFill>
+            </a:ext>
+          </a:extLst>
+        </p:spPr>
+      </p:pic>
+      <p:pic>
+        <p:nvPicPr>
+          <p:cNvPr id="8" name="Gráfico 7" descr="Marca de verificación">
+            <a:extLst>
+              <a:ext uri="{FF2B5EF4-FFF2-40B4-BE49-F238E27FC236}">
+                <a16:creationId xmlns:a16="http://schemas.microsoft.com/office/drawing/2014/main" id="{B5DF1017-B8DA-AD8F-BBBB-6A381E9B119A}"/>
+              </a:ext>
+            </a:extLst>
+          </p:cNvPr>
+          <p:cNvPicPr>
+            <a:picLocks noChangeAspect="1"/>
+          </p:cNvPicPr>
+          <p:nvPr/>
+        </p:nvPicPr>
+        <p:blipFill>
+          <a:blip r:embed="rId4">
+            <a:extLst>
+              <a:ext uri="{96DAC541-7B7A-43D3-8B79-37D633B846F1}">
+                <asvg:svgBlip xmlns:asvg="http://schemas.microsoft.com/office/drawing/2016/SVG/main" r:embed="rId5"/>
+              </a:ext>
+            </a:extLst>
+          </a:blip>
+          <a:stretch>
+            <a:fillRect/>
+          </a:stretch>
+        </p:blipFill>
+        <p:spPr>
+          <a:xfrm>
+            <a:off x="6605451" y="2677885"/>
+            <a:ext cx="1931125" cy="1931125"/>
+          </a:xfrm>
+          <a:prstGeom prst="rect">
+            <a:avLst/>
+          </a:prstGeom>
+        </p:spPr>
+      </p:pic>
+      <p:pic>
+        <p:nvPicPr>
+          <p:cNvPr id="10" name="Gráfico 9" descr="Cerrar">
+            <a:extLst>
+              <a:ext uri="{FF2B5EF4-FFF2-40B4-BE49-F238E27FC236}">
+                <a16:creationId xmlns:a16="http://schemas.microsoft.com/office/drawing/2014/main" id="{CE4A61A6-3B38-1CBB-6907-2A0CD8D22C38}"/>
+              </a:ext>
+            </a:extLst>
+          </p:cNvPr>
+          <p:cNvPicPr>
+            <a:picLocks noChangeAspect="1"/>
+          </p:cNvPicPr>
+          <p:nvPr/>
+        </p:nvPicPr>
+        <p:blipFill>
+          <a:blip r:embed="rId6">
+            <a:extLst>
+              <a:ext uri="{96DAC541-7B7A-43D3-8B79-37D633B846F1}">
+                <asvg:svgBlip xmlns:asvg="http://schemas.microsoft.com/office/drawing/2016/SVG/main" r:embed="rId7"/>
+              </a:ext>
+            </a:extLst>
+          </a:blip>
+          <a:stretch>
+            <a:fillRect/>
+          </a:stretch>
+        </p:blipFill>
+        <p:spPr>
+          <a:xfrm>
+            <a:off x="561153" y="2828109"/>
+            <a:ext cx="1960044" cy="1960044"/>
+          </a:xfrm>
+          <a:prstGeom prst="rect">
+            <a:avLst/>
+          </a:prstGeom>
+        </p:spPr>
+      </p:pic>
+    </p:spTree>
+    <p:extLst>
+      <p:ext uri="{BB962C8B-B14F-4D97-AF65-F5344CB8AC3E}">
+        <p14:creationId xmlns:p14="http://schemas.microsoft.com/office/powerpoint/2010/main" val="3693439863"/>
+      </p:ext>
+    </p:extLst>
+  </p:cSld>
+  <p:clrMapOvr>
+    <a:masterClrMapping/>
+  </p:clrMapOvr>
+</p:sld>
+</file>
+
+<file path=ppt/slides/slide20.xml><?xml version="1.0" encoding="utf-8"?>
 <p:sld xmlns:a="http://schemas.openxmlformats.org/drawingml/2006/main" xmlns:r="http://schemas.openxmlformats.org/officeDocument/2006/relationships" xmlns:p="http://schemas.openxmlformats.org/presentationml/2006/main">
   <p:cSld>
     <p:spTree>
@@ -8614,1190 +9592,135 @@
   <p:clrMapOvr>
     <a:masterClrMapping/>
   </p:clrMapOvr>
-</p:sld>
-</file>
-
-<file path=ppt/slides/slide18.xml><?xml version="1.0" encoding="utf-8"?>
-<p:sld xmlns:a="http://schemas.openxmlformats.org/drawingml/2006/main" xmlns:r="http://schemas.openxmlformats.org/officeDocument/2006/relationships" xmlns:p="http://schemas.openxmlformats.org/presentationml/2006/main">
-  <p:cSld>
-    <p:spTree>
-      <p:nvGrpSpPr>
-        <p:cNvPr id="1" name=""/>
-        <p:cNvGrpSpPr/>
-        <p:nvPr/>
-      </p:nvGrpSpPr>
-      <p:grpSpPr>
-        <a:xfrm>
-          <a:off x="0" y="0"/>
-          <a:ext cx="0" cy="0"/>
-          <a:chOff x="0" y="0"/>
-          <a:chExt cx="0" cy="0"/>
-        </a:xfrm>
-      </p:grpSpPr>
-      <p:sp>
-        <p:nvSpPr>
-          <p:cNvPr id="2" name="Título 1">
-            <a:extLst>
-              <a:ext uri="{FF2B5EF4-FFF2-40B4-BE49-F238E27FC236}">
-                <a16:creationId xmlns:a16="http://schemas.microsoft.com/office/drawing/2014/main" id="{DAF0B5AD-DBAD-96D3-E7B6-69E8EE0E7A6C}"/>
-              </a:ext>
-            </a:extLst>
-          </p:cNvPr>
-          <p:cNvSpPr>
-            <a:spLocks noGrp="1"/>
-          </p:cNvSpPr>
-          <p:nvPr>
-            <p:ph type="title"/>
-          </p:nvPr>
-        </p:nvSpPr>
-        <p:spPr>
-          <a:xfrm>
-            <a:off x="2895600" y="764373"/>
-            <a:ext cx="8503920" cy="682042"/>
-          </a:xfrm>
-        </p:spPr>
-        <p:txBody>
-          <a:bodyPr/>
-          <a:lstStyle/>
-          <a:p>
-            <a:r>
-              <a:rPr lang="en-US" sz="3200" b="1" dirty="0"/>
-              <a:t>CLASSIFICATION MODEL RESULTS</a:t>
-            </a:r>
-            <a:endParaRPr lang="en-US" b="1" dirty="0"/>
-          </a:p>
-        </p:txBody>
-      </p:sp>
-      <p:sp>
-        <p:nvSpPr>
-          <p:cNvPr id="3" name="Marcador de contenido 2">
-            <a:extLst>
-              <a:ext uri="{FF2B5EF4-FFF2-40B4-BE49-F238E27FC236}">
-                <a16:creationId xmlns:a16="http://schemas.microsoft.com/office/drawing/2014/main" id="{C048F7B3-1903-E34C-6061-9B7924694E57}"/>
-              </a:ext>
-            </a:extLst>
-          </p:cNvPr>
-          <p:cNvSpPr>
-            <a:spLocks noGrp="1"/>
-          </p:cNvSpPr>
-          <p:nvPr>
-            <p:ph idx="1"/>
-          </p:nvPr>
-        </p:nvSpPr>
-        <p:spPr/>
-        <p:txBody>
-          <a:bodyPr anchor="ctr">
-            <a:normAutofit fontScale="92500" lnSpcReduction="10000"/>
-          </a:bodyPr>
-          <a:lstStyle/>
-          <a:p>
-            <a:pPr algn="just"/>
-            <a:r>
-              <a:rPr lang="en-US" dirty="0"/>
-              <a:t>Ratings are the variables that most affect a positive recommendation</a:t>
-            </a:r>
-          </a:p>
-          <a:p>
-            <a:pPr marL="0" indent="0" algn="just">
-              <a:buNone/>
-            </a:pPr>
-            <a:endParaRPr lang="en-US" dirty="0"/>
-          </a:p>
-          <a:p>
-            <a:pPr algn="just"/>
-            <a:r>
-              <a:rPr lang="en-US" dirty="0">
-                <a:solidFill>
-                  <a:srgbClr val="00B050"/>
-                </a:solidFill>
-              </a:rPr>
-              <a:t>Most expensive cabin type and Service rating influence the recommendation positively</a:t>
-            </a:r>
-          </a:p>
-          <a:p>
-            <a:pPr marL="0" indent="0" algn="just">
-              <a:buNone/>
-            </a:pPr>
-            <a:endParaRPr lang="en-US" dirty="0">
-              <a:solidFill>
-                <a:srgbClr val="00B050"/>
-              </a:solidFill>
-            </a:endParaRPr>
-          </a:p>
-          <a:p>
-            <a:pPr algn="just"/>
-            <a:r>
-              <a:rPr lang="en-US" dirty="0">
-                <a:solidFill>
-                  <a:srgbClr val="FF0000"/>
-                </a:solidFill>
-              </a:rPr>
-              <a:t>Scales, travelling in couple/family, Long Distance trips and Trip Verification affect negatively the recommendation</a:t>
-            </a:r>
-          </a:p>
-          <a:p>
-            <a:pPr marL="0" indent="0" algn="just">
-              <a:buNone/>
-            </a:pPr>
-            <a:endParaRPr lang="en-US" dirty="0">
-              <a:solidFill>
-                <a:srgbClr val="FF0000"/>
-              </a:solidFill>
-            </a:endParaRPr>
-          </a:p>
-          <a:p>
-            <a:pPr algn="just"/>
-            <a:r>
-              <a:rPr lang="en-US" dirty="0"/>
-              <a:t>All these variables explain approximately 85-90% of the result</a:t>
-            </a:r>
-          </a:p>
-          <a:p>
-            <a:pPr marL="0" indent="0" algn="just">
-              <a:buNone/>
-            </a:pPr>
-            <a:endParaRPr lang="en-US" dirty="0"/>
-          </a:p>
-          <a:p>
-            <a:pPr algn="just"/>
-            <a:r>
-              <a:rPr lang="en-US" dirty="0"/>
-              <a:t>Correlation is present in the data, so better to use </a:t>
-            </a:r>
-            <a:r>
-              <a:rPr lang="en-US" b="1" dirty="0"/>
-              <a:t>KNN</a:t>
-            </a:r>
-            <a:r>
-              <a:rPr lang="en-US" dirty="0"/>
-              <a:t> or </a:t>
-            </a:r>
-            <a:r>
-              <a:rPr lang="en-US" b="1" dirty="0"/>
-              <a:t>random forest </a:t>
-            </a:r>
-            <a:r>
-              <a:rPr lang="en-US" dirty="0"/>
-              <a:t>models</a:t>
-            </a:r>
-          </a:p>
-        </p:txBody>
-      </p:sp>
-    </p:spTree>
-    <p:extLst>
-      <p:ext uri="{BB962C8B-B14F-4D97-AF65-F5344CB8AC3E}">
-        <p14:creationId xmlns:p14="http://schemas.microsoft.com/office/powerpoint/2010/main" val="4194038069"/>
-      </p:ext>
-    </p:extLst>
-  </p:cSld>
-  <p:clrMapOvr>
-    <a:masterClrMapping/>
-  </p:clrMapOvr>
-</p:sld>
-</file>
-
-<file path=ppt/slides/slide19.xml><?xml version="1.0" encoding="utf-8"?>
-<p:sld xmlns:a="http://schemas.openxmlformats.org/drawingml/2006/main" xmlns:r="http://schemas.openxmlformats.org/officeDocument/2006/relationships" xmlns:p="http://schemas.openxmlformats.org/presentationml/2006/main">
-  <p:cSld>
-    <p:spTree>
-      <p:nvGrpSpPr>
-        <p:cNvPr id="1" name=""/>
-        <p:cNvGrpSpPr/>
-        <p:nvPr/>
-      </p:nvGrpSpPr>
-      <p:grpSpPr>
-        <a:xfrm>
-          <a:off x="0" y="0"/>
-          <a:ext cx="0" cy="0"/>
-          <a:chOff x="0" y="0"/>
-          <a:chExt cx="0" cy="0"/>
-        </a:xfrm>
-      </p:grpSpPr>
-      <p:sp>
-        <p:nvSpPr>
-          <p:cNvPr id="3" name="Marcador de contenido 2">
-            <a:extLst>
-              <a:ext uri="{FF2B5EF4-FFF2-40B4-BE49-F238E27FC236}">
-                <a16:creationId xmlns:a16="http://schemas.microsoft.com/office/drawing/2014/main" id="{2340853B-484F-048B-DFAF-D2F91D53E0DE}"/>
-              </a:ext>
-            </a:extLst>
-          </p:cNvPr>
-          <p:cNvSpPr>
-            <a:spLocks noGrp="1"/>
-          </p:cNvSpPr>
-          <p:nvPr>
-            <p:ph idx="1"/>
-          </p:nvPr>
-        </p:nvSpPr>
-        <p:spPr>
-          <a:xfrm>
-            <a:off x="338051" y="1895302"/>
-            <a:ext cx="5436524" cy="4838007"/>
-          </a:xfrm>
-        </p:spPr>
-        <p:txBody>
-          <a:bodyPr>
-            <a:normAutofit fontScale="77500" lnSpcReduction="20000"/>
-          </a:bodyPr>
-          <a:lstStyle/>
-          <a:p>
-            <a:pPr>
-              <a:lnSpc>
-                <a:spcPct val="120000"/>
-              </a:lnSpc>
-            </a:pPr>
-            <a:r>
-              <a:rPr lang="en-US" sz="2600" dirty="0">
-                <a:solidFill>
-                  <a:srgbClr val="FFFF00"/>
-                </a:solidFill>
-              </a:rPr>
-              <a:t>Models type: </a:t>
-            </a:r>
-            <a:r>
-              <a:rPr lang="en-US" sz="2600" dirty="0"/>
-              <a:t>regression </a:t>
-            </a:r>
-          </a:p>
-          <a:p>
-            <a:pPr>
-              <a:lnSpc>
-                <a:spcPct val="120000"/>
-              </a:lnSpc>
-            </a:pPr>
-            <a:r>
-              <a:rPr lang="en-US" sz="2600" dirty="0">
-                <a:solidFill>
-                  <a:srgbClr val="FFFF00"/>
-                </a:solidFill>
-              </a:rPr>
-              <a:t>Model 1: </a:t>
-            </a:r>
-            <a:r>
-              <a:rPr lang="en-US" sz="2600" dirty="0"/>
-              <a:t>Ordinary Least Squares (OLS regressor)</a:t>
-            </a:r>
-            <a:endParaRPr lang="en-US" sz="1100" dirty="0"/>
-          </a:p>
-          <a:p>
-            <a:pPr>
-              <a:lnSpc>
-                <a:spcPct val="120000"/>
-              </a:lnSpc>
-            </a:pPr>
-            <a:endParaRPr lang="en-US" sz="1400" dirty="0"/>
-          </a:p>
-          <a:p>
-            <a:pPr>
-              <a:lnSpc>
-                <a:spcPct val="120000"/>
-              </a:lnSpc>
-            </a:pPr>
-            <a:r>
-              <a:rPr lang="en-US" sz="2300" dirty="0">
-                <a:solidFill>
-                  <a:srgbClr val="FFFF00"/>
-                </a:solidFill>
-              </a:rPr>
-              <a:t>Dependent variables: </a:t>
-            </a:r>
-            <a:r>
-              <a:rPr lang="en-US" sz="2300" i="1" dirty="0"/>
-              <a:t>‘Overall Score’ </a:t>
-            </a:r>
-          </a:p>
-          <a:p>
-            <a:pPr>
-              <a:lnSpc>
-                <a:spcPct val="120000"/>
-              </a:lnSpc>
-            </a:pPr>
-            <a:r>
-              <a:rPr lang="en-US" sz="2300" dirty="0">
-                <a:solidFill>
-                  <a:srgbClr val="FFFF00"/>
-                </a:solidFill>
-              </a:rPr>
-              <a:t>Independent variables: </a:t>
-            </a:r>
-            <a:r>
-              <a:rPr lang="en-US" sz="2300" i="1" dirty="0"/>
-              <a:t>Type of Cabin, Cabin Service Rating, Type of </a:t>
-            </a:r>
-            <a:r>
-              <a:rPr lang="en-US" sz="2300" i="1" dirty="0" err="1"/>
-              <a:t>Traveller</a:t>
-            </a:r>
-            <a:r>
-              <a:rPr lang="en-US" sz="2300" i="1" dirty="0"/>
-              <a:t>, Purpose, Verification, Long Distance, Scale</a:t>
-            </a:r>
-          </a:p>
-          <a:p>
-            <a:pPr>
-              <a:lnSpc>
-                <a:spcPct val="120000"/>
-              </a:lnSpc>
-            </a:pPr>
-            <a:endParaRPr lang="en-US" sz="2300" i="1" dirty="0"/>
-          </a:p>
-          <a:p>
-            <a:pPr>
-              <a:lnSpc>
-                <a:spcPct val="120000"/>
-              </a:lnSpc>
-            </a:pPr>
-            <a:r>
-              <a:rPr lang="en-US" sz="2300" dirty="0"/>
-              <a:t>Strong correlation </a:t>
-            </a:r>
-            <a:r>
-              <a:rPr lang="en-US" sz="2300" dirty="0">
-                <a:sym typeface="Wingdings" panose="05000000000000000000" pitchFamily="2" charset="2"/>
-              </a:rPr>
-              <a:t>drop time variable and all ratings except cabin service</a:t>
-            </a:r>
-          </a:p>
-          <a:p>
-            <a:pPr marL="0" indent="0">
-              <a:lnSpc>
-                <a:spcPct val="120000"/>
-              </a:lnSpc>
-              <a:buNone/>
-            </a:pPr>
-            <a:endParaRPr lang="en-US" sz="2300" dirty="0"/>
-          </a:p>
-          <a:p>
-            <a:pPr>
-              <a:lnSpc>
-                <a:spcPct val="120000"/>
-              </a:lnSpc>
-            </a:pPr>
-            <a:r>
-              <a:rPr lang="en-US" sz="2300" dirty="0">
-                <a:solidFill>
-                  <a:srgbClr val="FFFF00"/>
-                </a:solidFill>
-              </a:rPr>
-              <a:t>Goodness of fit: </a:t>
-            </a:r>
-            <a:r>
-              <a:rPr lang="en-US" sz="2300" dirty="0"/>
-              <a:t>0.62, all significant variables</a:t>
-            </a:r>
-            <a:endParaRPr lang="en-US" sz="1600" dirty="0"/>
-          </a:p>
-        </p:txBody>
-      </p:sp>
-      <p:sp>
-        <p:nvSpPr>
-          <p:cNvPr id="4" name="Título 1">
-            <a:extLst>
-              <a:ext uri="{FF2B5EF4-FFF2-40B4-BE49-F238E27FC236}">
-                <a16:creationId xmlns:a16="http://schemas.microsoft.com/office/drawing/2014/main" id="{B67E1456-4E28-A93C-6888-82798DD524B8}"/>
-              </a:ext>
-            </a:extLst>
-          </p:cNvPr>
-          <p:cNvSpPr>
-            <a:spLocks noGrp="1"/>
-          </p:cNvSpPr>
-          <p:nvPr>
-            <p:ph type="title"/>
-          </p:nvPr>
-        </p:nvSpPr>
-        <p:spPr>
-          <a:xfrm>
-            <a:off x="2895600" y="764373"/>
-            <a:ext cx="8503920" cy="1293028"/>
-          </a:xfrm>
-        </p:spPr>
-        <p:txBody>
-          <a:bodyPr>
-            <a:normAutofit/>
-          </a:bodyPr>
-          <a:lstStyle/>
-          <a:p>
-            <a:r>
-              <a:rPr lang="en-US" sz="3200" b="1" dirty="0"/>
-              <a:t>What does influence the overall score of a flight?</a:t>
-            </a:r>
-          </a:p>
-        </p:txBody>
-      </p:sp>
-      <p:pic>
-        <p:nvPicPr>
-          <p:cNvPr id="9" name="Imagen 8">
-            <a:extLst>
-              <a:ext uri="{FF2B5EF4-FFF2-40B4-BE49-F238E27FC236}">
-                <a16:creationId xmlns:a16="http://schemas.microsoft.com/office/drawing/2014/main" id="{CDB88A13-1332-EC03-7F68-A7412C9D3F27}"/>
-              </a:ext>
-            </a:extLst>
-          </p:cNvPr>
-          <p:cNvPicPr>
-            <a:picLocks noChangeAspect="1"/>
-          </p:cNvPicPr>
-          <p:nvPr/>
-        </p:nvPicPr>
-        <p:blipFill>
-          <a:blip r:embed="rId2"/>
-          <a:stretch>
-            <a:fillRect/>
-          </a:stretch>
-        </p:blipFill>
-        <p:spPr>
-          <a:xfrm>
-            <a:off x="5985162" y="2141559"/>
-            <a:ext cx="5348247" cy="4268784"/>
-          </a:xfrm>
-          <a:prstGeom prst="roundRect">
-            <a:avLst>
-              <a:gd name="adj" fmla="val 8594"/>
-            </a:avLst>
-          </a:prstGeom>
-          <a:solidFill>
-            <a:srgbClr val="FFFFFF">
-              <a:shade val="85000"/>
-            </a:srgbClr>
-          </a:solidFill>
-          <a:ln>
-            <a:noFill/>
-          </a:ln>
-          <a:effectLst>
-            <a:reflection blurRad="12700" stA="38000" endPos="28000" dist="5000" dir="5400000" sy="-100000" algn="bl" rotWithShape="0"/>
-          </a:effectLst>
-        </p:spPr>
-      </p:pic>
-    </p:spTree>
-    <p:extLst>
-      <p:ext uri="{BB962C8B-B14F-4D97-AF65-F5344CB8AC3E}">
-        <p14:creationId xmlns:p14="http://schemas.microsoft.com/office/powerpoint/2010/main" val="1221142214"/>
-      </p:ext>
-    </p:extLst>
-  </p:cSld>
-  <p:clrMapOvr>
-    <a:masterClrMapping/>
-  </p:clrMapOvr>
-</p:sld>
-</file>
-
-<file path=ppt/slides/slide2.xml><?xml version="1.0" encoding="utf-8"?>
-<p:sld xmlns:a="http://schemas.openxmlformats.org/drawingml/2006/main" xmlns:r="http://schemas.openxmlformats.org/officeDocument/2006/relationships" xmlns:p="http://schemas.openxmlformats.org/presentationml/2006/main">
-  <p:cSld>
-    <p:spTree>
-      <p:nvGrpSpPr>
-        <p:cNvPr id="1" name=""/>
-        <p:cNvGrpSpPr/>
-        <p:nvPr/>
-      </p:nvGrpSpPr>
-      <p:grpSpPr>
-        <a:xfrm>
-          <a:off x="0" y="0"/>
-          <a:ext cx="0" cy="0"/>
-          <a:chOff x="0" y="0"/>
-          <a:chExt cx="0" cy="0"/>
-        </a:xfrm>
-      </p:grpSpPr>
-      <p:sp>
-        <p:nvSpPr>
-          <p:cNvPr id="2" name="Título 1">
-            <a:extLst>
-              <a:ext uri="{FF2B5EF4-FFF2-40B4-BE49-F238E27FC236}">
-                <a16:creationId xmlns:a16="http://schemas.microsoft.com/office/drawing/2014/main" id="{3E8D54CD-574E-F90F-2565-114EC97F35D3}"/>
-              </a:ext>
-            </a:extLst>
-          </p:cNvPr>
-          <p:cNvSpPr>
-            <a:spLocks noGrp="1"/>
-          </p:cNvSpPr>
-          <p:nvPr>
-            <p:ph type="title"/>
-          </p:nvPr>
-        </p:nvSpPr>
-        <p:spPr/>
-        <p:txBody>
-          <a:bodyPr/>
-          <a:lstStyle/>
-          <a:p>
-            <a:r>
-              <a:rPr lang="en-US" b="1" dirty="0"/>
-              <a:t>Index</a:t>
-            </a:r>
-          </a:p>
-        </p:txBody>
-      </p:sp>
-      <p:sp>
-        <p:nvSpPr>
-          <p:cNvPr id="3" name="Marcador de contenido 2">
-            <a:extLst>
-              <a:ext uri="{FF2B5EF4-FFF2-40B4-BE49-F238E27FC236}">
-                <a16:creationId xmlns:a16="http://schemas.microsoft.com/office/drawing/2014/main" id="{1251A6A3-61D1-9679-E748-6C847CA835C7}"/>
-              </a:ext>
-            </a:extLst>
-          </p:cNvPr>
-          <p:cNvSpPr>
-            <a:spLocks noGrp="1"/>
-          </p:cNvSpPr>
-          <p:nvPr>
-            <p:ph idx="1"/>
-          </p:nvPr>
-        </p:nvSpPr>
-        <p:spPr>
-          <a:xfrm>
-            <a:off x="792480" y="1878676"/>
-            <a:ext cx="10607040" cy="4384964"/>
-          </a:xfrm>
-        </p:spPr>
-        <p:txBody>
-          <a:bodyPr>
-            <a:normAutofit fontScale="92500" lnSpcReduction="10000"/>
-          </a:bodyPr>
-          <a:lstStyle/>
-          <a:p>
-            <a:r>
-              <a:rPr lang="en-US" dirty="0"/>
-              <a:t>Objective and Data Sources</a:t>
-            </a:r>
-          </a:p>
-          <a:p>
-            <a:pPr marL="0" indent="0">
-              <a:buNone/>
-            </a:pPr>
-            <a:endParaRPr lang="en-US" dirty="0"/>
-          </a:p>
-          <a:p>
-            <a:r>
-              <a:rPr lang="en-US" dirty="0"/>
-              <a:t>Exploratory Data Analysis</a:t>
-            </a:r>
-          </a:p>
-          <a:p>
-            <a:pPr marL="0" indent="0">
-              <a:buNone/>
-            </a:pPr>
-            <a:endParaRPr lang="en-US" dirty="0"/>
-          </a:p>
-          <a:p>
-            <a:r>
-              <a:rPr lang="en-US" dirty="0"/>
-              <a:t>Descriptive Statistics</a:t>
-            </a:r>
-          </a:p>
-          <a:p>
-            <a:pPr marL="0" indent="0">
-              <a:buNone/>
-            </a:pPr>
-            <a:endParaRPr lang="en-US" dirty="0"/>
-          </a:p>
-          <a:p>
-            <a:r>
-              <a:rPr lang="en-US" dirty="0"/>
-              <a:t>Models</a:t>
-            </a:r>
-          </a:p>
-          <a:p>
-            <a:pPr lvl="1"/>
-            <a:r>
-              <a:rPr lang="en-US" sz="1800" dirty="0"/>
-              <a:t>What factors make an impact in a (positive) recommendation?</a:t>
-            </a:r>
-          </a:p>
-          <a:p>
-            <a:pPr lvl="1"/>
-            <a:r>
-              <a:rPr lang="en-US" sz="1800" dirty="0"/>
-              <a:t>What factors make an impact in a (high) overall score?</a:t>
-            </a:r>
-          </a:p>
-          <a:p>
-            <a:pPr lvl="1"/>
-            <a:r>
-              <a:rPr lang="en-US" sz="1800" dirty="0"/>
-              <a:t>Real Traveler Reviews and word cloud</a:t>
-            </a:r>
-          </a:p>
-          <a:p>
-            <a:pPr lvl="1"/>
-            <a:r>
-              <a:rPr lang="en-US" sz="1800" dirty="0"/>
-              <a:t>Review Prediction</a:t>
-            </a:r>
-          </a:p>
-          <a:p>
-            <a:pPr lvl="1"/>
-            <a:r>
-              <a:rPr lang="en-US" sz="1800" dirty="0"/>
-              <a:t>Airline Classifier</a:t>
-            </a:r>
-          </a:p>
-          <a:p>
-            <a:pPr lvl="1"/>
-            <a:r>
-              <a:rPr lang="en-US" sz="1800" dirty="0"/>
-              <a:t>Airline Recommender</a:t>
-            </a:r>
-          </a:p>
-          <a:p>
-            <a:pPr lvl="1"/>
-            <a:endParaRPr lang="en-US" dirty="0"/>
-          </a:p>
-          <a:p>
-            <a:pPr lvl="1"/>
-            <a:endParaRPr lang="en-US" dirty="0"/>
-          </a:p>
-          <a:p>
-            <a:endParaRPr lang="en-US" dirty="0"/>
-          </a:p>
-          <a:p>
-            <a:endParaRPr lang="en-US" dirty="0"/>
-          </a:p>
-        </p:txBody>
-      </p:sp>
-    </p:spTree>
-    <p:extLst>
-      <p:ext uri="{BB962C8B-B14F-4D97-AF65-F5344CB8AC3E}">
-        <p14:creationId xmlns:p14="http://schemas.microsoft.com/office/powerpoint/2010/main" val="327937728"/>
-      </p:ext>
-    </p:extLst>
-  </p:cSld>
-  <p:clrMapOvr>
-    <a:masterClrMapping/>
-  </p:clrMapOvr>
-</p:sld>
-</file>
-
-<file path=ppt/slides/slide20.xml><?xml version="1.0" encoding="utf-8"?>
-<p:sld xmlns:a="http://schemas.openxmlformats.org/drawingml/2006/main" xmlns:r="http://schemas.openxmlformats.org/officeDocument/2006/relationships" xmlns:p="http://schemas.openxmlformats.org/presentationml/2006/main">
-  <p:cSld>
-    <p:spTree>
-      <p:nvGrpSpPr>
-        <p:cNvPr id="1" name=""/>
-        <p:cNvGrpSpPr/>
-        <p:nvPr/>
-      </p:nvGrpSpPr>
-      <p:grpSpPr>
-        <a:xfrm>
-          <a:off x="0" y="0"/>
-          <a:ext cx="0" cy="0"/>
-          <a:chOff x="0" y="0"/>
-          <a:chExt cx="0" cy="0"/>
-        </a:xfrm>
-      </p:grpSpPr>
-      <p:sp>
-        <p:nvSpPr>
-          <p:cNvPr id="5" name="CuadroTexto 4">
-            <a:extLst>
-              <a:ext uri="{FF2B5EF4-FFF2-40B4-BE49-F238E27FC236}">
-                <a16:creationId xmlns:a16="http://schemas.microsoft.com/office/drawing/2014/main" id="{D885BADB-FC12-BD7F-0473-F1A2A9144BF8}"/>
-              </a:ext>
-            </a:extLst>
-          </p:cNvPr>
-          <p:cNvSpPr txBox="1"/>
-          <p:nvPr/>
-        </p:nvSpPr>
-        <p:spPr>
-          <a:xfrm>
-            <a:off x="576349" y="2041720"/>
-            <a:ext cx="11039302" cy="1200329"/>
-          </a:xfrm>
-          <a:prstGeom prst="rect">
-            <a:avLst/>
-          </a:prstGeom>
-          <a:solidFill>
-            <a:schemeClr val="accent5">
-              <a:lumMod val="75000"/>
-            </a:schemeClr>
-          </a:solidFill>
-        </p:spPr>
-        <p:txBody>
-          <a:bodyPr wrap="square">
-            <a:spAutoFit/>
-          </a:bodyPr>
-          <a:lstStyle/>
-          <a:p>
-            <a:r>
-              <a:rPr lang="en-US" sz="1800" dirty="0">
-                <a:solidFill>
-                  <a:srgbClr val="FFFF00"/>
-                </a:solidFill>
-              </a:rPr>
-              <a:t>Model 2: </a:t>
-            </a:r>
-            <a:r>
-              <a:rPr lang="en-US" sz="1800" dirty="0"/>
-              <a:t>KNN regressor</a:t>
-            </a:r>
-          </a:p>
-          <a:p>
-            <a:r>
-              <a:rPr lang="en-US" dirty="0">
-                <a:solidFill>
-                  <a:srgbClr val="FFFF00"/>
-                </a:solidFill>
-              </a:rPr>
-              <a:t>Assumption: </a:t>
-            </a:r>
-            <a:r>
-              <a:rPr lang="en-US"/>
-              <a:t>a</a:t>
-            </a:r>
-            <a:r>
-              <a:rPr lang="en-US" sz="1800"/>
-              <a:t>voids multicollinearity </a:t>
-            </a:r>
-            <a:r>
-              <a:rPr lang="en-US" sz="1800" dirty="0"/>
-              <a:t>issues </a:t>
-            </a:r>
-          </a:p>
-          <a:p>
-            <a:r>
-              <a:rPr lang="en-US" sz="1800" dirty="0">
-                <a:solidFill>
-                  <a:srgbClr val="FFFF00"/>
-                </a:solidFill>
-              </a:rPr>
-              <a:t>HP Tuning: </a:t>
-            </a:r>
-            <a:r>
-              <a:rPr lang="es-ES" sz="1400" b="0" i="0" dirty="0">
-                <a:solidFill>
-                  <a:srgbClr val="D4D4D4"/>
-                </a:solidFill>
-                <a:effectLst/>
-                <a:latin typeface="Consolas" panose="020B0609020204030204" pitchFamily="49" charset="0"/>
-              </a:rPr>
-              <a:t>'</a:t>
-            </a:r>
-            <a:r>
-              <a:rPr lang="es-ES" sz="1400" b="0" i="0" dirty="0" err="1">
-                <a:solidFill>
-                  <a:srgbClr val="D4D4D4"/>
-                </a:solidFill>
-                <a:effectLst/>
-                <a:latin typeface="Consolas" panose="020B0609020204030204" pitchFamily="49" charset="0"/>
-              </a:rPr>
-              <a:t>algorithm</a:t>
-            </a:r>
-            <a:r>
-              <a:rPr lang="es-ES" sz="1400" b="0" i="0" dirty="0">
-                <a:solidFill>
-                  <a:srgbClr val="D4D4D4"/>
-                </a:solidFill>
-                <a:effectLst/>
-                <a:latin typeface="Consolas" panose="020B0609020204030204" pitchFamily="49" charset="0"/>
-              </a:rPr>
-              <a:t>': 'auto', '</a:t>
-            </a:r>
-            <a:r>
-              <a:rPr lang="es-ES" sz="1400" b="0" i="0" dirty="0" err="1">
-                <a:solidFill>
-                  <a:srgbClr val="D4D4D4"/>
-                </a:solidFill>
-                <a:effectLst/>
-                <a:latin typeface="Consolas" panose="020B0609020204030204" pitchFamily="49" charset="0"/>
-              </a:rPr>
-              <a:t>n_neighbors</a:t>
-            </a:r>
-            <a:r>
-              <a:rPr lang="es-ES" sz="1400" b="0" i="0" dirty="0">
-                <a:solidFill>
-                  <a:srgbClr val="D4D4D4"/>
-                </a:solidFill>
-                <a:effectLst/>
-                <a:latin typeface="Consolas" panose="020B0609020204030204" pitchFamily="49" charset="0"/>
-              </a:rPr>
-              <a:t>’: 60, '</a:t>
-            </a:r>
-            <a:r>
-              <a:rPr lang="es-ES" sz="1400" b="0" i="0" dirty="0" err="1">
-                <a:solidFill>
-                  <a:srgbClr val="D4D4D4"/>
-                </a:solidFill>
-                <a:effectLst/>
-                <a:latin typeface="Consolas" panose="020B0609020204030204" pitchFamily="49" charset="0"/>
-              </a:rPr>
-              <a:t>weights</a:t>
-            </a:r>
-            <a:r>
-              <a:rPr lang="es-ES" sz="1400" b="0" i="0" dirty="0">
-                <a:solidFill>
-                  <a:srgbClr val="D4D4D4"/>
-                </a:solidFill>
-                <a:effectLst/>
-                <a:latin typeface="Consolas" panose="020B0609020204030204" pitchFamily="49" charset="0"/>
-              </a:rPr>
-              <a:t>’: </a:t>
-            </a:r>
-            <a:r>
-              <a:rPr lang="es-ES" sz="1400" b="0" i="0" dirty="0" err="1">
-                <a:solidFill>
-                  <a:srgbClr val="D4D4D4"/>
-                </a:solidFill>
-                <a:effectLst/>
-                <a:latin typeface="Consolas" panose="020B0609020204030204" pitchFamily="49" charset="0"/>
-              </a:rPr>
-              <a:t>distance</a:t>
-            </a:r>
-            <a:r>
-              <a:rPr lang="es-ES" sz="1400" b="0" i="0" dirty="0">
-                <a:solidFill>
-                  <a:srgbClr val="D4D4D4"/>
-                </a:solidFill>
-                <a:effectLst/>
-                <a:latin typeface="Consolas" panose="020B0609020204030204" pitchFamily="49" charset="0"/>
-              </a:rPr>
-              <a:t>’</a:t>
-            </a:r>
-          </a:p>
-          <a:p>
-            <a:r>
-              <a:rPr lang="es-ES" sz="1800" dirty="0" err="1">
-                <a:solidFill>
-                  <a:srgbClr val="FFFF00"/>
-                </a:solidFill>
-              </a:rPr>
-              <a:t>Goodness</a:t>
-            </a:r>
-            <a:r>
-              <a:rPr lang="es-ES" sz="1800" dirty="0">
-                <a:solidFill>
-                  <a:srgbClr val="FFFF00"/>
-                </a:solidFill>
-              </a:rPr>
-              <a:t> </a:t>
-            </a:r>
-            <a:r>
-              <a:rPr lang="es-ES" sz="1800" dirty="0" err="1">
-                <a:solidFill>
-                  <a:srgbClr val="FFFF00"/>
-                </a:solidFill>
-              </a:rPr>
-              <a:t>of</a:t>
-            </a:r>
-            <a:r>
-              <a:rPr lang="es-ES" sz="1800" dirty="0">
-                <a:solidFill>
-                  <a:srgbClr val="FFFF00"/>
-                </a:solidFill>
-              </a:rPr>
-              <a:t> </a:t>
-            </a:r>
-            <a:r>
-              <a:rPr lang="es-ES" sz="1800" dirty="0" err="1">
-                <a:solidFill>
-                  <a:srgbClr val="FFFF00"/>
-                </a:solidFill>
-              </a:rPr>
-              <a:t>fit</a:t>
-            </a:r>
-            <a:r>
-              <a:rPr lang="es-ES" sz="1800" dirty="0">
-                <a:solidFill>
-                  <a:srgbClr val="FFFF00"/>
-                </a:solidFill>
-              </a:rPr>
-              <a:t>: </a:t>
-            </a:r>
-            <a:r>
-              <a:rPr lang="es-ES" sz="1800" dirty="0"/>
-              <a:t>0.66</a:t>
-            </a:r>
-            <a:endParaRPr lang="en-US" sz="1800" dirty="0"/>
-          </a:p>
-        </p:txBody>
-      </p:sp>
-      <p:sp>
-        <p:nvSpPr>
-          <p:cNvPr id="6" name="CuadroTexto 5">
-            <a:extLst>
-              <a:ext uri="{FF2B5EF4-FFF2-40B4-BE49-F238E27FC236}">
-                <a16:creationId xmlns:a16="http://schemas.microsoft.com/office/drawing/2014/main" id="{DBE70E9B-6E8F-3CBC-B10E-8B5771038FD7}"/>
-              </a:ext>
-            </a:extLst>
-          </p:cNvPr>
-          <p:cNvSpPr txBox="1"/>
-          <p:nvPr/>
-        </p:nvSpPr>
-        <p:spPr>
-          <a:xfrm>
-            <a:off x="576349" y="4135319"/>
-            <a:ext cx="11039302" cy="1200329"/>
-          </a:xfrm>
-          <a:prstGeom prst="rect">
-            <a:avLst/>
-          </a:prstGeom>
-          <a:solidFill>
-            <a:schemeClr val="accent5">
-              <a:lumMod val="75000"/>
-            </a:schemeClr>
-          </a:solidFill>
-        </p:spPr>
-        <p:txBody>
-          <a:bodyPr wrap="square">
-            <a:spAutoFit/>
-          </a:bodyPr>
-          <a:lstStyle/>
-          <a:p>
-            <a:r>
-              <a:rPr lang="en-US" sz="1800" dirty="0">
-                <a:solidFill>
-                  <a:srgbClr val="FFFF00"/>
-                </a:solidFill>
-              </a:rPr>
-              <a:t>Model 3: </a:t>
-            </a:r>
-            <a:r>
-              <a:rPr lang="en-US" sz="1800" dirty="0"/>
-              <a:t>KNN regressor including more ratings</a:t>
-            </a:r>
-          </a:p>
-          <a:p>
-            <a:r>
-              <a:rPr lang="en-US" dirty="0">
-                <a:solidFill>
-                  <a:srgbClr val="FFFF00"/>
-                </a:solidFill>
-              </a:rPr>
-              <a:t>Assumption: </a:t>
-            </a:r>
-            <a:r>
-              <a:rPr lang="en-US" dirty="0"/>
-              <a:t>KNN a</a:t>
-            </a:r>
-            <a:r>
-              <a:rPr lang="en-US" sz="1800" dirty="0"/>
-              <a:t>voids multicollinearity issues </a:t>
-            </a:r>
-            <a:r>
-              <a:rPr lang="en-US" sz="1800" dirty="0">
-                <a:sym typeface="Wingdings" panose="05000000000000000000" pitchFamily="2" charset="2"/>
-              </a:rPr>
-              <a:t> </a:t>
-            </a:r>
-            <a:r>
-              <a:rPr lang="en-US" sz="1800" dirty="0"/>
-              <a:t>Add some other ratings </a:t>
-            </a:r>
-            <a:r>
-              <a:rPr lang="en-US" sz="1200" dirty="0"/>
-              <a:t>(food, ground service, seat comfort)</a:t>
-            </a:r>
-            <a:endParaRPr lang="en-US" sz="1800" dirty="0"/>
-          </a:p>
-          <a:p>
-            <a:r>
-              <a:rPr lang="en-US" sz="1800" dirty="0">
-                <a:solidFill>
-                  <a:srgbClr val="FFFF00"/>
-                </a:solidFill>
-              </a:rPr>
-              <a:t>HP Tuning: </a:t>
-            </a:r>
-            <a:r>
-              <a:rPr lang="es-ES" sz="1400" b="0" i="0" dirty="0">
-                <a:solidFill>
-                  <a:srgbClr val="D4D4D4"/>
-                </a:solidFill>
-                <a:effectLst/>
-                <a:latin typeface="Consolas" panose="020B0609020204030204" pitchFamily="49" charset="0"/>
-              </a:rPr>
-              <a:t>'</a:t>
-            </a:r>
-            <a:r>
-              <a:rPr lang="es-ES" sz="1400" b="0" i="0" dirty="0" err="1">
-                <a:solidFill>
-                  <a:srgbClr val="D4D4D4"/>
-                </a:solidFill>
-                <a:effectLst/>
-                <a:latin typeface="Consolas" panose="020B0609020204030204" pitchFamily="49" charset="0"/>
-              </a:rPr>
-              <a:t>algorithm</a:t>
-            </a:r>
-            <a:r>
-              <a:rPr lang="es-ES" sz="1400" b="0" i="0" dirty="0">
-                <a:solidFill>
-                  <a:srgbClr val="D4D4D4"/>
-                </a:solidFill>
-                <a:effectLst/>
-                <a:latin typeface="Consolas" panose="020B0609020204030204" pitchFamily="49" charset="0"/>
-              </a:rPr>
-              <a:t>': 'auto', '</a:t>
-            </a:r>
-            <a:r>
-              <a:rPr lang="es-ES" sz="1400" b="0" i="0" dirty="0" err="1">
-                <a:solidFill>
-                  <a:srgbClr val="D4D4D4"/>
-                </a:solidFill>
-                <a:effectLst/>
-                <a:latin typeface="Consolas" panose="020B0609020204030204" pitchFamily="49" charset="0"/>
-              </a:rPr>
-              <a:t>n_neighbors</a:t>
-            </a:r>
-            <a:r>
-              <a:rPr lang="es-ES" sz="1400" b="0" i="0" dirty="0">
-                <a:solidFill>
-                  <a:srgbClr val="D4D4D4"/>
-                </a:solidFill>
-                <a:effectLst/>
-                <a:latin typeface="Consolas" panose="020B0609020204030204" pitchFamily="49" charset="0"/>
-              </a:rPr>
-              <a:t>’: 45, '</a:t>
-            </a:r>
-            <a:r>
-              <a:rPr lang="es-ES" sz="1400" b="0" i="0" dirty="0" err="1">
-                <a:solidFill>
-                  <a:srgbClr val="D4D4D4"/>
-                </a:solidFill>
-                <a:effectLst/>
-                <a:latin typeface="Consolas" panose="020B0609020204030204" pitchFamily="49" charset="0"/>
-              </a:rPr>
-              <a:t>weights</a:t>
-            </a:r>
-            <a:r>
-              <a:rPr lang="es-ES" sz="1400" b="0" i="0" dirty="0">
-                <a:solidFill>
-                  <a:srgbClr val="D4D4D4"/>
-                </a:solidFill>
-                <a:effectLst/>
-                <a:latin typeface="Consolas" panose="020B0609020204030204" pitchFamily="49" charset="0"/>
-              </a:rPr>
-              <a:t>’: </a:t>
-            </a:r>
-            <a:r>
-              <a:rPr lang="es-ES" sz="1400" b="0" i="0" dirty="0" err="1">
-                <a:solidFill>
-                  <a:srgbClr val="D4D4D4"/>
-                </a:solidFill>
-                <a:effectLst/>
-                <a:latin typeface="Consolas" panose="020B0609020204030204" pitchFamily="49" charset="0"/>
-              </a:rPr>
-              <a:t>uniform</a:t>
-            </a:r>
-            <a:r>
-              <a:rPr lang="es-ES" sz="1400" b="0" i="0" dirty="0">
-                <a:solidFill>
-                  <a:srgbClr val="D4D4D4"/>
-                </a:solidFill>
-                <a:effectLst/>
-                <a:latin typeface="Consolas" panose="020B0609020204030204" pitchFamily="49" charset="0"/>
-              </a:rPr>
-              <a:t>’</a:t>
-            </a:r>
-          </a:p>
-          <a:p>
-            <a:r>
-              <a:rPr lang="es-ES" sz="1800" dirty="0" err="1">
-                <a:solidFill>
-                  <a:srgbClr val="FFFF00"/>
-                </a:solidFill>
-              </a:rPr>
-              <a:t>Goodness</a:t>
-            </a:r>
-            <a:r>
-              <a:rPr lang="es-ES" sz="1800" dirty="0">
-                <a:solidFill>
-                  <a:srgbClr val="FFFF00"/>
-                </a:solidFill>
-              </a:rPr>
-              <a:t> </a:t>
-            </a:r>
-            <a:r>
-              <a:rPr lang="es-ES" sz="1800" dirty="0" err="1">
-                <a:solidFill>
-                  <a:srgbClr val="FFFF00"/>
-                </a:solidFill>
-              </a:rPr>
-              <a:t>of</a:t>
-            </a:r>
-            <a:r>
-              <a:rPr lang="es-ES" sz="1800" dirty="0">
-                <a:solidFill>
-                  <a:srgbClr val="FFFF00"/>
-                </a:solidFill>
-              </a:rPr>
-              <a:t> </a:t>
-            </a:r>
-            <a:r>
-              <a:rPr lang="es-ES" sz="1800" dirty="0" err="1">
-                <a:solidFill>
-                  <a:srgbClr val="FFFF00"/>
-                </a:solidFill>
-              </a:rPr>
-              <a:t>fit</a:t>
-            </a:r>
-            <a:r>
-              <a:rPr lang="es-ES" sz="1800" dirty="0">
-                <a:solidFill>
-                  <a:srgbClr val="FFFF00"/>
-                </a:solidFill>
-              </a:rPr>
-              <a:t> </a:t>
-            </a:r>
-            <a:r>
-              <a:rPr lang="es-ES" sz="1800" dirty="0"/>
-              <a:t>: 0.85</a:t>
-            </a:r>
-            <a:endParaRPr lang="en-US" sz="1800" dirty="0"/>
-          </a:p>
-        </p:txBody>
-      </p:sp>
-      <p:sp>
-        <p:nvSpPr>
-          <p:cNvPr id="8" name="Título 1">
-            <a:extLst>
-              <a:ext uri="{FF2B5EF4-FFF2-40B4-BE49-F238E27FC236}">
-                <a16:creationId xmlns:a16="http://schemas.microsoft.com/office/drawing/2014/main" id="{51AA1AE1-30B7-26F7-A876-BB8638FC509F}"/>
-              </a:ext>
-            </a:extLst>
-          </p:cNvPr>
-          <p:cNvSpPr>
-            <a:spLocks noGrp="1"/>
-          </p:cNvSpPr>
-          <p:nvPr>
-            <p:ph type="title"/>
-          </p:nvPr>
-        </p:nvSpPr>
-        <p:spPr>
-          <a:xfrm>
-            <a:off x="3111731" y="466408"/>
-            <a:ext cx="8503920" cy="682042"/>
-          </a:xfrm>
-        </p:spPr>
-        <p:txBody>
-          <a:bodyPr>
-            <a:noAutofit/>
-          </a:bodyPr>
-          <a:lstStyle/>
-          <a:p>
-            <a:r>
-              <a:rPr lang="en-US" sz="1800" b="1" dirty="0"/>
-              <a:t>What does influence the overall score of a flight?</a:t>
-            </a:r>
-            <a:br>
-              <a:rPr lang="en-US" sz="1800" b="1" dirty="0"/>
-            </a:br>
-            <a:r>
-              <a:rPr lang="en-US" sz="1800" b="1" dirty="0" err="1"/>
-              <a:t>Knn</a:t>
-            </a:r>
-            <a:r>
-              <a:rPr lang="en-US" sz="1800" b="1" dirty="0"/>
-              <a:t> REGRESSION MODELS</a:t>
-            </a:r>
-            <a:endParaRPr lang="en-US" sz="2000" b="1" dirty="0"/>
-          </a:p>
-        </p:txBody>
-      </p:sp>
-    </p:spTree>
-    <p:extLst>
-      <p:ext uri="{BB962C8B-B14F-4D97-AF65-F5344CB8AC3E}">
-        <p14:creationId xmlns:p14="http://schemas.microsoft.com/office/powerpoint/2010/main" val="3093687835"/>
-      </p:ext>
-    </p:extLst>
-  </p:cSld>
-  <p:clrMapOvr>
-    <a:masterClrMapping/>
-  </p:clrMapOvr>
+  <p:timing>
+    <p:tnLst>
+      <p:par>
+        <p:cTn id="1" dur="indefinite" restart="never" nodeType="tmRoot">
+          <p:childTnLst>
+            <p:seq concurrent="1" nextAc="seek">
+              <p:cTn id="2" dur="indefinite" nodeType="mainSeq">
+                <p:childTnLst>
+                  <p:par>
+                    <p:cTn id="3" fill="hold">
+                      <p:stCondLst>
+                        <p:cond delay="indefinite"/>
+                      </p:stCondLst>
+                      <p:childTnLst>
+                        <p:par>
+                          <p:cTn id="4" fill="hold">
+                            <p:stCondLst>
+                              <p:cond delay="0"/>
+                            </p:stCondLst>
+                            <p:childTnLst>
+                              <p:par>
+                                <p:cTn id="5" presetID="42" presetClass="entr" presetSubtype="0" fill="hold" nodeType="clickEffect">
+                                  <p:stCondLst>
+                                    <p:cond delay="0"/>
+                                  </p:stCondLst>
+                                  <p:childTnLst>
+                                    <p:set>
+                                      <p:cBhvr>
+                                        <p:cTn id="6" dur="1" fill="hold">
+                                          <p:stCondLst>
+                                            <p:cond delay="0"/>
+                                          </p:stCondLst>
+                                        </p:cTn>
+                                        <p:tgtEl>
+                                          <p:spTgt spid="8"/>
+                                        </p:tgtEl>
+                                        <p:attrNameLst>
+                                          <p:attrName>style.visibility</p:attrName>
+                                        </p:attrNameLst>
+                                      </p:cBhvr>
+                                      <p:to>
+                                        <p:strVal val="visible"/>
+                                      </p:to>
+                                    </p:set>
+                                    <p:animEffect transition="in" filter="fade">
+                                      <p:cBhvr>
+                                        <p:cTn id="7" dur="1000"/>
+                                        <p:tgtEl>
+                                          <p:spTgt spid="8"/>
+                                        </p:tgtEl>
+                                      </p:cBhvr>
+                                    </p:animEffect>
+                                    <p:anim calcmode="lin" valueType="num">
+                                      <p:cBhvr>
+                                        <p:cTn id="8" dur="1000" fill="hold"/>
+                                        <p:tgtEl>
+                                          <p:spTgt spid="8"/>
+                                        </p:tgtEl>
+                                        <p:attrNameLst>
+                                          <p:attrName>ppt_x</p:attrName>
+                                        </p:attrNameLst>
+                                      </p:cBhvr>
+                                      <p:tavLst>
+                                        <p:tav tm="0">
+                                          <p:val>
+                                            <p:strVal val="#ppt_x"/>
+                                          </p:val>
+                                        </p:tav>
+                                        <p:tav tm="100000">
+                                          <p:val>
+                                            <p:strVal val="#ppt_x"/>
+                                          </p:val>
+                                        </p:tav>
+                                      </p:tavLst>
+                                    </p:anim>
+                                    <p:anim calcmode="lin" valueType="num">
+                                      <p:cBhvr>
+                                        <p:cTn id="9" dur="1000" fill="hold"/>
+                                        <p:tgtEl>
+                                          <p:spTgt spid="8"/>
+                                        </p:tgtEl>
+                                        <p:attrNameLst>
+                                          <p:attrName>ppt_y</p:attrName>
+                                        </p:attrNameLst>
+                                      </p:cBhvr>
+                                      <p:tavLst>
+                                        <p:tav tm="0">
+                                          <p:val>
+                                            <p:strVal val="#ppt_y+.1"/>
+                                          </p:val>
+                                        </p:tav>
+                                        <p:tav tm="100000">
+                                          <p:val>
+                                            <p:strVal val="#ppt_y"/>
+                                          </p:val>
+                                        </p:tav>
+                                      </p:tavLst>
+                                    </p:anim>
+                                  </p:childTnLst>
+                                </p:cTn>
+                              </p:par>
+                            </p:childTnLst>
+                          </p:cTn>
+                        </p:par>
+                      </p:childTnLst>
+                    </p:cTn>
+                  </p:par>
+                </p:childTnLst>
+              </p:cTn>
+              <p:prevCondLst>
+                <p:cond evt="onPrev" delay="0">
+                  <p:tgtEl>
+                    <p:sldTgt/>
+                  </p:tgtEl>
+                </p:cond>
+              </p:prevCondLst>
+              <p:nextCondLst>
+                <p:cond evt="onNext" delay="0">
+                  <p:tgtEl>
+                    <p:sldTgt/>
+                  </p:tgtEl>
+                </p:cond>
+              </p:nextCondLst>
+            </p:seq>
+          </p:childTnLst>
+        </p:cTn>
+      </p:par>
+    </p:tnLst>
+  </p:timing>
 </p:sld>
 </file>
 
@@ -9820,58 +9743,88 @@
       </p:grpSpPr>
       <p:sp>
         <p:nvSpPr>
-          <p:cNvPr id="7" name="CuadroTexto 6">
+          <p:cNvPr id="2" name="Título 1">
             <a:extLst>
               <a:ext uri="{FF2B5EF4-FFF2-40B4-BE49-F238E27FC236}">
-                <a16:creationId xmlns:a16="http://schemas.microsoft.com/office/drawing/2014/main" id="{4DD68C6A-0A63-07CC-92D5-267CDBDDAF56}"/>
+                <a16:creationId xmlns:a16="http://schemas.microsoft.com/office/drawing/2014/main" id="{DAF0B5AD-DBAD-96D3-E7B6-69E8EE0E7A6C}"/>
               </a:ext>
             </a:extLst>
           </p:cNvPr>
-          <p:cNvSpPr txBox="1"/>
-          <p:nvPr/>
-        </p:nvSpPr>
-        <p:spPr>
-          <a:xfrm>
-            <a:off x="515389" y="2739170"/>
-            <a:ext cx="11513128" cy="2308324"/>
-          </a:xfrm>
-          <a:prstGeom prst="rect">
-            <a:avLst/>
-          </a:prstGeom>
-          <a:noFill/>
-        </p:spPr>
-        <p:txBody>
-          <a:bodyPr wrap="square">
-            <a:spAutoFit/>
+          <p:cNvSpPr>
+            <a:spLocks noGrp="1"/>
+          </p:cNvSpPr>
+          <p:nvPr>
+            <p:ph type="title"/>
+          </p:nvPr>
+        </p:nvSpPr>
+        <p:spPr>
+          <a:xfrm>
+            <a:off x="2895600" y="764373"/>
+            <a:ext cx="8503920" cy="682042"/>
+          </a:xfrm>
+        </p:spPr>
+        <p:txBody>
+          <a:bodyPr/>
+          <a:lstStyle/>
+          <a:p>
+            <a:r>
+              <a:rPr lang="en-US" sz="3200" b="1" dirty="0"/>
+              <a:t>CLASSIFICATION MODEL RESULTS</a:t>
+            </a:r>
+            <a:endParaRPr lang="en-US" b="1" dirty="0"/>
+          </a:p>
+        </p:txBody>
+      </p:sp>
+      <p:sp>
+        <p:nvSpPr>
+          <p:cNvPr id="3" name="Marcador de contenido 2">
+            <a:extLst>
+              <a:ext uri="{FF2B5EF4-FFF2-40B4-BE49-F238E27FC236}">
+                <a16:creationId xmlns:a16="http://schemas.microsoft.com/office/drawing/2014/main" id="{C048F7B3-1903-E34C-6061-9B7924694E57}"/>
+              </a:ext>
+            </a:extLst>
+          </p:cNvPr>
+          <p:cNvSpPr>
+            <a:spLocks noGrp="1"/>
+          </p:cNvSpPr>
+          <p:nvPr>
+            <p:ph idx="1"/>
+          </p:nvPr>
+        </p:nvSpPr>
+        <p:spPr/>
+        <p:txBody>
+          <a:bodyPr anchor="ctr">
+            <a:normAutofit fontScale="92500" lnSpcReduction="10000"/>
           </a:bodyPr>
           <a:lstStyle/>
           <a:p>
+            <a:pPr algn="just"/>
+            <a:r>
+              <a:rPr lang="en-US" dirty="0"/>
+              <a:t>Ratings are the variables that most affect a positive recommendation</a:t>
+            </a:r>
+          </a:p>
+          <a:p>
+            <a:pPr marL="0" indent="0" algn="just">
+              <a:buNone/>
+            </a:pPr>
+            <a:endParaRPr lang="en-US" dirty="0"/>
+          </a:p>
+          <a:p>
+            <a:pPr algn="just"/>
             <a:r>
               <a:rPr lang="en-US" dirty="0">
                 <a:solidFill>
                   <a:srgbClr val="00B050"/>
                 </a:solidFill>
               </a:rPr>
-              <a:t>Type of cabin, cabin service and trip purpose </a:t>
-            </a:r>
-            <a:r>
-              <a:rPr lang="en-US" dirty="0" err="1">
-                <a:solidFill>
-                  <a:srgbClr val="00B050"/>
-                </a:solidFill>
-              </a:rPr>
-              <a:t>influde</a:t>
-            </a:r>
-            <a:r>
-              <a:rPr lang="en-US" dirty="0">
-                <a:solidFill>
-                  <a:srgbClr val="00B050"/>
-                </a:solidFill>
-              </a:rPr>
-              <a:t> positively in overall score</a:t>
-            </a:r>
-          </a:p>
-          <a:p>
+              <a:t>Most expensive cabin type and Service rating influence the recommendation positively</a:t>
+            </a:r>
+          </a:p>
+          <a:p>
+            <a:pPr marL="0" indent="0" algn="just">
+              <a:buNone/>
+            </a:pPr>
             <a:endParaRPr lang="en-US" dirty="0">
               <a:solidFill>
                 <a:srgbClr val="00B050"/>
@@ -9879,6 +9832,23 @@
             </a:endParaRPr>
           </a:p>
           <a:p>
+            <a:pPr algn="just"/>
+            <a:r>
+              <a:rPr lang="en-US" dirty="0">
+                <a:solidFill>
+                  <a:schemeClr val="accent1">
+                    <a:lumMod val="60000"/>
+                    <a:lumOff val="40000"/>
+                  </a:schemeClr>
+                </a:solidFill>
+              </a:rPr>
+              <a:t>Scales, travelling in couple/family, Long Distance trips and Trip Verification affect negatively the recommendation</a:t>
+            </a:r>
+          </a:p>
+          <a:p>
+            <a:pPr marL="0" indent="0" algn="just">
+              <a:buNone/>
+            </a:pPr>
             <a:endParaRPr lang="en-US" dirty="0">
               <a:solidFill>
                 <a:srgbClr val="FF0000"/>
@@ -9886,107 +9856,47 @@
             </a:endParaRPr>
           </a:p>
           <a:p>
-            <a:r>
-              <a:rPr lang="en-US" dirty="0">
-                <a:solidFill>
-                  <a:srgbClr val="FF0000"/>
-                </a:solidFill>
-              </a:rPr>
-              <a:t>Scale, type of travel, verification and long distance influence negatively overall score</a:t>
-            </a:r>
-          </a:p>
-          <a:p>
-            <a:endParaRPr lang="en-US" dirty="0">
-              <a:solidFill>
-                <a:srgbClr val="FF0000"/>
-              </a:solidFill>
-            </a:endParaRPr>
-          </a:p>
-          <a:p>
+            <a:pPr algn="just"/>
+            <a:r>
+              <a:rPr lang="en-US" dirty="0"/>
+              <a:t>All these variables explain approximately 85-90% of the result</a:t>
+            </a:r>
+          </a:p>
+          <a:p>
+            <a:pPr marL="0" indent="0" algn="just">
+              <a:buNone/>
+            </a:pPr>
             <a:endParaRPr lang="en-US" dirty="0"/>
           </a:p>
           <a:p>
+            <a:pPr algn="just"/>
+            <a:r>
+              <a:rPr lang="en-US" dirty="0"/>
+              <a:t>Correlation is present in the data, so better to use </a:t>
+            </a:r>
             <a:r>
               <a:rPr lang="en-US" b="1" dirty="0"/>
               <a:t>KNN</a:t>
             </a:r>
             <a:r>
               <a:rPr lang="en-US" dirty="0"/>
-              <a:t> model avoids multicollinearity and allows for more ratings to be included </a:t>
-            </a:r>
-            <a:r>
-              <a:rPr lang="en-US" dirty="0">
-                <a:sym typeface="Wingdings" panose="05000000000000000000" pitchFamily="2" charset="2"/>
-              </a:rPr>
-              <a:t> </a:t>
+              <a:t> or </a:t>
+            </a:r>
+            <a:r>
+              <a:rPr lang="en-US" b="1" dirty="0"/>
+              <a:t>random forest </a:t>
             </a:r>
             <a:r>
               <a:rPr lang="en-US" dirty="0"/>
-              <a:t>more robust and explains overall score better</a:t>
-            </a:r>
-            <a:endParaRPr lang="en-US" sz="1800" dirty="0"/>
-          </a:p>
-        </p:txBody>
-      </p:sp>
-      <p:sp>
-        <p:nvSpPr>
-          <p:cNvPr id="9" name="Título 1">
-            <a:extLst>
-              <a:ext uri="{FF2B5EF4-FFF2-40B4-BE49-F238E27FC236}">
-                <a16:creationId xmlns:a16="http://schemas.microsoft.com/office/drawing/2014/main" id="{1C949F54-37B1-95D9-4BF7-1FDC20491347}"/>
-              </a:ext>
-            </a:extLst>
-          </p:cNvPr>
-          <p:cNvSpPr txBox="1">
-            <a:spLocks/>
-          </p:cNvSpPr>
-          <p:nvPr/>
-        </p:nvSpPr>
-        <p:spPr>
-          <a:xfrm>
-            <a:off x="3178233" y="826119"/>
-            <a:ext cx="8503920" cy="682042"/>
-          </a:xfrm>
-          <a:prstGeom prst="rect">
-            <a:avLst/>
-          </a:prstGeom>
-        </p:spPr>
-        <p:txBody>
-          <a:bodyPr vert="horz" lIns="91440" tIns="45720" rIns="91440" bIns="45720" rtlCol="0" anchor="ctr">
-            <a:normAutofit/>
-          </a:bodyPr>
-          <a:lstStyle>
-            <a:lvl1pPr algn="r" defTabSz="914400" rtl="0" eaLnBrk="1" latinLnBrk="0" hangingPunct="1">
-              <a:lnSpc>
-                <a:spcPct val="90000"/>
-              </a:lnSpc>
-              <a:spcBef>
-                <a:spcPct val="0"/>
-              </a:spcBef>
-              <a:buNone/>
-              <a:defRPr sz="4000" kern="1200" cap="all" baseline="0">
-                <a:solidFill>
-                  <a:schemeClr val="tx1"/>
-                </a:solidFill>
-                <a:latin typeface="+mj-lt"/>
-                <a:ea typeface="+mj-ea"/>
-                <a:cs typeface="+mj-cs"/>
-              </a:defRPr>
-            </a:lvl1pPr>
-          </a:lstStyle>
-          <a:p>
-            <a:r>
-              <a:rPr lang="en-US" sz="3200" b="1" dirty="0"/>
-              <a:t>REGRESSION MODELS RESULTS</a:t>
-            </a:r>
-            <a:endParaRPr lang="en-US" b="1" dirty="0"/>
+              <a:t>models</a:t>
+            </a:r>
           </a:p>
         </p:txBody>
       </p:sp>
     </p:spTree>
     <p:extLst>
       <p:ext uri="{BB962C8B-B14F-4D97-AF65-F5344CB8AC3E}">
-        <p14:creationId xmlns:p14="http://schemas.microsoft.com/office/powerpoint/2010/main" val="3456894400"/>
+        <p14:creationId xmlns:p14="http://schemas.microsoft.com/office/powerpoint/2010/main" val="4194038069"/>
       </p:ext>
     </p:extLst>
   </p:cSld>
@@ -10015,6 +9925,1908 @@
       </p:grpSpPr>
       <p:sp>
         <p:nvSpPr>
+          <p:cNvPr id="5" name="CuadroTexto 4">
+            <a:extLst>
+              <a:ext uri="{FF2B5EF4-FFF2-40B4-BE49-F238E27FC236}">
+                <a16:creationId xmlns:a16="http://schemas.microsoft.com/office/drawing/2014/main" id="{A801BECA-5CE7-6BC9-DB42-48997F335703}"/>
+              </a:ext>
+            </a:extLst>
+          </p:cNvPr>
+          <p:cNvSpPr txBox="1"/>
+          <p:nvPr/>
+        </p:nvSpPr>
+        <p:spPr>
+          <a:xfrm>
+            <a:off x="1768383" y="1374533"/>
+            <a:ext cx="8479428" cy="2308324"/>
+          </a:xfrm>
+          <a:prstGeom prst="rect">
+            <a:avLst/>
+          </a:prstGeom>
+          <a:noFill/>
+        </p:spPr>
+        <p:txBody>
+          <a:bodyPr wrap="square" anchor="ctr">
+            <a:spAutoFit/>
+          </a:bodyPr>
+          <a:lstStyle/>
+          <a:p>
+            <a:pPr algn="ctr"/>
+            <a:r>
+              <a:rPr lang="en-US" sz="4800" b="1" dirty="0"/>
+              <a:t>What does influence </a:t>
+            </a:r>
+            <a:br>
+              <a:rPr lang="en-US" sz="4800" b="1" dirty="0"/>
+            </a:br>
+            <a:r>
+              <a:rPr lang="en-US" sz="4800" b="1" dirty="0"/>
+              <a:t>the overall score </a:t>
+            </a:r>
+            <a:br>
+              <a:rPr lang="en-US" sz="4800" b="1" dirty="0"/>
+            </a:br>
+            <a:r>
+              <a:rPr lang="en-US" sz="4800" b="1" dirty="0"/>
+              <a:t>of a flight?</a:t>
+            </a:r>
+            <a:endParaRPr lang="en-US" sz="4800" dirty="0"/>
+          </a:p>
+        </p:txBody>
+      </p:sp>
+    </p:spTree>
+    <p:extLst>
+      <p:ext uri="{BB962C8B-B14F-4D97-AF65-F5344CB8AC3E}">
+        <p14:creationId xmlns:p14="http://schemas.microsoft.com/office/powerpoint/2010/main" val="2018372673"/>
+      </p:ext>
+    </p:extLst>
+  </p:cSld>
+  <p:clrMapOvr>
+    <a:masterClrMapping/>
+  </p:clrMapOvr>
+</p:sld>
+</file>
+
+<file path=ppt/slides/slide23.xml><?xml version="1.0" encoding="utf-8"?>
+<p:sld xmlns:a="http://schemas.openxmlformats.org/drawingml/2006/main" xmlns:r="http://schemas.openxmlformats.org/officeDocument/2006/relationships" xmlns:p="http://schemas.openxmlformats.org/presentationml/2006/main">
+  <p:cSld>
+    <p:spTree>
+      <p:nvGrpSpPr>
+        <p:cNvPr id="1" name=""/>
+        <p:cNvGrpSpPr/>
+        <p:nvPr/>
+      </p:nvGrpSpPr>
+      <p:grpSpPr>
+        <a:xfrm>
+          <a:off x="0" y="0"/>
+          <a:ext cx="0" cy="0"/>
+          <a:chOff x="0" y="0"/>
+          <a:chExt cx="0" cy="0"/>
+        </a:xfrm>
+      </p:grpSpPr>
+      <p:sp>
+        <p:nvSpPr>
+          <p:cNvPr id="3" name="Marcador de contenido 2">
+            <a:extLst>
+              <a:ext uri="{FF2B5EF4-FFF2-40B4-BE49-F238E27FC236}">
+                <a16:creationId xmlns:a16="http://schemas.microsoft.com/office/drawing/2014/main" id="{2340853B-484F-048B-DFAF-D2F91D53E0DE}"/>
+              </a:ext>
+            </a:extLst>
+          </p:cNvPr>
+          <p:cNvSpPr>
+            <a:spLocks noGrp="1"/>
+          </p:cNvSpPr>
+          <p:nvPr>
+            <p:ph idx="1"/>
+          </p:nvPr>
+        </p:nvSpPr>
+        <p:spPr>
+          <a:xfrm>
+            <a:off x="338051" y="1895302"/>
+            <a:ext cx="5436524" cy="4838007"/>
+          </a:xfrm>
+        </p:spPr>
+        <p:txBody>
+          <a:bodyPr>
+            <a:normAutofit fontScale="77500" lnSpcReduction="20000"/>
+          </a:bodyPr>
+          <a:lstStyle/>
+          <a:p>
+            <a:pPr>
+              <a:lnSpc>
+                <a:spcPct val="120000"/>
+              </a:lnSpc>
+            </a:pPr>
+            <a:r>
+              <a:rPr lang="en-US" sz="2600" dirty="0">
+                <a:solidFill>
+                  <a:srgbClr val="FFFF00"/>
+                </a:solidFill>
+              </a:rPr>
+              <a:t>Models type: </a:t>
+            </a:r>
+            <a:r>
+              <a:rPr lang="en-US" sz="2600" dirty="0"/>
+              <a:t>regression </a:t>
+            </a:r>
+          </a:p>
+          <a:p>
+            <a:pPr>
+              <a:lnSpc>
+                <a:spcPct val="120000"/>
+              </a:lnSpc>
+            </a:pPr>
+            <a:r>
+              <a:rPr lang="en-US" sz="2600" dirty="0">
+                <a:solidFill>
+                  <a:srgbClr val="FFFF00"/>
+                </a:solidFill>
+              </a:rPr>
+              <a:t>Model 1: </a:t>
+            </a:r>
+            <a:r>
+              <a:rPr lang="en-US" sz="2600" dirty="0"/>
+              <a:t>Ordinary Least Squares (OLS regressor)</a:t>
+            </a:r>
+            <a:endParaRPr lang="en-US" sz="1100" dirty="0"/>
+          </a:p>
+          <a:p>
+            <a:pPr>
+              <a:lnSpc>
+                <a:spcPct val="120000"/>
+              </a:lnSpc>
+            </a:pPr>
+            <a:endParaRPr lang="en-US" sz="1400" dirty="0"/>
+          </a:p>
+          <a:p>
+            <a:pPr>
+              <a:lnSpc>
+                <a:spcPct val="120000"/>
+              </a:lnSpc>
+            </a:pPr>
+            <a:r>
+              <a:rPr lang="en-US" sz="2300" dirty="0">
+                <a:solidFill>
+                  <a:srgbClr val="FFFF00"/>
+                </a:solidFill>
+              </a:rPr>
+              <a:t>Dependent variables: </a:t>
+            </a:r>
+            <a:r>
+              <a:rPr lang="en-US" sz="2300" i="1" dirty="0"/>
+              <a:t>‘Overall Score’ </a:t>
+            </a:r>
+          </a:p>
+          <a:p>
+            <a:pPr>
+              <a:lnSpc>
+                <a:spcPct val="120000"/>
+              </a:lnSpc>
+            </a:pPr>
+            <a:r>
+              <a:rPr lang="en-US" sz="2300" dirty="0">
+                <a:solidFill>
+                  <a:srgbClr val="FFFF00"/>
+                </a:solidFill>
+              </a:rPr>
+              <a:t>Independent variables: </a:t>
+            </a:r>
+            <a:r>
+              <a:rPr lang="en-US" sz="2300" i="1" dirty="0"/>
+              <a:t>Type of Cabin, Cabin Service Rating, Type of </a:t>
+            </a:r>
+            <a:r>
+              <a:rPr lang="en-US" sz="2300" i="1" dirty="0" err="1"/>
+              <a:t>Traveller</a:t>
+            </a:r>
+            <a:r>
+              <a:rPr lang="en-US" sz="2300" i="1" dirty="0"/>
+              <a:t>, Purpose, Verification, Long Distance, Scale</a:t>
+            </a:r>
+          </a:p>
+          <a:p>
+            <a:pPr>
+              <a:lnSpc>
+                <a:spcPct val="120000"/>
+              </a:lnSpc>
+            </a:pPr>
+            <a:endParaRPr lang="en-US" sz="2300" i="1" dirty="0"/>
+          </a:p>
+          <a:p>
+            <a:pPr>
+              <a:lnSpc>
+                <a:spcPct val="120000"/>
+              </a:lnSpc>
+            </a:pPr>
+            <a:r>
+              <a:rPr lang="en-US" sz="2300" dirty="0"/>
+              <a:t>Strong correlation </a:t>
+            </a:r>
+            <a:r>
+              <a:rPr lang="en-US" sz="2300" dirty="0">
+                <a:sym typeface="Wingdings" panose="05000000000000000000" pitchFamily="2" charset="2"/>
+              </a:rPr>
+              <a:t>drop time variable and all ratings except cabin service</a:t>
+            </a:r>
+          </a:p>
+          <a:p>
+            <a:pPr marL="0" indent="0">
+              <a:lnSpc>
+                <a:spcPct val="120000"/>
+              </a:lnSpc>
+              <a:buNone/>
+            </a:pPr>
+            <a:endParaRPr lang="en-US" sz="2300" dirty="0"/>
+          </a:p>
+          <a:p>
+            <a:pPr>
+              <a:lnSpc>
+                <a:spcPct val="120000"/>
+              </a:lnSpc>
+            </a:pPr>
+            <a:r>
+              <a:rPr lang="en-US" sz="2300" dirty="0">
+                <a:solidFill>
+                  <a:srgbClr val="FFFF00"/>
+                </a:solidFill>
+              </a:rPr>
+              <a:t>Goodness of fit: </a:t>
+            </a:r>
+            <a:r>
+              <a:rPr lang="en-US" sz="2300" dirty="0"/>
+              <a:t>0.62, all significant variables</a:t>
+            </a:r>
+            <a:endParaRPr lang="en-US" sz="1600" dirty="0"/>
+          </a:p>
+        </p:txBody>
+      </p:sp>
+      <p:sp>
+        <p:nvSpPr>
+          <p:cNvPr id="4" name="Título 1">
+            <a:extLst>
+              <a:ext uri="{FF2B5EF4-FFF2-40B4-BE49-F238E27FC236}">
+                <a16:creationId xmlns:a16="http://schemas.microsoft.com/office/drawing/2014/main" id="{B67E1456-4E28-A93C-6888-82798DD524B8}"/>
+              </a:ext>
+            </a:extLst>
+          </p:cNvPr>
+          <p:cNvSpPr>
+            <a:spLocks noGrp="1"/>
+          </p:cNvSpPr>
+          <p:nvPr>
+            <p:ph type="title"/>
+          </p:nvPr>
+        </p:nvSpPr>
+        <p:spPr>
+          <a:xfrm>
+            <a:off x="2895600" y="764373"/>
+            <a:ext cx="8503920" cy="1293028"/>
+          </a:xfrm>
+        </p:spPr>
+        <p:txBody>
+          <a:bodyPr>
+            <a:normAutofit/>
+          </a:bodyPr>
+          <a:lstStyle/>
+          <a:p>
+            <a:r>
+              <a:rPr lang="en-US" sz="3200" b="1" dirty="0"/>
+              <a:t>What does influence the overall score of a flight?</a:t>
+            </a:r>
+          </a:p>
+        </p:txBody>
+      </p:sp>
+      <p:pic>
+        <p:nvPicPr>
+          <p:cNvPr id="9" name="Imagen 8">
+            <a:extLst>
+              <a:ext uri="{FF2B5EF4-FFF2-40B4-BE49-F238E27FC236}">
+                <a16:creationId xmlns:a16="http://schemas.microsoft.com/office/drawing/2014/main" id="{CDB88A13-1332-EC03-7F68-A7412C9D3F27}"/>
+              </a:ext>
+            </a:extLst>
+          </p:cNvPr>
+          <p:cNvPicPr>
+            <a:picLocks noChangeAspect="1"/>
+          </p:cNvPicPr>
+          <p:nvPr/>
+        </p:nvPicPr>
+        <p:blipFill>
+          <a:blip r:embed="rId2"/>
+          <a:stretch>
+            <a:fillRect/>
+          </a:stretch>
+        </p:blipFill>
+        <p:spPr>
+          <a:xfrm>
+            <a:off x="5985162" y="2141559"/>
+            <a:ext cx="5348247" cy="4268784"/>
+          </a:xfrm>
+          <a:prstGeom prst="roundRect">
+            <a:avLst>
+              <a:gd name="adj" fmla="val 8594"/>
+            </a:avLst>
+          </a:prstGeom>
+          <a:solidFill>
+            <a:srgbClr val="FFFFFF">
+              <a:shade val="85000"/>
+            </a:srgbClr>
+          </a:solidFill>
+          <a:ln>
+            <a:noFill/>
+          </a:ln>
+          <a:effectLst>
+            <a:reflection blurRad="12700" stA="38000" endPos="28000" dist="5000" dir="5400000" sy="-100000" algn="bl" rotWithShape="0"/>
+          </a:effectLst>
+        </p:spPr>
+      </p:pic>
+    </p:spTree>
+    <p:extLst>
+      <p:ext uri="{BB962C8B-B14F-4D97-AF65-F5344CB8AC3E}">
+        <p14:creationId xmlns:p14="http://schemas.microsoft.com/office/powerpoint/2010/main" val="1221142214"/>
+      </p:ext>
+    </p:extLst>
+  </p:cSld>
+  <p:clrMapOvr>
+    <a:masterClrMapping/>
+  </p:clrMapOvr>
+</p:sld>
+</file>
+
+<file path=ppt/slides/slide24.xml><?xml version="1.0" encoding="utf-8"?>
+<p:sld xmlns:a="http://schemas.openxmlformats.org/drawingml/2006/main" xmlns:r="http://schemas.openxmlformats.org/officeDocument/2006/relationships" xmlns:p="http://schemas.openxmlformats.org/presentationml/2006/main">
+  <p:cSld>
+    <p:spTree>
+      <p:nvGrpSpPr>
+        <p:cNvPr id="1" name=""/>
+        <p:cNvGrpSpPr/>
+        <p:nvPr/>
+      </p:nvGrpSpPr>
+      <p:grpSpPr>
+        <a:xfrm>
+          <a:off x="0" y="0"/>
+          <a:ext cx="0" cy="0"/>
+          <a:chOff x="0" y="0"/>
+          <a:chExt cx="0" cy="0"/>
+        </a:xfrm>
+      </p:grpSpPr>
+      <p:sp>
+        <p:nvSpPr>
+          <p:cNvPr id="5" name="CuadroTexto 4">
+            <a:extLst>
+              <a:ext uri="{FF2B5EF4-FFF2-40B4-BE49-F238E27FC236}">
+                <a16:creationId xmlns:a16="http://schemas.microsoft.com/office/drawing/2014/main" id="{D885BADB-FC12-BD7F-0473-F1A2A9144BF8}"/>
+              </a:ext>
+            </a:extLst>
+          </p:cNvPr>
+          <p:cNvSpPr txBox="1"/>
+          <p:nvPr/>
+        </p:nvSpPr>
+        <p:spPr>
+          <a:xfrm>
+            <a:off x="576349" y="2041720"/>
+            <a:ext cx="11039302" cy="1200329"/>
+          </a:xfrm>
+          <a:prstGeom prst="rect">
+            <a:avLst/>
+          </a:prstGeom>
+          <a:solidFill>
+            <a:schemeClr val="accent5">
+              <a:lumMod val="75000"/>
+            </a:schemeClr>
+          </a:solidFill>
+        </p:spPr>
+        <p:txBody>
+          <a:bodyPr wrap="square">
+            <a:spAutoFit/>
+          </a:bodyPr>
+          <a:lstStyle/>
+          <a:p>
+            <a:r>
+              <a:rPr lang="en-US" sz="1800" dirty="0">
+                <a:solidFill>
+                  <a:srgbClr val="FFFF00"/>
+                </a:solidFill>
+              </a:rPr>
+              <a:t>Model 2: </a:t>
+            </a:r>
+            <a:r>
+              <a:rPr lang="en-US" sz="1800" dirty="0"/>
+              <a:t>KNN regressor</a:t>
+            </a:r>
+          </a:p>
+          <a:p>
+            <a:r>
+              <a:rPr lang="en-US" dirty="0">
+                <a:solidFill>
+                  <a:srgbClr val="FFFF00"/>
+                </a:solidFill>
+              </a:rPr>
+              <a:t>Assumption: </a:t>
+            </a:r>
+            <a:r>
+              <a:rPr lang="en-US" dirty="0"/>
+              <a:t>a</a:t>
+            </a:r>
+            <a:r>
+              <a:rPr lang="en-US" sz="1800" dirty="0"/>
+              <a:t>voids multicollinearity issues </a:t>
+            </a:r>
+          </a:p>
+          <a:p>
+            <a:r>
+              <a:rPr lang="en-US" sz="1800" dirty="0">
+                <a:solidFill>
+                  <a:srgbClr val="FFFF00"/>
+                </a:solidFill>
+              </a:rPr>
+              <a:t>HP Tuning: </a:t>
+            </a:r>
+            <a:r>
+              <a:rPr lang="es-ES" sz="1400" b="0" i="0" dirty="0">
+                <a:solidFill>
+                  <a:srgbClr val="D4D4D4"/>
+                </a:solidFill>
+                <a:effectLst/>
+                <a:latin typeface="Consolas" panose="020B0609020204030204" pitchFamily="49" charset="0"/>
+              </a:rPr>
+              <a:t>'</a:t>
+            </a:r>
+            <a:r>
+              <a:rPr lang="es-ES" sz="1400" b="0" i="0" dirty="0" err="1">
+                <a:solidFill>
+                  <a:srgbClr val="D4D4D4"/>
+                </a:solidFill>
+                <a:effectLst/>
+                <a:latin typeface="Consolas" panose="020B0609020204030204" pitchFamily="49" charset="0"/>
+              </a:rPr>
+              <a:t>algorithm</a:t>
+            </a:r>
+            <a:r>
+              <a:rPr lang="es-ES" sz="1400" b="0" i="0" dirty="0">
+                <a:solidFill>
+                  <a:srgbClr val="D4D4D4"/>
+                </a:solidFill>
+                <a:effectLst/>
+                <a:latin typeface="Consolas" panose="020B0609020204030204" pitchFamily="49" charset="0"/>
+              </a:rPr>
+              <a:t>': 'auto', '</a:t>
+            </a:r>
+            <a:r>
+              <a:rPr lang="es-ES" sz="1400" b="0" i="0" dirty="0" err="1">
+                <a:solidFill>
+                  <a:srgbClr val="D4D4D4"/>
+                </a:solidFill>
+                <a:effectLst/>
+                <a:latin typeface="Consolas" panose="020B0609020204030204" pitchFamily="49" charset="0"/>
+              </a:rPr>
+              <a:t>n_neighbors</a:t>
+            </a:r>
+            <a:r>
+              <a:rPr lang="es-ES" sz="1400" b="0" i="0" dirty="0">
+                <a:solidFill>
+                  <a:srgbClr val="D4D4D4"/>
+                </a:solidFill>
+                <a:effectLst/>
+                <a:latin typeface="Consolas" panose="020B0609020204030204" pitchFamily="49" charset="0"/>
+              </a:rPr>
+              <a:t>’: 60, '</a:t>
+            </a:r>
+            <a:r>
+              <a:rPr lang="es-ES" sz="1400" b="0" i="0" dirty="0" err="1">
+                <a:solidFill>
+                  <a:srgbClr val="D4D4D4"/>
+                </a:solidFill>
+                <a:effectLst/>
+                <a:latin typeface="Consolas" panose="020B0609020204030204" pitchFamily="49" charset="0"/>
+              </a:rPr>
+              <a:t>weights</a:t>
+            </a:r>
+            <a:r>
+              <a:rPr lang="es-ES" sz="1400" b="0" i="0" dirty="0">
+                <a:solidFill>
+                  <a:srgbClr val="D4D4D4"/>
+                </a:solidFill>
+                <a:effectLst/>
+                <a:latin typeface="Consolas" panose="020B0609020204030204" pitchFamily="49" charset="0"/>
+              </a:rPr>
+              <a:t>’: </a:t>
+            </a:r>
+            <a:r>
+              <a:rPr lang="es-ES" sz="1400" b="0" i="0" dirty="0" err="1">
+                <a:solidFill>
+                  <a:srgbClr val="D4D4D4"/>
+                </a:solidFill>
+                <a:effectLst/>
+                <a:latin typeface="Consolas" panose="020B0609020204030204" pitchFamily="49" charset="0"/>
+              </a:rPr>
+              <a:t>distance</a:t>
+            </a:r>
+            <a:r>
+              <a:rPr lang="es-ES" sz="1400" b="0" i="0" dirty="0">
+                <a:solidFill>
+                  <a:srgbClr val="D4D4D4"/>
+                </a:solidFill>
+                <a:effectLst/>
+                <a:latin typeface="Consolas" panose="020B0609020204030204" pitchFamily="49" charset="0"/>
+              </a:rPr>
+              <a:t>’</a:t>
+            </a:r>
+          </a:p>
+          <a:p>
+            <a:r>
+              <a:rPr lang="es-ES" sz="1800" dirty="0" err="1">
+                <a:solidFill>
+                  <a:srgbClr val="FFFF00"/>
+                </a:solidFill>
+              </a:rPr>
+              <a:t>Goodness</a:t>
+            </a:r>
+            <a:r>
+              <a:rPr lang="es-ES" sz="1800" dirty="0">
+                <a:solidFill>
+                  <a:srgbClr val="FFFF00"/>
+                </a:solidFill>
+              </a:rPr>
+              <a:t> </a:t>
+            </a:r>
+            <a:r>
+              <a:rPr lang="es-ES" sz="1800" dirty="0" err="1">
+                <a:solidFill>
+                  <a:srgbClr val="FFFF00"/>
+                </a:solidFill>
+              </a:rPr>
+              <a:t>of</a:t>
+            </a:r>
+            <a:r>
+              <a:rPr lang="es-ES" sz="1800" dirty="0">
+                <a:solidFill>
+                  <a:srgbClr val="FFFF00"/>
+                </a:solidFill>
+              </a:rPr>
+              <a:t> </a:t>
+            </a:r>
+            <a:r>
+              <a:rPr lang="es-ES" sz="1800" dirty="0" err="1">
+                <a:solidFill>
+                  <a:srgbClr val="FFFF00"/>
+                </a:solidFill>
+              </a:rPr>
+              <a:t>fit</a:t>
+            </a:r>
+            <a:r>
+              <a:rPr lang="es-ES" sz="1800" dirty="0">
+                <a:solidFill>
+                  <a:srgbClr val="FFFF00"/>
+                </a:solidFill>
+              </a:rPr>
+              <a:t>: </a:t>
+            </a:r>
+            <a:r>
+              <a:rPr lang="es-ES" sz="1800" dirty="0"/>
+              <a:t>0.66</a:t>
+            </a:r>
+            <a:endParaRPr lang="en-US" sz="1800" dirty="0"/>
+          </a:p>
+        </p:txBody>
+      </p:sp>
+      <p:sp>
+        <p:nvSpPr>
+          <p:cNvPr id="6" name="CuadroTexto 5">
+            <a:extLst>
+              <a:ext uri="{FF2B5EF4-FFF2-40B4-BE49-F238E27FC236}">
+                <a16:creationId xmlns:a16="http://schemas.microsoft.com/office/drawing/2014/main" id="{DBE70E9B-6E8F-3CBC-B10E-8B5771038FD7}"/>
+              </a:ext>
+            </a:extLst>
+          </p:cNvPr>
+          <p:cNvSpPr txBox="1"/>
+          <p:nvPr/>
+        </p:nvSpPr>
+        <p:spPr>
+          <a:xfrm>
+            <a:off x="576349" y="4135319"/>
+            <a:ext cx="11039302" cy="1200329"/>
+          </a:xfrm>
+          <a:prstGeom prst="rect">
+            <a:avLst/>
+          </a:prstGeom>
+          <a:solidFill>
+            <a:schemeClr val="accent5">
+              <a:lumMod val="75000"/>
+            </a:schemeClr>
+          </a:solidFill>
+        </p:spPr>
+        <p:txBody>
+          <a:bodyPr wrap="square">
+            <a:spAutoFit/>
+          </a:bodyPr>
+          <a:lstStyle/>
+          <a:p>
+            <a:r>
+              <a:rPr lang="en-US" sz="1800" dirty="0">
+                <a:solidFill>
+                  <a:srgbClr val="FFFF00"/>
+                </a:solidFill>
+              </a:rPr>
+              <a:t>Model 3: </a:t>
+            </a:r>
+            <a:r>
+              <a:rPr lang="en-US" sz="1800" dirty="0"/>
+              <a:t>KNN regressor including more ratings</a:t>
+            </a:r>
+          </a:p>
+          <a:p>
+            <a:r>
+              <a:rPr lang="en-US" dirty="0">
+                <a:solidFill>
+                  <a:srgbClr val="FFFF00"/>
+                </a:solidFill>
+              </a:rPr>
+              <a:t>Assumption: </a:t>
+            </a:r>
+            <a:r>
+              <a:rPr lang="en-US" dirty="0"/>
+              <a:t>KNN a</a:t>
+            </a:r>
+            <a:r>
+              <a:rPr lang="en-US" sz="1800" dirty="0"/>
+              <a:t>voids multicollinearity issues </a:t>
+            </a:r>
+            <a:r>
+              <a:rPr lang="en-US" sz="1800" dirty="0">
+                <a:sym typeface="Wingdings" panose="05000000000000000000" pitchFamily="2" charset="2"/>
+              </a:rPr>
+              <a:t> </a:t>
+            </a:r>
+            <a:r>
+              <a:rPr lang="en-US" sz="1800" dirty="0"/>
+              <a:t>Add some other ratings </a:t>
+            </a:r>
+            <a:r>
+              <a:rPr lang="en-US" sz="1200" dirty="0"/>
+              <a:t>(food, ground service, seat comfort)</a:t>
+            </a:r>
+            <a:endParaRPr lang="en-US" sz="1800" dirty="0"/>
+          </a:p>
+          <a:p>
+            <a:r>
+              <a:rPr lang="en-US" sz="1800" dirty="0">
+                <a:solidFill>
+                  <a:srgbClr val="FFFF00"/>
+                </a:solidFill>
+              </a:rPr>
+              <a:t>HP Tuning: </a:t>
+            </a:r>
+            <a:r>
+              <a:rPr lang="es-ES" sz="1400" b="0" i="0" dirty="0">
+                <a:solidFill>
+                  <a:srgbClr val="D4D4D4"/>
+                </a:solidFill>
+                <a:effectLst/>
+                <a:latin typeface="Consolas" panose="020B0609020204030204" pitchFamily="49" charset="0"/>
+              </a:rPr>
+              <a:t>'</a:t>
+            </a:r>
+            <a:r>
+              <a:rPr lang="es-ES" sz="1400" b="0" i="0" dirty="0" err="1">
+                <a:solidFill>
+                  <a:srgbClr val="D4D4D4"/>
+                </a:solidFill>
+                <a:effectLst/>
+                <a:latin typeface="Consolas" panose="020B0609020204030204" pitchFamily="49" charset="0"/>
+              </a:rPr>
+              <a:t>algorithm</a:t>
+            </a:r>
+            <a:r>
+              <a:rPr lang="es-ES" sz="1400" b="0" i="0" dirty="0">
+                <a:solidFill>
+                  <a:srgbClr val="D4D4D4"/>
+                </a:solidFill>
+                <a:effectLst/>
+                <a:latin typeface="Consolas" panose="020B0609020204030204" pitchFamily="49" charset="0"/>
+              </a:rPr>
+              <a:t>': 'auto', '</a:t>
+            </a:r>
+            <a:r>
+              <a:rPr lang="es-ES" sz="1400" b="0" i="0" dirty="0" err="1">
+                <a:solidFill>
+                  <a:srgbClr val="D4D4D4"/>
+                </a:solidFill>
+                <a:effectLst/>
+                <a:latin typeface="Consolas" panose="020B0609020204030204" pitchFamily="49" charset="0"/>
+              </a:rPr>
+              <a:t>n_neighbors</a:t>
+            </a:r>
+            <a:r>
+              <a:rPr lang="es-ES" sz="1400" b="0" i="0" dirty="0">
+                <a:solidFill>
+                  <a:srgbClr val="D4D4D4"/>
+                </a:solidFill>
+                <a:effectLst/>
+                <a:latin typeface="Consolas" panose="020B0609020204030204" pitchFamily="49" charset="0"/>
+              </a:rPr>
+              <a:t>’: 45, '</a:t>
+            </a:r>
+            <a:r>
+              <a:rPr lang="es-ES" sz="1400" b="0" i="0" dirty="0" err="1">
+                <a:solidFill>
+                  <a:srgbClr val="D4D4D4"/>
+                </a:solidFill>
+                <a:effectLst/>
+                <a:latin typeface="Consolas" panose="020B0609020204030204" pitchFamily="49" charset="0"/>
+              </a:rPr>
+              <a:t>weights</a:t>
+            </a:r>
+            <a:r>
+              <a:rPr lang="es-ES" sz="1400" b="0" i="0" dirty="0">
+                <a:solidFill>
+                  <a:srgbClr val="D4D4D4"/>
+                </a:solidFill>
+                <a:effectLst/>
+                <a:latin typeface="Consolas" panose="020B0609020204030204" pitchFamily="49" charset="0"/>
+              </a:rPr>
+              <a:t>’: </a:t>
+            </a:r>
+            <a:r>
+              <a:rPr lang="es-ES" sz="1400" b="0" i="0" dirty="0" err="1">
+                <a:solidFill>
+                  <a:srgbClr val="D4D4D4"/>
+                </a:solidFill>
+                <a:effectLst/>
+                <a:latin typeface="Consolas" panose="020B0609020204030204" pitchFamily="49" charset="0"/>
+              </a:rPr>
+              <a:t>uniform</a:t>
+            </a:r>
+            <a:r>
+              <a:rPr lang="es-ES" sz="1400" b="0" i="0" dirty="0">
+                <a:solidFill>
+                  <a:srgbClr val="D4D4D4"/>
+                </a:solidFill>
+                <a:effectLst/>
+                <a:latin typeface="Consolas" panose="020B0609020204030204" pitchFamily="49" charset="0"/>
+              </a:rPr>
+              <a:t>’</a:t>
+            </a:r>
+          </a:p>
+          <a:p>
+            <a:r>
+              <a:rPr lang="es-ES" sz="1800" dirty="0" err="1">
+                <a:solidFill>
+                  <a:srgbClr val="FFFF00"/>
+                </a:solidFill>
+              </a:rPr>
+              <a:t>Goodness</a:t>
+            </a:r>
+            <a:r>
+              <a:rPr lang="es-ES" sz="1800" dirty="0">
+                <a:solidFill>
+                  <a:srgbClr val="FFFF00"/>
+                </a:solidFill>
+              </a:rPr>
+              <a:t> </a:t>
+            </a:r>
+            <a:r>
+              <a:rPr lang="es-ES" sz="1800" dirty="0" err="1">
+                <a:solidFill>
+                  <a:srgbClr val="FFFF00"/>
+                </a:solidFill>
+              </a:rPr>
+              <a:t>of</a:t>
+            </a:r>
+            <a:r>
+              <a:rPr lang="es-ES" sz="1800" dirty="0">
+                <a:solidFill>
+                  <a:srgbClr val="FFFF00"/>
+                </a:solidFill>
+              </a:rPr>
+              <a:t> </a:t>
+            </a:r>
+            <a:r>
+              <a:rPr lang="es-ES" sz="1800" dirty="0" err="1">
+                <a:solidFill>
+                  <a:srgbClr val="FFFF00"/>
+                </a:solidFill>
+              </a:rPr>
+              <a:t>fit</a:t>
+            </a:r>
+            <a:r>
+              <a:rPr lang="es-ES" sz="1800" dirty="0">
+                <a:solidFill>
+                  <a:srgbClr val="FFFF00"/>
+                </a:solidFill>
+              </a:rPr>
+              <a:t> </a:t>
+            </a:r>
+            <a:r>
+              <a:rPr lang="es-ES" sz="1800" dirty="0"/>
+              <a:t>: 0.85</a:t>
+            </a:r>
+            <a:endParaRPr lang="en-US" sz="1800" dirty="0"/>
+          </a:p>
+        </p:txBody>
+      </p:sp>
+      <p:sp>
+        <p:nvSpPr>
+          <p:cNvPr id="8" name="Título 1">
+            <a:extLst>
+              <a:ext uri="{FF2B5EF4-FFF2-40B4-BE49-F238E27FC236}">
+                <a16:creationId xmlns:a16="http://schemas.microsoft.com/office/drawing/2014/main" id="{51AA1AE1-30B7-26F7-A876-BB8638FC509F}"/>
+              </a:ext>
+            </a:extLst>
+          </p:cNvPr>
+          <p:cNvSpPr>
+            <a:spLocks noGrp="1"/>
+          </p:cNvSpPr>
+          <p:nvPr>
+            <p:ph type="title"/>
+          </p:nvPr>
+        </p:nvSpPr>
+        <p:spPr>
+          <a:xfrm>
+            <a:off x="3111731" y="466408"/>
+            <a:ext cx="8503920" cy="682042"/>
+          </a:xfrm>
+        </p:spPr>
+        <p:txBody>
+          <a:bodyPr>
+            <a:noAutofit/>
+          </a:bodyPr>
+          <a:lstStyle/>
+          <a:p>
+            <a:r>
+              <a:rPr lang="en-US" sz="1800" b="1" dirty="0"/>
+              <a:t>What does influence the overall score of a flight?</a:t>
+            </a:r>
+            <a:br>
+              <a:rPr lang="en-US" sz="1800" b="1" dirty="0"/>
+            </a:br>
+            <a:r>
+              <a:rPr lang="en-US" sz="1800" b="1" dirty="0" err="1"/>
+              <a:t>Knn</a:t>
+            </a:r>
+            <a:r>
+              <a:rPr lang="en-US" sz="1800" b="1" dirty="0"/>
+              <a:t> REGRESSION MODELS</a:t>
+            </a:r>
+            <a:endParaRPr lang="en-US" sz="2000" b="1" dirty="0"/>
+          </a:p>
+        </p:txBody>
+      </p:sp>
+    </p:spTree>
+    <p:extLst>
+      <p:ext uri="{BB962C8B-B14F-4D97-AF65-F5344CB8AC3E}">
+        <p14:creationId xmlns:p14="http://schemas.microsoft.com/office/powerpoint/2010/main" val="3093687835"/>
+      </p:ext>
+    </p:extLst>
+  </p:cSld>
+  <p:clrMapOvr>
+    <a:masterClrMapping/>
+  </p:clrMapOvr>
+  <p:timing>
+    <p:tnLst>
+      <p:par>
+        <p:cTn id="1" dur="indefinite" restart="never" nodeType="tmRoot">
+          <p:childTnLst>
+            <p:seq concurrent="1" nextAc="seek">
+              <p:cTn id="2" dur="indefinite" nodeType="mainSeq">
+                <p:childTnLst>
+                  <p:par>
+                    <p:cTn id="3" fill="hold">
+                      <p:stCondLst>
+                        <p:cond delay="indefinite"/>
+                      </p:stCondLst>
+                      <p:childTnLst>
+                        <p:par>
+                          <p:cTn id="4" fill="hold">
+                            <p:stCondLst>
+                              <p:cond delay="0"/>
+                            </p:stCondLst>
+                            <p:childTnLst>
+                              <p:par>
+                                <p:cTn id="5" presetID="1" presetClass="entr" presetSubtype="0" fill="hold" grpId="0" nodeType="clickEffect">
+                                  <p:stCondLst>
+                                    <p:cond delay="0"/>
+                                  </p:stCondLst>
+                                  <p:childTnLst>
+                                    <p:set>
+                                      <p:cBhvr>
+                                        <p:cTn id="6" dur="1" fill="hold">
+                                          <p:stCondLst>
+                                            <p:cond delay="0"/>
+                                          </p:stCondLst>
+                                        </p:cTn>
+                                        <p:tgtEl>
+                                          <p:spTgt spid="5"/>
+                                        </p:tgtEl>
+                                        <p:attrNameLst>
+                                          <p:attrName>style.visibility</p:attrName>
+                                        </p:attrNameLst>
+                                      </p:cBhvr>
+                                      <p:to>
+                                        <p:strVal val="visible"/>
+                                      </p:to>
+                                    </p:set>
+                                  </p:childTnLst>
+                                </p:cTn>
+                              </p:par>
+                            </p:childTnLst>
+                          </p:cTn>
+                        </p:par>
+                      </p:childTnLst>
+                    </p:cTn>
+                  </p:par>
+                  <p:par>
+                    <p:cTn id="7" fill="hold">
+                      <p:stCondLst>
+                        <p:cond delay="indefinite"/>
+                      </p:stCondLst>
+                      <p:childTnLst>
+                        <p:par>
+                          <p:cTn id="8" fill="hold">
+                            <p:stCondLst>
+                              <p:cond delay="0"/>
+                            </p:stCondLst>
+                            <p:childTnLst>
+                              <p:par>
+                                <p:cTn id="9" presetID="1" presetClass="entr" presetSubtype="0" fill="hold" grpId="0" nodeType="clickEffect">
+                                  <p:stCondLst>
+                                    <p:cond delay="0"/>
+                                  </p:stCondLst>
+                                  <p:childTnLst>
+                                    <p:set>
+                                      <p:cBhvr>
+                                        <p:cTn id="10" dur="1" fill="hold">
+                                          <p:stCondLst>
+                                            <p:cond delay="0"/>
+                                          </p:stCondLst>
+                                        </p:cTn>
+                                        <p:tgtEl>
+                                          <p:spTgt spid="6"/>
+                                        </p:tgtEl>
+                                        <p:attrNameLst>
+                                          <p:attrName>style.visibility</p:attrName>
+                                        </p:attrNameLst>
+                                      </p:cBhvr>
+                                      <p:to>
+                                        <p:strVal val="visible"/>
+                                      </p:to>
+                                    </p:set>
+                                  </p:childTnLst>
+                                </p:cTn>
+                              </p:par>
+                            </p:childTnLst>
+                          </p:cTn>
+                        </p:par>
+                      </p:childTnLst>
+                    </p:cTn>
+                  </p:par>
+                </p:childTnLst>
+              </p:cTn>
+              <p:prevCondLst>
+                <p:cond evt="onPrev" delay="0">
+                  <p:tgtEl>
+                    <p:sldTgt/>
+                  </p:tgtEl>
+                </p:cond>
+              </p:prevCondLst>
+              <p:nextCondLst>
+                <p:cond evt="onNext" delay="0">
+                  <p:tgtEl>
+                    <p:sldTgt/>
+                  </p:tgtEl>
+                </p:cond>
+              </p:nextCondLst>
+            </p:seq>
+          </p:childTnLst>
+        </p:cTn>
+      </p:par>
+    </p:tnLst>
+    <p:bldLst>
+      <p:bldP spid="5" grpId="0" animBg="1"/>
+      <p:bldP spid="6" grpId="0" animBg="1"/>
+    </p:bldLst>
+  </p:timing>
+</p:sld>
+</file>
+
+<file path=ppt/slides/slide25.xml><?xml version="1.0" encoding="utf-8"?>
+<p:sld xmlns:a="http://schemas.openxmlformats.org/drawingml/2006/main" xmlns:r="http://schemas.openxmlformats.org/officeDocument/2006/relationships" xmlns:p="http://schemas.openxmlformats.org/presentationml/2006/main">
+  <p:cSld>
+    <p:spTree>
+      <p:nvGrpSpPr>
+        <p:cNvPr id="1" name=""/>
+        <p:cNvGrpSpPr/>
+        <p:nvPr/>
+      </p:nvGrpSpPr>
+      <p:grpSpPr>
+        <a:xfrm>
+          <a:off x="0" y="0"/>
+          <a:ext cx="0" cy="0"/>
+          <a:chOff x="0" y="0"/>
+          <a:chExt cx="0" cy="0"/>
+        </a:xfrm>
+      </p:grpSpPr>
+      <p:sp>
+        <p:nvSpPr>
+          <p:cNvPr id="7" name="CuadroTexto 6">
+            <a:extLst>
+              <a:ext uri="{FF2B5EF4-FFF2-40B4-BE49-F238E27FC236}">
+                <a16:creationId xmlns:a16="http://schemas.microsoft.com/office/drawing/2014/main" id="{4DD68C6A-0A63-07CC-92D5-267CDBDDAF56}"/>
+              </a:ext>
+            </a:extLst>
+          </p:cNvPr>
+          <p:cNvSpPr txBox="1"/>
+          <p:nvPr/>
+        </p:nvSpPr>
+        <p:spPr>
+          <a:xfrm>
+            <a:off x="515389" y="2739170"/>
+            <a:ext cx="11513128" cy="2308324"/>
+          </a:xfrm>
+          <a:prstGeom prst="rect">
+            <a:avLst/>
+          </a:prstGeom>
+          <a:noFill/>
+        </p:spPr>
+        <p:txBody>
+          <a:bodyPr wrap="square">
+            <a:spAutoFit/>
+          </a:bodyPr>
+          <a:lstStyle/>
+          <a:p>
+            <a:r>
+              <a:rPr lang="en-US" dirty="0">
+                <a:solidFill>
+                  <a:srgbClr val="00B050"/>
+                </a:solidFill>
+              </a:rPr>
+              <a:t>Type of cabin, cabin service and trip purpose </a:t>
+            </a:r>
+            <a:r>
+              <a:rPr lang="en-US" dirty="0" err="1">
+                <a:solidFill>
+                  <a:srgbClr val="00B050"/>
+                </a:solidFill>
+              </a:rPr>
+              <a:t>influde</a:t>
+            </a:r>
+            <a:r>
+              <a:rPr lang="en-US" dirty="0">
+                <a:solidFill>
+                  <a:srgbClr val="00B050"/>
+                </a:solidFill>
+              </a:rPr>
+              <a:t> positively in overall score</a:t>
+            </a:r>
+          </a:p>
+          <a:p>
+            <a:endParaRPr lang="en-US" dirty="0">
+              <a:solidFill>
+                <a:srgbClr val="00B050"/>
+              </a:solidFill>
+            </a:endParaRPr>
+          </a:p>
+          <a:p>
+            <a:endParaRPr lang="en-US" dirty="0">
+              <a:solidFill>
+                <a:schemeClr val="accent1">
+                  <a:lumMod val="60000"/>
+                  <a:lumOff val="40000"/>
+                </a:schemeClr>
+              </a:solidFill>
+            </a:endParaRPr>
+          </a:p>
+          <a:p>
+            <a:r>
+              <a:rPr lang="en-US" dirty="0">
+                <a:solidFill>
+                  <a:schemeClr val="accent1">
+                    <a:lumMod val="60000"/>
+                    <a:lumOff val="40000"/>
+                  </a:schemeClr>
+                </a:solidFill>
+              </a:rPr>
+              <a:t>Scale, type of travel, verification and long distance influence negatively overall score</a:t>
+            </a:r>
+          </a:p>
+          <a:p>
+            <a:endParaRPr lang="en-US" dirty="0">
+              <a:solidFill>
+                <a:srgbClr val="FF0000"/>
+              </a:solidFill>
+            </a:endParaRPr>
+          </a:p>
+          <a:p>
+            <a:endParaRPr lang="en-US" dirty="0"/>
+          </a:p>
+          <a:p>
+            <a:r>
+              <a:rPr lang="en-US" b="1" dirty="0"/>
+              <a:t>KNN</a:t>
+            </a:r>
+            <a:r>
+              <a:rPr lang="en-US" dirty="0"/>
+              <a:t> model avoids multicollinearity and allows for more ratings to be included </a:t>
+            </a:r>
+            <a:r>
+              <a:rPr lang="en-US" dirty="0">
+                <a:sym typeface="Wingdings" panose="05000000000000000000" pitchFamily="2" charset="2"/>
+              </a:rPr>
+              <a:t> </a:t>
+            </a:r>
+            <a:r>
+              <a:rPr lang="en-US" dirty="0"/>
+              <a:t>more robust and explains overall score better</a:t>
+            </a:r>
+            <a:endParaRPr lang="en-US" sz="1800" dirty="0"/>
+          </a:p>
+        </p:txBody>
+      </p:sp>
+      <p:sp>
+        <p:nvSpPr>
+          <p:cNvPr id="9" name="Título 1">
+            <a:extLst>
+              <a:ext uri="{FF2B5EF4-FFF2-40B4-BE49-F238E27FC236}">
+                <a16:creationId xmlns:a16="http://schemas.microsoft.com/office/drawing/2014/main" id="{1C949F54-37B1-95D9-4BF7-1FDC20491347}"/>
+              </a:ext>
+            </a:extLst>
+          </p:cNvPr>
+          <p:cNvSpPr txBox="1">
+            <a:spLocks/>
+          </p:cNvSpPr>
+          <p:nvPr/>
+        </p:nvSpPr>
+        <p:spPr>
+          <a:xfrm>
+            <a:off x="3178233" y="826119"/>
+            <a:ext cx="8503920" cy="682042"/>
+          </a:xfrm>
+          <a:prstGeom prst="rect">
+            <a:avLst/>
+          </a:prstGeom>
+        </p:spPr>
+        <p:txBody>
+          <a:bodyPr vert="horz" lIns="91440" tIns="45720" rIns="91440" bIns="45720" rtlCol="0" anchor="ctr">
+            <a:normAutofit/>
+          </a:bodyPr>
+          <a:lstStyle>
+            <a:lvl1pPr algn="r" defTabSz="914400" rtl="0" eaLnBrk="1" latinLnBrk="0" hangingPunct="1">
+              <a:lnSpc>
+                <a:spcPct val="90000"/>
+              </a:lnSpc>
+              <a:spcBef>
+                <a:spcPct val="0"/>
+              </a:spcBef>
+              <a:buNone/>
+              <a:defRPr sz="4000" kern="1200" cap="all" baseline="0">
+                <a:solidFill>
+                  <a:schemeClr val="tx1"/>
+                </a:solidFill>
+                <a:latin typeface="+mj-lt"/>
+                <a:ea typeface="+mj-ea"/>
+                <a:cs typeface="+mj-cs"/>
+              </a:defRPr>
+            </a:lvl1pPr>
+          </a:lstStyle>
+          <a:p>
+            <a:r>
+              <a:rPr lang="en-US" sz="3200" b="1" dirty="0"/>
+              <a:t>REGRESSION MODELS RESULTS</a:t>
+            </a:r>
+            <a:endParaRPr lang="en-US" b="1" dirty="0"/>
+          </a:p>
+        </p:txBody>
+      </p:sp>
+    </p:spTree>
+    <p:extLst>
+      <p:ext uri="{BB962C8B-B14F-4D97-AF65-F5344CB8AC3E}">
+        <p14:creationId xmlns:p14="http://schemas.microsoft.com/office/powerpoint/2010/main" val="3456894400"/>
+      </p:ext>
+    </p:extLst>
+  </p:cSld>
+  <p:clrMapOvr>
+    <a:masterClrMapping/>
+  </p:clrMapOvr>
+</p:sld>
+</file>
+
+<file path=ppt/slides/slide26.xml><?xml version="1.0" encoding="utf-8"?>
+<p:sld xmlns:a="http://schemas.openxmlformats.org/drawingml/2006/main" xmlns:r="http://schemas.openxmlformats.org/officeDocument/2006/relationships" xmlns:p="http://schemas.openxmlformats.org/presentationml/2006/main">
+  <p:cSld>
+    <p:spTree>
+      <p:nvGrpSpPr>
+        <p:cNvPr id="1" name=""/>
+        <p:cNvGrpSpPr/>
+        <p:nvPr/>
+      </p:nvGrpSpPr>
+      <p:grpSpPr>
+        <a:xfrm>
+          <a:off x="0" y="0"/>
+          <a:ext cx="0" cy="0"/>
+          <a:chOff x="0" y="0"/>
+          <a:chExt cx="0" cy="0"/>
+        </a:xfrm>
+      </p:grpSpPr>
+      <p:sp>
+        <p:nvSpPr>
+          <p:cNvPr id="2" name="Título 1">
+            <a:extLst>
+              <a:ext uri="{FF2B5EF4-FFF2-40B4-BE49-F238E27FC236}">
+                <a16:creationId xmlns:a16="http://schemas.microsoft.com/office/drawing/2014/main" id="{59163378-E621-E954-ABCF-2115BDC40A54}"/>
+              </a:ext>
+            </a:extLst>
+          </p:cNvPr>
+          <p:cNvSpPr>
+            <a:spLocks noGrp="1"/>
+          </p:cNvSpPr>
+          <p:nvPr>
+            <p:ph type="title"/>
+          </p:nvPr>
+        </p:nvSpPr>
+        <p:spPr>
+          <a:xfrm>
+            <a:off x="7841672" y="764373"/>
+            <a:ext cx="3557847" cy="920340"/>
+          </a:xfrm>
+        </p:spPr>
+        <p:txBody>
+          <a:bodyPr>
+            <a:normAutofit/>
+          </a:bodyPr>
+          <a:lstStyle/>
+          <a:p>
+            <a:r>
+              <a:rPr lang="en-US" sz="3200" b="1" dirty="0"/>
+              <a:t>Other models</a:t>
+            </a:r>
+          </a:p>
+        </p:txBody>
+      </p:sp>
+      <p:sp>
+        <p:nvSpPr>
+          <p:cNvPr id="3" name="Marcador de contenido 2">
+            <a:extLst>
+              <a:ext uri="{FF2B5EF4-FFF2-40B4-BE49-F238E27FC236}">
+                <a16:creationId xmlns:a16="http://schemas.microsoft.com/office/drawing/2014/main" id="{B43C7350-3DB6-C0E2-FBC9-BCCBEE476EF8}"/>
+              </a:ext>
+            </a:extLst>
+          </p:cNvPr>
+          <p:cNvSpPr>
+            <a:spLocks noGrp="1"/>
+          </p:cNvSpPr>
+          <p:nvPr>
+            <p:ph idx="1"/>
+          </p:nvPr>
+        </p:nvSpPr>
+        <p:spPr>
+          <a:xfrm>
+            <a:off x="465513" y="1795549"/>
+            <a:ext cx="11399520" cy="4468091"/>
+          </a:xfrm>
+        </p:spPr>
+        <p:txBody>
+          <a:bodyPr>
+            <a:normAutofit/>
+          </a:bodyPr>
+          <a:lstStyle/>
+          <a:p>
+            <a:r>
+              <a:rPr lang="en-US" b="1" dirty="0">
+                <a:solidFill>
+                  <a:srgbClr val="FFFF00"/>
+                </a:solidFill>
+              </a:rPr>
+              <a:t>Classifier System. </a:t>
+            </a:r>
+            <a:r>
+              <a:rPr lang="en-US" dirty="0"/>
+              <a:t>User rates each item and obtains an overall score + other 5 airlines with same score.</a:t>
+            </a:r>
+          </a:p>
+          <a:p>
+            <a:pPr lvl="1"/>
+            <a:r>
+              <a:rPr lang="en-US" sz="1800" dirty="0">
+                <a:solidFill>
+                  <a:srgbClr val="FFFF00"/>
+                </a:solidFill>
+              </a:rPr>
+              <a:t>Model</a:t>
+            </a:r>
+            <a:r>
+              <a:rPr lang="en-US" sz="1800" dirty="0"/>
+              <a:t>: </a:t>
+            </a:r>
+            <a:r>
+              <a:rPr lang="en-US" sz="1600" dirty="0"/>
+              <a:t>random forest regressor</a:t>
+            </a:r>
+          </a:p>
+          <a:p>
+            <a:pPr lvl="1"/>
+            <a:r>
+              <a:rPr lang="es-ES" sz="1800" dirty="0">
+                <a:solidFill>
+                  <a:srgbClr val="FFFF00"/>
+                </a:solidFill>
+              </a:rPr>
+              <a:t>HP</a:t>
+            </a:r>
+            <a:r>
+              <a:rPr lang="es-ES" sz="1800" b="0" i="0" dirty="0">
+                <a:solidFill>
+                  <a:srgbClr val="FFFF00"/>
+                </a:solidFill>
+                <a:effectLst/>
+                <a:latin typeface="Consolas" panose="020B0609020204030204" pitchFamily="49" charset="0"/>
+              </a:rPr>
+              <a:t> </a:t>
+            </a:r>
+            <a:r>
+              <a:rPr lang="es-ES" sz="1800" dirty="0" err="1">
+                <a:solidFill>
+                  <a:srgbClr val="FFFF00"/>
+                </a:solidFill>
+              </a:rPr>
+              <a:t>Tuning</a:t>
+            </a:r>
+            <a:r>
+              <a:rPr lang="es-ES" sz="1800" b="0" i="0" dirty="0">
+                <a:solidFill>
+                  <a:srgbClr val="D4D4D4"/>
+                </a:solidFill>
+                <a:effectLst/>
+                <a:latin typeface="Consolas" panose="020B0609020204030204" pitchFamily="49" charset="0"/>
+              </a:rPr>
+              <a:t>: </a:t>
+            </a:r>
+            <a:r>
+              <a:rPr lang="es-ES" sz="1400" b="0" i="0" dirty="0" err="1">
+                <a:solidFill>
+                  <a:srgbClr val="D4D4D4"/>
+                </a:solidFill>
+                <a:effectLst/>
+                <a:latin typeface="Consolas" panose="020B0609020204030204" pitchFamily="49" charset="0"/>
+              </a:rPr>
+              <a:t>max_depth</a:t>
+            </a:r>
+            <a:r>
+              <a:rPr lang="es-ES" sz="1400" b="0" i="0" dirty="0">
+                <a:solidFill>
+                  <a:srgbClr val="D4D4D4"/>
+                </a:solidFill>
+                <a:effectLst/>
+                <a:latin typeface="Consolas" panose="020B0609020204030204" pitchFamily="49" charset="0"/>
+              </a:rPr>
+              <a:t>': 10, '</a:t>
+            </a:r>
+            <a:r>
+              <a:rPr lang="es-ES" sz="1400" b="0" i="0" dirty="0" err="1">
+                <a:solidFill>
+                  <a:srgbClr val="D4D4D4"/>
+                </a:solidFill>
+                <a:effectLst/>
+                <a:latin typeface="Consolas" panose="020B0609020204030204" pitchFamily="49" charset="0"/>
+              </a:rPr>
+              <a:t>max_features</a:t>
+            </a:r>
+            <a:r>
+              <a:rPr lang="es-ES" sz="1400" b="0" i="0" dirty="0">
+                <a:solidFill>
+                  <a:srgbClr val="D4D4D4"/>
+                </a:solidFill>
+                <a:effectLst/>
+                <a:latin typeface="Consolas" panose="020B0609020204030204" pitchFamily="49" charset="0"/>
+              </a:rPr>
+              <a:t>': '</a:t>
+            </a:r>
+            <a:r>
+              <a:rPr lang="es-ES" sz="1400" b="0" i="0" dirty="0" err="1">
+                <a:solidFill>
+                  <a:srgbClr val="D4D4D4"/>
+                </a:solidFill>
+                <a:effectLst/>
+                <a:latin typeface="Consolas" panose="020B0609020204030204" pitchFamily="49" charset="0"/>
+              </a:rPr>
+              <a:t>sqrt</a:t>
+            </a:r>
+            <a:r>
+              <a:rPr lang="es-ES" sz="1400" b="0" i="0" dirty="0">
+                <a:solidFill>
+                  <a:srgbClr val="D4D4D4"/>
+                </a:solidFill>
+                <a:effectLst/>
+                <a:latin typeface="Consolas" panose="020B0609020204030204" pitchFamily="49" charset="0"/>
+              </a:rPr>
+              <a:t>', '</a:t>
+            </a:r>
+            <a:r>
+              <a:rPr lang="es-ES" sz="1400" b="0" i="0" dirty="0" err="1">
+                <a:solidFill>
+                  <a:srgbClr val="D4D4D4"/>
+                </a:solidFill>
+                <a:effectLst/>
+                <a:latin typeface="Consolas" panose="020B0609020204030204" pitchFamily="49" charset="0"/>
+              </a:rPr>
+              <a:t>min_samples_leaf</a:t>
+            </a:r>
+            <a:r>
+              <a:rPr lang="es-ES" sz="1400" b="0" i="0" dirty="0">
+                <a:solidFill>
+                  <a:srgbClr val="D4D4D4"/>
+                </a:solidFill>
+                <a:effectLst/>
+                <a:latin typeface="Consolas" panose="020B0609020204030204" pitchFamily="49" charset="0"/>
+              </a:rPr>
+              <a:t>': 1, '</a:t>
+            </a:r>
+            <a:r>
+              <a:rPr lang="es-ES" sz="1400" b="0" i="0" dirty="0" err="1">
+                <a:solidFill>
+                  <a:srgbClr val="D4D4D4"/>
+                </a:solidFill>
+                <a:effectLst/>
+                <a:latin typeface="Consolas" panose="020B0609020204030204" pitchFamily="49" charset="0"/>
+              </a:rPr>
+              <a:t>min_samples_split</a:t>
+            </a:r>
+            <a:r>
+              <a:rPr lang="es-ES" sz="1400" b="0" i="0" dirty="0">
+                <a:solidFill>
+                  <a:srgbClr val="D4D4D4"/>
+                </a:solidFill>
+                <a:effectLst/>
+                <a:latin typeface="Consolas" panose="020B0609020204030204" pitchFamily="49" charset="0"/>
+              </a:rPr>
+              <a:t>': 5, '</a:t>
+            </a:r>
+            <a:r>
+              <a:rPr lang="es-ES" sz="1400" b="0" i="0" dirty="0" err="1">
+                <a:solidFill>
+                  <a:srgbClr val="D4D4D4"/>
+                </a:solidFill>
+                <a:effectLst/>
+                <a:latin typeface="Consolas" panose="020B0609020204030204" pitchFamily="49" charset="0"/>
+              </a:rPr>
+              <a:t>n_estimators</a:t>
+            </a:r>
+            <a:r>
+              <a:rPr lang="es-ES" sz="1400" b="0" i="0" dirty="0">
+                <a:solidFill>
+                  <a:srgbClr val="D4D4D4"/>
+                </a:solidFill>
+                <a:effectLst/>
+                <a:latin typeface="Consolas" panose="020B0609020204030204" pitchFamily="49" charset="0"/>
+              </a:rPr>
+              <a:t>': 300</a:t>
+            </a:r>
+            <a:endParaRPr lang="es-ES" sz="1800" b="0" i="0" dirty="0">
+              <a:solidFill>
+                <a:srgbClr val="D4D4D4"/>
+              </a:solidFill>
+              <a:effectLst/>
+              <a:latin typeface="Consolas" panose="020B0609020204030204" pitchFamily="49" charset="0"/>
+            </a:endParaRPr>
+          </a:p>
+          <a:p>
+            <a:pPr lvl="1"/>
+            <a:r>
+              <a:rPr lang="es-ES" sz="1800" dirty="0">
+                <a:solidFill>
+                  <a:srgbClr val="FFFF00"/>
+                </a:solidFill>
+              </a:rPr>
+              <a:t>R2</a:t>
+            </a:r>
+            <a:r>
+              <a:rPr lang="es-ES" sz="1600" dirty="0">
+                <a:solidFill>
+                  <a:srgbClr val="FFFF00"/>
+                </a:solidFill>
+                <a:latin typeface="Consolas" panose="020B0609020204030204" pitchFamily="49" charset="0"/>
+              </a:rPr>
+              <a:t> </a:t>
+            </a:r>
+            <a:r>
+              <a:rPr lang="es-ES" sz="1600" dirty="0">
+                <a:solidFill>
+                  <a:srgbClr val="D4D4D4"/>
+                </a:solidFill>
+                <a:latin typeface="Consolas" panose="020B0609020204030204" pitchFamily="49" charset="0"/>
+              </a:rPr>
+              <a:t>= </a:t>
+            </a:r>
+            <a:r>
+              <a:rPr lang="es-ES" sz="1600" dirty="0"/>
+              <a:t>0.9</a:t>
+            </a:r>
+            <a:endParaRPr lang="en-US" sz="1600" dirty="0"/>
+          </a:p>
+          <a:p>
+            <a:pPr marL="0" indent="0">
+              <a:buNone/>
+            </a:pPr>
+            <a:endParaRPr lang="en-US" dirty="0"/>
+          </a:p>
+          <a:p>
+            <a:r>
+              <a:rPr lang="en-US" b="1" dirty="0">
+                <a:solidFill>
+                  <a:srgbClr val="FFFF00"/>
+                </a:solidFill>
+              </a:rPr>
+              <a:t>Recommender System. </a:t>
+            </a:r>
+            <a:r>
+              <a:rPr lang="en-US" dirty="0"/>
+              <a:t>User enters an airline and obtains a recommendation of similar options. (Not limited to 6 main airlines)</a:t>
+            </a:r>
+          </a:p>
+          <a:p>
+            <a:pPr lvl="1"/>
+            <a:r>
+              <a:rPr lang="en-US" sz="1800" dirty="0">
+                <a:solidFill>
+                  <a:srgbClr val="FFFF00"/>
+                </a:solidFill>
+              </a:rPr>
+              <a:t>Model</a:t>
+            </a:r>
+            <a:r>
+              <a:rPr lang="en-US" dirty="0"/>
+              <a:t>: </a:t>
+            </a:r>
+            <a:r>
+              <a:rPr lang="en-US" sz="1600" dirty="0"/>
+              <a:t>Nearest Neighbors </a:t>
+            </a:r>
+          </a:p>
+          <a:p>
+            <a:pPr lvl="1"/>
+            <a:r>
+              <a:rPr lang="en-US" sz="1800" dirty="0">
+                <a:solidFill>
+                  <a:srgbClr val="FFFF00"/>
+                </a:solidFill>
+              </a:rPr>
+              <a:t>Parameters</a:t>
+            </a:r>
+            <a:r>
+              <a:rPr lang="en-US" sz="1600" dirty="0">
+                <a:solidFill>
+                  <a:srgbClr val="D4D4D4"/>
+                </a:solidFill>
+                <a:latin typeface="Consolas" panose="020B0609020204030204" pitchFamily="49" charset="0"/>
+              </a:rPr>
+              <a:t>: </a:t>
+            </a:r>
+            <a:r>
+              <a:rPr lang="en-US" sz="1400" dirty="0" err="1">
+                <a:solidFill>
+                  <a:srgbClr val="D4D4D4"/>
+                </a:solidFill>
+                <a:latin typeface="Consolas" panose="020B0609020204030204" pitchFamily="49" charset="0"/>
+              </a:rPr>
+              <a:t>n_neighbors</a:t>
+            </a:r>
+            <a:r>
+              <a:rPr lang="en-US" sz="1400" dirty="0">
+                <a:solidFill>
+                  <a:srgbClr val="D4D4D4"/>
+                </a:solidFill>
+                <a:latin typeface="Consolas" panose="020B0609020204030204" pitchFamily="49" charset="0"/>
+              </a:rPr>
+              <a:t>=6, algorithm='</a:t>
+            </a:r>
+            <a:r>
+              <a:rPr lang="en-US" sz="1400" dirty="0" err="1">
+                <a:solidFill>
+                  <a:srgbClr val="D4D4D4"/>
+                </a:solidFill>
+                <a:latin typeface="Consolas" panose="020B0609020204030204" pitchFamily="49" charset="0"/>
+              </a:rPr>
+              <a:t>ball_tree</a:t>
+            </a:r>
+            <a:r>
+              <a:rPr lang="en-US" sz="1400" dirty="0">
+                <a:solidFill>
+                  <a:srgbClr val="D4D4D4"/>
+                </a:solidFill>
+                <a:latin typeface="Consolas" panose="020B0609020204030204" pitchFamily="49" charset="0"/>
+              </a:rPr>
+              <a:t>’</a:t>
+            </a:r>
+          </a:p>
+          <a:p>
+            <a:pPr marL="457200" lvl="1" indent="0">
+              <a:buNone/>
+            </a:pPr>
+            <a:endParaRPr lang="en-US" dirty="0">
+              <a:solidFill>
+                <a:srgbClr val="D4D4D4"/>
+              </a:solidFill>
+              <a:latin typeface="Consolas" panose="020B0609020204030204" pitchFamily="49" charset="0"/>
+            </a:endParaRPr>
+          </a:p>
+          <a:p>
+            <a:pPr marL="457200" lvl="1" indent="0" algn="ctr">
+              <a:buNone/>
+            </a:pPr>
+            <a:r>
+              <a:rPr lang="es-ES" sz="2200" dirty="0" err="1"/>
+              <a:t>Both</a:t>
+            </a:r>
+            <a:r>
+              <a:rPr lang="es-ES" sz="2200" dirty="0"/>
+              <a:t> </a:t>
+            </a:r>
+            <a:r>
+              <a:rPr lang="es-ES" sz="2200" dirty="0" err="1"/>
+              <a:t>models</a:t>
+            </a:r>
+            <a:r>
+              <a:rPr lang="es-ES" sz="2200" dirty="0"/>
+              <a:t> </a:t>
+            </a:r>
+            <a:r>
+              <a:rPr lang="es-ES" sz="2200" dirty="0" err="1"/>
+              <a:t>based</a:t>
+            </a:r>
+            <a:r>
+              <a:rPr lang="es-ES" sz="2200" dirty="0"/>
+              <a:t> </a:t>
+            </a:r>
+            <a:r>
+              <a:rPr lang="es-ES" sz="2200" dirty="0" err="1"/>
+              <a:t>on</a:t>
+            </a:r>
+            <a:r>
+              <a:rPr lang="es-ES" sz="2200" dirty="0"/>
+              <a:t> ‘rating’ and </a:t>
+            </a:r>
+            <a:r>
+              <a:rPr lang="es-ES" sz="2200" dirty="0" err="1"/>
+              <a:t>overall</a:t>
+            </a:r>
+            <a:r>
+              <a:rPr lang="es-ES" sz="2200" dirty="0"/>
+              <a:t> score variables</a:t>
+            </a:r>
+          </a:p>
+        </p:txBody>
+      </p:sp>
+    </p:spTree>
+    <p:extLst>
+      <p:ext uri="{BB962C8B-B14F-4D97-AF65-F5344CB8AC3E}">
+        <p14:creationId xmlns:p14="http://schemas.microsoft.com/office/powerpoint/2010/main" val="3113596057"/>
+      </p:ext>
+    </p:extLst>
+  </p:cSld>
+  <p:clrMapOvr>
+    <a:masterClrMapping/>
+  </p:clrMapOvr>
+</p:sld>
+</file>
+
+<file path=ppt/slides/slide27.xml><?xml version="1.0" encoding="utf-8"?>
+<p:sld xmlns:a="http://schemas.openxmlformats.org/drawingml/2006/main" xmlns:r="http://schemas.openxmlformats.org/officeDocument/2006/relationships" xmlns:p="http://schemas.openxmlformats.org/presentationml/2006/main">
+  <p:cSld>
+    <p:spTree>
+      <p:nvGrpSpPr>
+        <p:cNvPr id="1" name=""/>
+        <p:cNvGrpSpPr/>
+        <p:nvPr/>
+      </p:nvGrpSpPr>
+      <p:grpSpPr>
+        <a:xfrm>
+          <a:off x="0" y="0"/>
+          <a:ext cx="0" cy="0"/>
+          <a:chOff x="0" y="0"/>
+          <a:chExt cx="0" cy="0"/>
+        </a:xfrm>
+      </p:grpSpPr>
+      <p:sp>
+        <p:nvSpPr>
+          <p:cNvPr id="2" name="Título 1">
+            <a:extLst>
+              <a:ext uri="{FF2B5EF4-FFF2-40B4-BE49-F238E27FC236}">
+                <a16:creationId xmlns:a16="http://schemas.microsoft.com/office/drawing/2014/main" id="{59163378-E621-E954-ABCF-2115BDC40A54}"/>
+              </a:ext>
+            </a:extLst>
+          </p:cNvPr>
+          <p:cNvSpPr>
+            <a:spLocks noGrp="1"/>
+          </p:cNvSpPr>
+          <p:nvPr>
+            <p:ph type="title"/>
+          </p:nvPr>
+        </p:nvSpPr>
+        <p:spPr>
+          <a:xfrm>
+            <a:off x="7841672" y="764373"/>
+            <a:ext cx="3557847" cy="920340"/>
+          </a:xfrm>
+        </p:spPr>
+        <p:txBody>
+          <a:bodyPr>
+            <a:normAutofit/>
+          </a:bodyPr>
+          <a:lstStyle/>
+          <a:p>
+            <a:r>
+              <a:rPr lang="en-US" sz="3200" b="1" dirty="0"/>
+              <a:t>Other models</a:t>
+            </a:r>
+          </a:p>
+        </p:txBody>
+      </p:sp>
+      <p:sp>
+        <p:nvSpPr>
+          <p:cNvPr id="3" name="Marcador de contenido 2">
+            <a:extLst>
+              <a:ext uri="{FF2B5EF4-FFF2-40B4-BE49-F238E27FC236}">
+                <a16:creationId xmlns:a16="http://schemas.microsoft.com/office/drawing/2014/main" id="{B43C7350-3DB6-C0E2-FBC9-BCCBEE476EF8}"/>
+              </a:ext>
+            </a:extLst>
+          </p:cNvPr>
+          <p:cNvSpPr>
+            <a:spLocks noGrp="1"/>
+          </p:cNvSpPr>
+          <p:nvPr>
+            <p:ph idx="1"/>
+          </p:nvPr>
+        </p:nvSpPr>
+        <p:spPr>
+          <a:xfrm>
+            <a:off x="465514" y="1795549"/>
+            <a:ext cx="6223462" cy="4468091"/>
+          </a:xfrm>
+        </p:spPr>
+        <p:txBody>
+          <a:bodyPr>
+            <a:normAutofit/>
+          </a:bodyPr>
+          <a:lstStyle/>
+          <a:p>
+            <a:r>
+              <a:rPr lang="en-US" b="1" dirty="0">
+                <a:solidFill>
+                  <a:srgbClr val="FFFF00"/>
+                </a:solidFill>
+              </a:rPr>
+              <a:t>Classifier System. </a:t>
+            </a:r>
+            <a:r>
+              <a:rPr lang="en-US" dirty="0"/>
+              <a:t>Sentiment Analysis.</a:t>
+            </a:r>
+          </a:p>
+          <a:p>
+            <a:pPr lvl="1"/>
+            <a:r>
+              <a:rPr lang="en-US" sz="1800" dirty="0"/>
+              <a:t>Title vs. Review</a:t>
+            </a:r>
+          </a:p>
+          <a:p>
+            <a:pPr lvl="1"/>
+            <a:r>
+              <a:rPr lang="en-US" sz="1800" dirty="0"/>
+              <a:t>Tokenized and lemmatized titles</a:t>
+            </a:r>
+          </a:p>
+          <a:p>
+            <a:pPr lvl="1"/>
+            <a:r>
+              <a:rPr lang="en-US" sz="1800" dirty="0"/>
+              <a:t>Personalized stop words (avoid neutrality)</a:t>
+            </a:r>
+          </a:p>
+          <a:p>
+            <a:pPr lvl="1"/>
+            <a:r>
+              <a:rPr lang="en-US" sz="1800" dirty="0"/>
+              <a:t>Sentiment based on negative (-1), neutral (0) and positive (+1) titles</a:t>
+            </a:r>
+          </a:p>
+          <a:p>
+            <a:pPr lvl="1"/>
+            <a:r>
+              <a:rPr lang="en-US" sz="1800" dirty="0"/>
+              <a:t>Double filter with overalls core: positive (7+), and negative (up to 3)</a:t>
+            </a:r>
+          </a:p>
+          <a:p>
+            <a:pPr lvl="1"/>
+            <a:endParaRPr lang="en-US" dirty="0"/>
+          </a:p>
+          <a:p>
+            <a:r>
+              <a:rPr lang="en-US" b="1" dirty="0">
+                <a:solidFill>
+                  <a:srgbClr val="FFFF00"/>
+                </a:solidFill>
+              </a:rPr>
+              <a:t>Word Cloud. </a:t>
+            </a:r>
+            <a:r>
+              <a:rPr lang="en-US" dirty="0"/>
+              <a:t>Sentiment analysis into figures</a:t>
+            </a:r>
+          </a:p>
+          <a:p>
+            <a:pPr marL="457200" lvl="1" indent="0">
+              <a:buNone/>
+            </a:pPr>
+            <a:endParaRPr lang="en-US" dirty="0">
+              <a:solidFill>
+                <a:srgbClr val="D4D4D4"/>
+              </a:solidFill>
+              <a:latin typeface="Consolas" panose="020B0609020204030204" pitchFamily="49" charset="0"/>
+            </a:endParaRPr>
+          </a:p>
+        </p:txBody>
+      </p:sp>
+      <p:pic>
+        <p:nvPicPr>
+          <p:cNvPr id="7" name="Imagen 6">
+            <a:extLst>
+              <a:ext uri="{FF2B5EF4-FFF2-40B4-BE49-F238E27FC236}">
+                <a16:creationId xmlns:a16="http://schemas.microsoft.com/office/drawing/2014/main" id="{1F302C0C-66D2-4D32-9665-193343625010}"/>
+              </a:ext>
+            </a:extLst>
+          </p:cNvPr>
+          <p:cNvPicPr>
+            <a:picLocks noChangeAspect="1"/>
+          </p:cNvPicPr>
+          <p:nvPr/>
+        </p:nvPicPr>
+        <p:blipFill>
+          <a:blip r:embed="rId2"/>
+          <a:stretch>
+            <a:fillRect/>
+          </a:stretch>
+        </p:blipFill>
+        <p:spPr>
+          <a:xfrm>
+            <a:off x="7841672" y="2116975"/>
+            <a:ext cx="3998836" cy="3910151"/>
+          </a:xfrm>
+          <a:prstGeom prst="rect">
+            <a:avLst/>
+          </a:prstGeom>
+        </p:spPr>
+      </p:pic>
+    </p:spTree>
+    <p:extLst>
+      <p:ext uri="{BB962C8B-B14F-4D97-AF65-F5344CB8AC3E}">
+        <p14:creationId xmlns:p14="http://schemas.microsoft.com/office/powerpoint/2010/main" val="1047687340"/>
+      </p:ext>
+    </p:extLst>
+  </p:cSld>
+  <p:clrMapOvr>
+    <a:masterClrMapping/>
+  </p:clrMapOvr>
+</p:sld>
+</file>
+
+<file path=ppt/slides/slide28.xml><?xml version="1.0" encoding="utf-8"?>
+<p:sld xmlns:a="http://schemas.openxmlformats.org/drawingml/2006/main" xmlns:r="http://schemas.openxmlformats.org/officeDocument/2006/relationships" xmlns:p="http://schemas.openxmlformats.org/presentationml/2006/main">
+  <p:cSld>
+    <p:spTree>
+      <p:nvGrpSpPr>
+        <p:cNvPr id="1" name=""/>
+        <p:cNvGrpSpPr/>
+        <p:nvPr/>
+      </p:nvGrpSpPr>
+      <p:grpSpPr>
+        <a:xfrm>
+          <a:off x="0" y="0"/>
+          <a:ext cx="0" cy="0"/>
+          <a:chOff x="0" y="0"/>
+          <a:chExt cx="0" cy="0"/>
+        </a:xfrm>
+      </p:grpSpPr>
+      <p:sp>
+        <p:nvSpPr>
           <p:cNvPr id="2" name="Título 1">
             <a:extLst>
               <a:ext uri="{FF2B5EF4-FFF2-40B4-BE49-F238E27FC236}">
@@ -10076,22 +11888,21 @@
             <a:r>
               <a:rPr lang="en-US" dirty="0">
                 <a:solidFill>
-                  <a:srgbClr val="FFFF00"/>
-                </a:solidFill>
-              </a:rPr>
-              <a:t>Link to </a:t>
-            </a:r>
-            <a:r>
-              <a:rPr lang="en-US" dirty="0" err="1">
-                <a:solidFill>
-                  <a:srgbClr val="FFFF00"/>
-                </a:solidFill>
-              </a:rPr>
-              <a:t>streamlit</a:t>
+                  <a:schemeClr val="accent3"/>
+                </a:solidFill>
+                <a:hlinkClick r:id="rId2">
+                  <a:extLst>
+                    <a:ext uri="{A12FA001-AC4F-418D-AE19-62706E023703}">
+                      <ahyp:hlinkClr xmlns:ahyp="http://schemas.microsoft.com/office/drawing/2018/hyperlinkcolor" val="tx"/>
+                    </a:ext>
+                  </a:extLst>
+                </a:hlinkClick>
+              </a:rPr>
+              <a:t>https://flight-judge.streamlit.app/</a:t>
             </a:r>
             <a:endParaRPr lang="en-US" dirty="0">
               <a:solidFill>
-                <a:srgbClr val="FFFF00"/>
+                <a:schemeClr val="accent3"/>
               </a:solidFill>
             </a:endParaRPr>
           </a:p>
@@ -10101,6 +11912,178 @@
     <p:extLst>
       <p:ext uri="{BB962C8B-B14F-4D97-AF65-F5344CB8AC3E}">
         <p14:creationId xmlns:p14="http://schemas.microsoft.com/office/powerpoint/2010/main" val="770632757"/>
+      </p:ext>
+    </p:extLst>
+  </p:cSld>
+  <p:clrMapOvr>
+    <a:masterClrMapping/>
+  </p:clrMapOvr>
+</p:sld>
+</file>
+
+<file path=ppt/slides/slide29.xml><?xml version="1.0" encoding="utf-8"?>
+<p:sld xmlns:a="http://schemas.openxmlformats.org/drawingml/2006/main" xmlns:r="http://schemas.openxmlformats.org/officeDocument/2006/relationships" xmlns:p="http://schemas.openxmlformats.org/presentationml/2006/main">
+  <p:cSld>
+    <p:spTree>
+      <p:nvGrpSpPr>
+        <p:cNvPr id="1" name=""/>
+        <p:cNvGrpSpPr/>
+        <p:nvPr/>
+      </p:nvGrpSpPr>
+      <p:grpSpPr>
+        <a:xfrm>
+          <a:off x="0" y="0"/>
+          <a:ext cx="0" cy="0"/>
+          <a:chOff x="0" y="0"/>
+          <a:chExt cx="0" cy="0"/>
+        </a:xfrm>
+      </p:grpSpPr>
+      <p:sp>
+        <p:nvSpPr>
+          <p:cNvPr id="2" name="Título 1">
+            <a:extLst>
+              <a:ext uri="{FF2B5EF4-FFF2-40B4-BE49-F238E27FC236}">
+                <a16:creationId xmlns:a16="http://schemas.microsoft.com/office/drawing/2014/main" id="{01F2009D-0DAE-5F25-26D6-775CAF3DC2ED}"/>
+              </a:ext>
+            </a:extLst>
+          </p:cNvPr>
+          <p:cNvSpPr>
+            <a:spLocks noGrp="1"/>
+          </p:cNvSpPr>
+          <p:nvPr>
+            <p:ph type="title"/>
+          </p:nvPr>
+        </p:nvSpPr>
+        <p:spPr>
+          <a:xfrm>
+            <a:off x="6378632" y="594360"/>
+            <a:ext cx="5065222" cy="970216"/>
+          </a:xfrm>
+        </p:spPr>
+        <p:txBody>
+          <a:bodyPr>
+            <a:normAutofit/>
+          </a:bodyPr>
+          <a:lstStyle/>
+          <a:p>
+            <a:r>
+              <a:rPr lang="en-US" sz="3200" b="1" dirty="0"/>
+              <a:t>JUST TO WRAP IT UP</a:t>
+            </a:r>
+          </a:p>
+        </p:txBody>
+      </p:sp>
+      <p:sp>
+        <p:nvSpPr>
+          <p:cNvPr id="3" name="Marcador de contenido 2">
+            <a:extLst>
+              <a:ext uri="{FF2B5EF4-FFF2-40B4-BE49-F238E27FC236}">
+                <a16:creationId xmlns:a16="http://schemas.microsoft.com/office/drawing/2014/main" id="{90F9AA4C-6172-BFCE-A137-E5BCA6DD207E}"/>
+              </a:ext>
+            </a:extLst>
+          </p:cNvPr>
+          <p:cNvSpPr>
+            <a:spLocks noGrp="1"/>
+          </p:cNvSpPr>
+          <p:nvPr>
+            <p:ph idx="1"/>
+          </p:nvPr>
+        </p:nvSpPr>
+        <p:spPr>
+          <a:xfrm>
+            <a:off x="836814" y="1856508"/>
+            <a:ext cx="10607040" cy="4555375"/>
+          </a:xfrm>
+        </p:spPr>
+        <p:txBody>
+          <a:bodyPr anchor="ctr">
+            <a:normAutofit fontScale="77500" lnSpcReduction="20000"/>
+          </a:bodyPr>
+          <a:lstStyle/>
+          <a:p>
+            <a:pPr>
+              <a:lnSpc>
+                <a:spcPct val="150000"/>
+              </a:lnSpc>
+            </a:pPr>
+            <a:r>
+              <a:rPr lang="en-US" dirty="0"/>
+              <a:t>Price and timelines are important when choosing a flight…but never underestimate other surrounding factors!</a:t>
+            </a:r>
+          </a:p>
+          <a:p>
+            <a:pPr marL="0" indent="0">
+              <a:lnSpc>
+                <a:spcPct val="150000"/>
+              </a:lnSpc>
+              <a:buNone/>
+            </a:pPr>
+            <a:endParaRPr lang="en-US" dirty="0"/>
+          </a:p>
+          <a:p>
+            <a:pPr>
+              <a:lnSpc>
+                <a:spcPct val="150000"/>
+              </a:lnSpc>
+            </a:pPr>
+            <a:r>
+              <a:rPr lang="en-US" dirty="0"/>
+              <a:t>Ratings matter when recommending or scoring a flight. But so do other inputs such as how and with whom we travel.</a:t>
+            </a:r>
+          </a:p>
+          <a:p>
+            <a:pPr marL="0" indent="0">
+              <a:lnSpc>
+                <a:spcPct val="150000"/>
+              </a:lnSpc>
+              <a:buNone/>
+            </a:pPr>
+            <a:endParaRPr lang="en-US" dirty="0"/>
+          </a:p>
+          <a:p>
+            <a:pPr>
+              <a:lnSpc>
+                <a:spcPct val="150000"/>
+              </a:lnSpc>
+            </a:pPr>
+            <a:r>
+              <a:rPr lang="en-US" dirty="0"/>
+              <a:t>Most airlines seem to be poorly rated, specially in economy class. Satisfaction tends to decrease with time (flights cheapen).</a:t>
+            </a:r>
+          </a:p>
+          <a:p>
+            <a:pPr marL="0" indent="0">
+              <a:lnSpc>
+                <a:spcPct val="150000"/>
+              </a:lnSpc>
+              <a:buNone/>
+            </a:pPr>
+            <a:endParaRPr lang="en-US" dirty="0"/>
+          </a:p>
+          <a:p>
+            <a:pPr>
+              <a:lnSpc>
+                <a:spcPct val="150000"/>
+              </a:lnSpc>
+            </a:pPr>
+            <a:r>
+              <a:rPr lang="en-US" dirty="0"/>
+              <a:t>Honeymoon flights == patience! Sun and adventures will worth it </a:t>
+            </a:r>
+            <a:r>
+              <a:rPr lang="en-US" dirty="0">
+                <a:sym typeface="Wingdings" panose="05000000000000000000" pitchFamily="2" charset="2"/>
+              </a:rPr>
+              <a:t></a:t>
+            </a:r>
+            <a:endParaRPr lang="en-US" dirty="0"/>
+          </a:p>
+        </p:txBody>
+      </p:sp>
+    </p:spTree>
+    <p:extLst>
+      <p:ext uri="{BB962C8B-B14F-4D97-AF65-F5344CB8AC3E}">
+        <p14:creationId xmlns:p14="http://schemas.microsoft.com/office/powerpoint/2010/main" val="2323041938"/>
       </p:ext>
     </p:extLst>
   </p:cSld>
@@ -10127,277 +12110,635 @@
           <a:chExt cx="0" cy="0"/>
         </a:xfrm>
       </p:grpSpPr>
-      <p:sp>
-        <p:nvSpPr>
-          <p:cNvPr id="2" name="Título 1">
+      <p:pic>
+        <p:nvPicPr>
+          <p:cNvPr id="2050" name="Picture 2" descr="Vacaciones de vacaciones en tiempo de viaje con avión 3d y ...">
             <a:extLst>
               <a:ext uri="{FF2B5EF4-FFF2-40B4-BE49-F238E27FC236}">
-                <a16:creationId xmlns:a16="http://schemas.microsoft.com/office/drawing/2014/main" id="{2157EB75-532D-F3E8-BAD3-5F10704C7072}"/>
+                <a16:creationId xmlns:a16="http://schemas.microsoft.com/office/drawing/2014/main" id="{75EB5846-A68F-44D7-E8F4-CB877896C535}"/>
               </a:ext>
             </a:extLst>
           </p:cNvPr>
-          <p:cNvSpPr>
-            <a:spLocks noGrp="1"/>
-          </p:cNvSpPr>
-          <p:nvPr>
-            <p:ph type="title"/>
-          </p:nvPr>
-        </p:nvSpPr>
-        <p:spPr>
-          <a:xfrm>
-            <a:off x="5258493" y="498366"/>
-            <a:ext cx="6377940" cy="743002"/>
-          </a:xfrm>
-        </p:spPr>
-        <p:txBody>
-          <a:bodyPr>
-            <a:normAutofit/>
-          </a:bodyPr>
-          <a:lstStyle/>
-          <a:p>
-            <a:r>
-              <a:rPr lang="en-US" sz="3200" b="1" dirty="0"/>
-              <a:t>What is this about?</a:t>
-            </a:r>
-          </a:p>
-        </p:txBody>
-      </p:sp>
-      <p:sp>
-        <p:nvSpPr>
-          <p:cNvPr id="3" name="Marcador de contenido 2">
+          <p:cNvPicPr>
+            <a:picLocks noChangeAspect="1" noChangeArrowheads="1"/>
+          </p:cNvPicPr>
+          <p:nvPr/>
+        </p:nvPicPr>
+        <p:blipFill>
+          <a:blip r:embed="rId2">
+            <a:extLst>
+              <a:ext uri="{28A0092B-C50C-407E-A947-70E740481C1C}">
+                <a14:useLocalDpi xmlns:a14="http://schemas.microsoft.com/office/drawing/2010/main" val="0"/>
+              </a:ext>
+            </a:extLst>
+          </a:blip>
+          <a:srcRect/>
+          <a:stretch>
+            <a:fillRect/>
+          </a:stretch>
+        </p:blipFill>
+        <p:spPr bwMode="auto">
+          <a:xfrm>
+            <a:off x="489040" y="1698171"/>
+            <a:ext cx="4254954" cy="4254954"/>
+          </a:xfrm>
+          <a:prstGeom prst="roundRect">
+            <a:avLst>
+              <a:gd name="adj" fmla="val 11111"/>
+            </a:avLst>
+          </a:prstGeom>
+          <a:ln w="190500" cap="rnd">
+            <a:solidFill>
+              <a:srgbClr val="C8C6BD"/>
+            </a:solidFill>
+            <a:prstDash val="solid"/>
+          </a:ln>
+          <a:effectLst>
+            <a:outerShdw blurRad="101600" dist="50800" dir="7200000" algn="tl" rotWithShape="0">
+              <a:srgbClr val="000000">
+                <a:alpha val="45000"/>
+              </a:srgbClr>
+            </a:outerShdw>
+          </a:effectLst>
+          <a:scene3d>
+            <a:camera prst="perspectiveFront" fov="5400000"/>
+            <a:lightRig rig="threePt" dir="t">
+              <a:rot lat="0" lon="0" rev="19200000"/>
+            </a:lightRig>
+          </a:scene3d>
+          <a:sp3d extrusionH="25400">
+            <a:bevelT w="304800" h="152400" prst="hardEdge"/>
+            <a:extrusionClr>
+              <a:srgbClr val="FFFFFF"/>
+            </a:extrusionClr>
+          </a:sp3d>
+          <a:extLst>
+            <a:ext uri="{909E8E84-426E-40DD-AFC4-6F175D3DCCD1}">
+              <a14:hiddenFill xmlns:a14="http://schemas.microsoft.com/office/drawing/2010/main">
+                <a:solidFill>
+                  <a:srgbClr val="FFFFFF"/>
+                </a:solidFill>
+              </a14:hiddenFill>
+            </a:ext>
+          </a:extLst>
+        </p:spPr>
+      </p:pic>
+      <p:pic>
+        <p:nvPicPr>
+          <p:cNvPr id="2052" name="Picture 4" descr="Sabes de dónde vienen los billetes que llevas en la cartera?">
             <a:extLst>
               <a:ext uri="{FF2B5EF4-FFF2-40B4-BE49-F238E27FC236}">
-                <a16:creationId xmlns:a16="http://schemas.microsoft.com/office/drawing/2014/main" id="{D7525BDF-633F-F11F-3E7A-1D7F6BFD0E3B}"/>
+                <a16:creationId xmlns:a16="http://schemas.microsoft.com/office/drawing/2014/main" id="{27635C91-A975-9F43-5544-E379C719E3A8}"/>
               </a:ext>
             </a:extLst>
           </p:cNvPr>
-          <p:cNvSpPr>
-            <a:spLocks noGrp="1"/>
-          </p:cNvSpPr>
-          <p:nvPr>
-            <p:ph idx="1"/>
-          </p:nvPr>
-        </p:nvSpPr>
-        <p:spPr>
-          <a:xfrm>
-            <a:off x="903315" y="1607127"/>
-            <a:ext cx="10778838" cy="5250873"/>
-          </a:xfrm>
-        </p:spPr>
-        <p:txBody>
-          <a:bodyPr>
-            <a:normAutofit fontScale="85000" lnSpcReduction="20000"/>
-          </a:bodyPr>
-          <a:lstStyle/>
-          <a:p>
-            <a:r>
-              <a:rPr lang="en-US" b="1" u="sng" dirty="0">
-                <a:solidFill>
-                  <a:srgbClr val="FFFF00"/>
-                </a:solidFill>
-              </a:rPr>
-              <a:t>Objective: </a:t>
-            </a:r>
-            <a:r>
-              <a:rPr lang="en-US" sz="2000" dirty="0"/>
-              <a:t>analysis of reviews &amp; other data provided by airline customers</a:t>
-            </a:r>
-          </a:p>
-          <a:p>
-            <a:endParaRPr lang="en-US" sz="2000" dirty="0"/>
-          </a:p>
-          <a:p>
-            <a:r>
-              <a:rPr lang="en-US" b="1" u="sng" dirty="0">
-                <a:solidFill>
-                  <a:srgbClr val="FFFF00"/>
-                </a:solidFill>
-              </a:rPr>
-              <a:t>Data Source: </a:t>
-            </a:r>
-            <a:r>
-              <a:rPr lang="en-US" sz="1800" i="1" dirty="0"/>
-              <a:t>‘128k Airline Reviews’ </a:t>
-            </a:r>
-            <a:r>
-              <a:rPr lang="en-US" sz="1800" dirty="0"/>
-              <a:t>(</a:t>
-            </a:r>
-            <a:r>
-              <a:rPr lang="en-US" sz="1300" i="1" dirty="0"/>
-              <a:t>https://www.kaggle.com/datasets/joelljungstrom/128k-airline-reviews</a:t>
-            </a:r>
-            <a:r>
-              <a:rPr lang="en-US" sz="1800" dirty="0"/>
-              <a:t>). </a:t>
-            </a:r>
-          </a:p>
-          <a:p>
-            <a:endParaRPr lang="en-US" sz="1800" dirty="0"/>
-          </a:p>
-          <a:p>
-            <a:r>
-              <a:rPr lang="en-US" b="1" u="sng" dirty="0">
-                <a:solidFill>
-                  <a:srgbClr val="FFFF00"/>
-                </a:solidFill>
-              </a:rPr>
-              <a:t>Initial Dataset: </a:t>
-            </a:r>
-            <a:r>
-              <a:rPr lang="en-US" sz="1800" dirty="0"/>
-              <a:t>129,454 rows &amp; 22 columns:</a:t>
-            </a:r>
-          </a:p>
-          <a:p>
-            <a:endParaRPr lang="en-US" sz="1800" dirty="0"/>
-          </a:p>
-          <a:p>
-            <a:pPr lvl="1">
-              <a:lnSpc>
-                <a:spcPct val="120000"/>
-              </a:lnSpc>
-            </a:pPr>
-            <a:r>
-              <a:rPr lang="en-US" sz="1700" dirty="0"/>
-              <a:t>Aircraft</a:t>
-            </a:r>
-          </a:p>
-          <a:p>
-            <a:pPr lvl="1">
-              <a:lnSpc>
-                <a:spcPct val="120000"/>
-              </a:lnSpc>
-            </a:pPr>
-            <a:r>
-              <a:rPr lang="en-US" sz="1700" dirty="0"/>
-              <a:t>Airline</a:t>
-            </a:r>
-          </a:p>
-          <a:p>
-            <a:pPr lvl="1">
-              <a:lnSpc>
-                <a:spcPct val="120000"/>
-              </a:lnSpc>
-            </a:pPr>
-            <a:r>
-              <a:rPr lang="en-US" sz="1700" dirty="0"/>
-              <a:t>Cabin Type </a:t>
-            </a:r>
-            <a:r>
-              <a:rPr lang="en-US" sz="1300" i="1" dirty="0"/>
-              <a:t>(Economy, Premium Economy, Business, First Class)</a:t>
-            </a:r>
-          </a:p>
-          <a:p>
-            <a:pPr lvl="1">
-              <a:lnSpc>
-                <a:spcPct val="120000"/>
-              </a:lnSpc>
-            </a:pPr>
-            <a:r>
-              <a:rPr lang="en-US" sz="1700" dirty="0"/>
-              <a:t>Dates  (trip, publication)</a:t>
-            </a:r>
-          </a:p>
-          <a:p>
-            <a:pPr lvl="1">
-              <a:lnSpc>
-                <a:spcPct val="120000"/>
-              </a:lnSpc>
-            </a:pPr>
-            <a:r>
-              <a:rPr lang="en-US" sz="1700" dirty="0"/>
-              <a:t>Ratings </a:t>
-            </a:r>
-            <a:r>
-              <a:rPr lang="en-US" sz="1300" i="1" dirty="0"/>
-              <a:t>(Entertainment, Cabin service, Ground service, Food, Wi-Fi, Seat comfort, Value for money) </a:t>
-            </a:r>
-            <a:endParaRPr lang="en-US" sz="1700" dirty="0"/>
-          </a:p>
-          <a:p>
-            <a:pPr lvl="1">
-              <a:lnSpc>
-                <a:spcPct val="120000"/>
-              </a:lnSpc>
-            </a:pPr>
-            <a:r>
-              <a:rPr lang="en-US" sz="1700" dirty="0"/>
-              <a:t>Geographic variables: Origin Country, Route</a:t>
-            </a:r>
-          </a:p>
-          <a:p>
-            <a:pPr lvl="1">
-              <a:lnSpc>
-                <a:spcPct val="120000"/>
-              </a:lnSpc>
-            </a:pPr>
-            <a:r>
-              <a:rPr lang="en-US" sz="1700" dirty="0"/>
-              <a:t>Overall Score: Total score (0-10) of the trip</a:t>
-            </a:r>
-          </a:p>
-          <a:p>
-            <a:pPr lvl="1">
-              <a:lnSpc>
-                <a:spcPct val="120000"/>
-              </a:lnSpc>
-            </a:pPr>
-            <a:r>
-              <a:rPr lang="en-US" sz="1700" dirty="0"/>
-              <a:t>Recommended</a:t>
-            </a:r>
-          </a:p>
-          <a:p>
-            <a:pPr lvl="1">
-              <a:lnSpc>
-                <a:spcPct val="120000"/>
-              </a:lnSpc>
-            </a:pPr>
-            <a:r>
-              <a:rPr lang="en-US" sz="1700" dirty="0"/>
-              <a:t>Review (title, body)</a:t>
-            </a:r>
-          </a:p>
-          <a:p>
-            <a:pPr lvl="1">
-              <a:lnSpc>
-                <a:spcPct val="120000"/>
-              </a:lnSpc>
-            </a:pPr>
-            <a:r>
-              <a:rPr lang="en-US" sz="1700" dirty="0"/>
-              <a:t>Travel Type </a:t>
-            </a:r>
-            <a:r>
-              <a:rPr lang="en-US" sz="1300" i="1" dirty="0"/>
-              <a:t>(Solo, Couple, Family + Business, Leisure)</a:t>
-            </a:r>
-          </a:p>
-          <a:p>
-            <a:pPr lvl="1">
-              <a:lnSpc>
-                <a:spcPct val="120000"/>
-              </a:lnSpc>
-            </a:pPr>
-            <a:r>
-              <a:rPr lang="en-US" sz="1700" dirty="0"/>
-              <a:t>Trip Verification</a:t>
-            </a:r>
-          </a:p>
-        </p:txBody>
-      </p:sp>
+          <p:cNvPicPr>
+            <a:picLocks noChangeAspect="1" noChangeArrowheads="1"/>
+          </p:cNvPicPr>
+          <p:nvPr/>
+        </p:nvPicPr>
+        <p:blipFill>
+          <a:blip r:embed="rId3">
+            <a:extLst>
+              <a:ext uri="{28A0092B-C50C-407E-A947-70E740481C1C}">
+                <a14:useLocalDpi xmlns:a14="http://schemas.microsoft.com/office/drawing/2010/main" val="0"/>
+              </a:ext>
+            </a:extLst>
+          </a:blip>
+          <a:srcRect/>
+          <a:stretch>
+            <a:fillRect/>
+          </a:stretch>
+        </p:blipFill>
+        <p:spPr bwMode="auto">
+          <a:xfrm>
+            <a:off x="5481911" y="2106386"/>
+            <a:ext cx="2156324" cy="1211580"/>
+          </a:xfrm>
+          <a:prstGeom prst="rect">
+            <a:avLst/>
+          </a:prstGeom>
+          <a:noFill/>
+          <a:extLst>
+            <a:ext uri="{909E8E84-426E-40DD-AFC4-6F175D3DCCD1}">
+              <a14:hiddenFill xmlns:a14="http://schemas.microsoft.com/office/drawing/2010/main">
+                <a:solidFill>
+                  <a:srgbClr val="FFFFFF"/>
+                </a:solidFill>
+              </a14:hiddenFill>
+            </a:ext>
+          </a:extLst>
+        </p:spPr>
+      </p:pic>
+      <p:pic>
+        <p:nvPicPr>
+          <p:cNvPr id="2054" name="Picture 6" descr="259,371 en la categoría «Billete de banco del euro» de imágenes, fotos de  stock e ilustraciones libres de regalías | Shutterstock">
+            <a:extLst>
+              <a:ext uri="{FF2B5EF4-FFF2-40B4-BE49-F238E27FC236}">
+                <a16:creationId xmlns:a16="http://schemas.microsoft.com/office/drawing/2014/main" id="{90EC9A97-7211-7A5A-3F26-2EC554160F9C}"/>
+              </a:ext>
+            </a:extLst>
+          </p:cNvPr>
+          <p:cNvPicPr>
+            <a:picLocks noChangeAspect="1" noChangeArrowheads="1"/>
+          </p:cNvPicPr>
+          <p:nvPr/>
+        </p:nvPicPr>
+        <p:blipFill>
+          <a:blip r:embed="rId4">
+            <a:extLst>
+              <a:ext uri="{28A0092B-C50C-407E-A947-70E740481C1C}">
+                <a14:useLocalDpi xmlns:a14="http://schemas.microsoft.com/office/drawing/2010/main" val="0"/>
+              </a:ext>
+            </a:extLst>
+          </a:blip>
+          <a:srcRect/>
+          <a:stretch>
+            <a:fillRect/>
+          </a:stretch>
+        </p:blipFill>
+        <p:spPr bwMode="auto">
+          <a:xfrm>
+            <a:off x="5481911" y="4441372"/>
+            <a:ext cx="2156324" cy="1211580"/>
+          </a:xfrm>
+          <a:prstGeom prst="rect">
+            <a:avLst/>
+          </a:prstGeom>
+          <a:noFill/>
+          <a:extLst>
+            <a:ext uri="{909E8E84-426E-40DD-AFC4-6F175D3DCCD1}">
+              <a14:hiddenFill xmlns:a14="http://schemas.microsoft.com/office/drawing/2010/main">
+                <a:solidFill>
+                  <a:srgbClr val="FFFFFF"/>
+                </a:solidFill>
+              </a14:hiddenFill>
+            </a:ext>
+          </a:extLst>
+        </p:spPr>
+      </p:pic>
+      <p:pic>
+        <p:nvPicPr>
+          <p:cNvPr id="2056" name="Picture 8" descr="Premium Photo | Ai generated image of big airplane on airfield High quality  photo">
+            <a:extLst>
+              <a:ext uri="{FF2B5EF4-FFF2-40B4-BE49-F238E27FC236}">
+                <a16:creationId xmlns:a16="http://schemas.microsoft.com/office/drawing/2014/main" id="{4F8DD97E-9F14-4F36-A9E1-E402D83DB4D7}"/>
+              </a:ext>
+            </a:extLst>
+          </p:cNvPr>
+          <p:cNvPicPr>
+            <a:picLocks noChangeAspect="1" noChangeArrowheads="1"/>
+          </p:cNvPicPr>
+          <p:nvPr/>
+        </p:nvPicPr>
+        <p:blipFill>
+          <a:blip r:embed="rId5">
+            <a:extLst>
+              <a:ext uri="{28A0092B-C50C-407E-A947-70E740481C1C}">
+                <a14:useLocalDpi xmlns:a14="http://schemas.microsoft.com/office/drawing/2010/main" val="0"/>
+              </a:ext>
+            </a:extLst>
+          </a:blip>
+          <a:srcRect/>
+          <a:stretch>
+            <a:fillRect/>
+          </a:stretch>
+        </p:blipFill>
+        <p:spPr bwMode="auto">
+          <a:xfrm>
+            <a:off x="8578580" y="4441372"/>
+            <a:ext cx="3148814" cy="2087472"/>
+          </a:xfrm>
+          <a:prstGeom prst="rect">
+            <a:avLst/>
+          </a:prstGeom>
+          <a:noFill/>
+          <a:extLst>
+            <a:ext uri="{909E8E84-426E-40DD-AFC4-6F175D3DCCD1}">
+              <a14:hiddenFill xmlns:a14="http://schemas.microsoft.com/office/drawing/2010/main">
+                <a:solidFill>
+                  <a:srgbClr val="FFFFFF"/>
+                </a:solidFill>
+              </a14:hiddenFill>
+            </a:ext>
+          </a:extLst>
+        </p:spPr>
+      </p:pic>
+      <p:pic>
+        <p:nvPicPr>
+          <p:cNvPr id="2058" name="Picture 10" descr="The Simplest Paper Airplane : 5 Steps (with Pictures) - Instructables">
+            <a:extLst>
+              <a:ext uri="{FF2B5EF4-FFF2-40B4-BE49-F238E27FC236}">
+                <a16:creationId xmlns:a16="http://schemas.microsoft.com/office/drawing/2014/main" id="{8DE9A62E-0CD7-9F77-3629-D364D391FAA2}"/>
+              </a:ext>
+            </a:extLst>
+          </p:cNvPr>
+          <p:cNvPicPr>
+            <a:picLocks noChangeAspect="1" noChangeArrowheads="1"/>
+          </p:cNvPicPr>
+          <p:nvPr/>
+        </p:nvPicPr>
+        <p:blipFill>
+          <a:blip r:embed="rId6">
+            <a:extLst>
+              <a:ext uri="{28A0092B-C50C-407E-A947-70E740481C1C}">
+                <a14:useLocalDpi xmlns:a14="http://schemas.microsoft.com/office/drawing/2010/main" val="0"/>
+              </a:ext>
+            </a:extLst>
+          </a:blip>
+          <a:srcRect/>
+          <a:stretch>
+            <a:fillRect/>
+          </a:stretch>
+        </p:blipFill>
+        <p:spPr bwMode="auto">
+          <a:xfrm>
+            <a:off x="8578579" y="1280159"/>
+            <a:ext cx="3148814" cy="2233749"/>
+          </a:xfrm>
+          <a:prstGeom prst="rect">
+            <a:avLst/>
+          </a:prstGeom>
+          <a:noFill/>
+          <a:extLst>
+            <a:ext uri="{909E8E84-426E-40DD-AFC4-6F175D3DCCD1}">
+              <a14:hiddenFill xmlns:a14="http://schemas.microsoft.com/office/drawing/2010/main">
+                <a:solidFill>
+                  <a:srgbClr val="FFFFFF"/>
+                </a:solidFill>
+              </a14:hiddenFill>
+            </a:ext>
+          </a:extLst>
+        </p:spPr>
+      </p:pic>
     </p:spTree>
     <p:extLst>
       <p:ext uri="{BB962C8B-B14F-4D97-AF65-F5344CB8AC3E}">
-        <p14:creationId xmlns:p14="http://schemas.microsoft.com/office/powerpoint/2010/main" val="3590911866"/>
+        <p14:creationId xmlns:p14="http://schemas.microsoft.com/office/powerpoint/2010/main" val="2323003084"/>
       </p:ext>
     </p:extLst>
   </p:cSld>
   <p:clrMapOvr>
     <a:masterClrMapping/>
   </p:clrMapOvr>
+  <p:timing>
+    <p:tnLst>
+      <p:par>
+        <p:cTn id="1" dur="indefinite" restart="never" nodeType="tmRoot">
+          <p:childTnLst>
+            <p:seq concurrent="1" nextAc="seek">
+              <p:cTn id="2" dur="indefinite" nodeType="mainSeq">
+                <p:childTnLst>
+                  <p:par>
+                    <p:cTn id="3" fill="hold">
+                      <p:stCondLst>
+                        <p:cond delay="indefinite"/>
+                      </p:stCondLst>
+                      <p:childTnLst>
+                        <p:par>
+                          <p:cTn id="4" fill="hold">
+                            <p:stCondLst>
+                              <p:cond delay="0"/>
+                            </p:stCondLst>
+                            <p:childTnLst>
+                              <p:par>
+                                <p:cTn id="5" presetID="2" presetClass="entr" presetSubtype="4" fill="hold" nodeType="clickEffect">
+                                  <p:stCondLst>
+                                    <p:cond delay="0"/>
+                                  </p:stCondLst>
+                                  <p:childTnLst>
+                                    <p:set>
+                                      <p:cBhvr>
+                                        <p:cTn id="6" dur="1" fill="hold">
+                                          <p:stCondLst>
+                                            <p:cond delay="0"/>
+                                          </p:stCondLst>
+                                        </p:cTn>
+                                        <p:tgtEl>
+                                          <p:spTgt spid="2052"/>
+                                        </p:tgtEl>
+                                        <p:attrNameLst>
+                                          <p:attrName>style.visibility</p:attrName>
+                                        </p:attrNameLst>
+                                      </p:cBhvr>
+                                      <p:to>
+                                        <p:strVal val="visible"/>
+                                      </p:to>
+                                    </p:set>
+                                    <p:anim calcmode="lin" valueType="num">
+                                      <p:cBhvr additive="base">
+                                        <p:cTn id="7" dur="500" fill="hold"/>
+                                        <p:tgtEl>
+                                          <p:spTgt spid="2052"/>
+                                        </p:tgtEl>
+                                        <p:attrNameLst>
+                                          <p:attrName>ppt_x</p:attrName>
+                                        </p:attrNameLst>
+                                      </p:cBhvr>
+                                      <p:tavLst>
+                                        <p:tav tm="0">
+                                          <p:val>
+                                            <p:strVal val="#ppt_x"/>
+                                          </p:val>
+                                        </p:tav>
+                                        <p:tav tm="100000">
+                                          <p:val>
+                                            <p:strVal val="#ppt_x"/>
+                                          </p:val>
+                                        </p:tav>
+                                      </p:tavLst>
+                                    </p:anim>
+                                    <p:anim calcmode="lin" valueType="num">
+                                      <p:cBhvr additive="base">
+                                        <p:cTn id="8" dur="500" fill="hold"/>
+                                        <p:tgtEl>
+                                          <p:spTgt spid="2052"/>
+                                        </p:tgtEl>
+                                        <p:attrNameLst>
+                                          <p:attrName>ppt_y</p:attrName>
+                                        </p:attrNameLst>
+                                      </p:cBhvr>
+                                      <p:tavLst>
+                                        <p:tav tm="0">
+                                          <p:val>
+                                            <p:strVal val="1+#ppt_h/2"/>
+                                          </p:val>
+                                        </p:tav>
+                                        <p:tav tm="100000">
+                                          <p:val>
+                                            <p:strVal val="#ppt_y"/>
+                                          </p:val>
+                                        </p:tav>
+                                      </p:tavLst>
+                                    </p:anim>
+                                  </p:childTnLst>
+                                </p:cTn>
+                              </p:par>
+                              <p:par>
+                                <p:cTn id="9" presetID="2" presetClass="entr" presetSubtype="4" fill="hold" nodeType="withEffect">
+                                  <p:stCondLst>
+                                    <p:cond delay="0"/>
+                                  </p:stCondLst>
+                                  <p:childTnLst>
+                                    <p:set>
+                                      <p:cBhvr>
+                                        <p:cTn id="10" dur="1" fill="hold">
+                                          <p:stCondLst>
+                                            <p:cond delay="0"/>
+                                          </p:stCondLst>
+                                        </p:cTn>
+                                        <p:tgtEl>
+                                          <p:spTgt spid="2058"/>
+                                        </p:tgtEl>
+                                        <p:attrNameLst>
+                                          <p:attrName>style.visibility</p:attrName>
+                                        </p:attrNameLst>
+                                      </p:cBhvr>
+                                      <p:to>
+                                        <p:strVal val="visible"/>
+                                      </p:to>
+                                    </p:set>
+                                    <p:anim calcmode="lin" valueType="num">
+                                      <p:cBhvr additive="base">
+                                        <p:cTn id="11" dur="500" fill="hold"/>
+                                        <p:tgtEl>
+                                          <p:spTgt spid="2058"/>
+                                        </p:tgtEl>
+                                        <p:attrNameLst>
+                                          <p:attrName>ppt_x</p:attrName>
+                                        </p:attrNameLst>
+                                      </p:cBhvr>
+                                      <p:tavLst>
+                                        <p:tav tm="0">
+                                          <p:val>
+                                            <p:strVal val="#ppt_x"/>
+                                          </p:val>
+                                        </p:tav>
+                                        <p:tav tm="100000">
+                                          <p:val>
+                                            <p:strVal val="#ppt_x"/>
+                                          </p:val>
+                                        </p:tav>
+                                      </p:tavLst>
+                                    </p:anim>
+                                    <p:anim calcmode="lin" valueType="num">
+                                      <p:cBhvr additive="base">
+                                        <p:cTn id="12" dur="500" fill="hold"/>
+                                        <p:tgtEl>
+                                          <p:spTgt spid="2058"/>
+                                        </p:tgtEl>
+                                        <p:attrNameLst>
+                                          <p:attrName>ppt_y</p:attrName>
+                                        </p:attrNameLst>
+                                      </p:cBhvr>
+                                      <p:tavLst>
+                                        <p:tav tm="0">
+                                          <p:val>
+                                            <p:strVal val="1+#ppt_h/2"/>
+                                          </p:val>
+                                        </p:tav>
+                                        <p:tav tm="100000">
+                                          <p:val>
+                                            <p:strVal val="#ppt_y"/>
+                                          </p:val>
+                                        </p:tav>
+                                      </p:tavLst>
+                                    </p:anim>
+                                  </p:childTnLst>
+                                </p:cTn>
+                              </p:par>
+                            </p:childTnLst>
+                          </p:cTn>
+                        </p:par>
+                      </p:childTnLst>
+                    </p:cTn>
+                  </p:par>
+                  <p:par>
+                    <p:cTn id="13" fill="hold">
+                      <p:stCondLst>
+                        <p:cond delay="indefinite"/>
+                      </p:stCondLst>
+                      <p:childTnLst>
+                        <p:par>
+                          <p:cTn id="14" fill="hold">
+                            <p:stCondLst>
+                              <p:cond delay="0"/>
+                            </p:stCondLst>
+                            <p:childTnLst>
+                              <p:par>
+                                <p:cTn id="15" presetID="2" presetClass="entr" presetSubtype="4" fill="hold" nodeType="clickEffect">
+                                  <p:stCondLst>
+                                    <p:cond delay="0"/>
+                                  </p:stCondLst>
+                                  <p:childTnLst>
+                                    <p:set>
+                                      <p:cBhvr>
+                                        <p:cTn id="16" dur="1" fill="hold">
+                                          <p:stCondLst>
+                                            <p:cond delay="0"/>
+                                          </p:stCondLst>
+                                        </p:cTn>
+                                        <p:tgtEl>
+                                          <p:spTgt spid="2054"/>
+                                        </p:tgtEl>
+                                        <p:attrNameLst>
+                                          <p:attrName>style.visibility</p:attrName>
+                                        </p:attrNameLst>
+                                      </p:cBhvr>
+                                      <p:to>
+                                        <p:strVal val="visible"/>
+                                      </p:to>
+                                    </p:set>
+                                    <p:anim calcmode="lin" valueType="num">
+                                      <p:cBhvr additive="base">
+                                        <p:cTn id="17" dur="500" fill="hold"/>
+                                        <p:tgtEl>
+                                          <p:spTgt spid="2054"/>
+                                        </p:tgtEl>
+                                        <p:attrNameLst>
+                                          <p:attrName>ppt_x</p:attrName>
+                                        </p:attrNameLst>
+                                      </p:cBhvr>
+                                      <p:tavLst>
+                                        <p:tav tm="0">
+                                          <p:val>
+                                            <p:strVal val="#ppt_x"/>
+                                          </p:val>
+                                        </p:tav>
+                                        <p:tav tm="100000">
+                                          <p:val>
+                                            <p:strVal val="#ppt_x"/>
+                                          </p:val>
+                                        </p:tav>
+                                      </p:tavLst>
+                                    </p:anim>
+                                    <p:anim calcmode="lin" valueType="num">
+                                      <p:cBhvr additive="base">
+                                        <p:cTn id="18" dur="500" fill="hold"/>
+                                        <p:tgtEl>
+                                          <p:spTgt spid="2054"/>
+                                        </p:tgtEl>
+                                        <p:attrNameLst>
+                                          <p:attrName>ppt_y</p:attrName>
+                                        </p:attrNameLst>
+                                      </p:cBhvr>
+                                      <p:tavLst>
+                                        <p:tav tm="0">
+                                          <p:val>
+                                            <p:strVal val="1+#ppt_h/2"/>
+                                          </p:val>
+                                        </p:tav>
+                                        <p:tav tm="100000">
+                                          <p:val>
+                                            <p:strVal val="#ppt_y"/>
+                                          </p:val>
+                                        </p:tav>
+                                      </p:tavLst>
+                                    </p:anim>
+                                  </p:childTnLst>
+                                </p:cTn>
+                              </p:par>
+                              <p:par>
+                                <p:cTn id="19" presetID="2" presetClass="entr" presetSubtype="4" fill="hold" nodeType="withEffect">
+                                  <p:stCondLst>
+                                    <p:cond delay="0"/>
+                                  </p:stCondLst>
+                                  <p:childTnLst>
+                                    <p:set>
+                                      <p:cBhvr>
+                                        <p:cTn id="20" dur="1" fill="hold">
+                                          <p:stCondLst>
+                                            <p:cond delay="0"/>
+                                          </p:stCondLst>
+                                        </p:cTn>
+                                        <p:tgtEl>
+                                          <p:spTgt spid="2056"/>
+                                        </p:tgtEl>
+                                        <p:attrNameLst>
+                                          <p:attrName>style.visibility</p:attrName>
+                                        </p:attrNameLst>
+                                      </p:cBhvr>
+                                      <p:to>
+                                        <p:strVal val="visible"/>
+                                      </p:to>
+                                    </p:set>
+                                    <p:anim calcmode="lin" valueType="num">
+                                      <p:cBhvr additive="base">
+                                        <p:cTn id="21" dur="500" fill="hold"/>
+                                        <p:tgtEl>
+                                          <p:spTgt spid="2056"/>
+                                        </p:tgtEl>
+                                        <p:attrNameLst>
+                                          <p:attrName>ppt_x</p:attrName>
+                                        </p:attrNameLst>
+                                      </p:cBhvr>
+                                      <p:tavLst>
+                                        <p:tav tm="0">
+                                          <p:val>
+                                            <p:strVal val="#ppt_x"/>
+                                          </p:val>
+                                        </p:tav>
+                                        <p:tav tm="100000">
+                                          <p:val>
+                                            <p:strVal val="#ppt_x"/>
+                                          </p:val>
+                                        </p:tav>
+                                      </p:tavLst>
+                                    </p:anim>
+                                    <p:anim calcmode="lin" valueType="num">
+                                      <p:cBhvr additive="base">
+                                        <p:cTn id="22" dur="500" fill="hold"/>
+                                        <p:tgtEl>
+                                          <p:spTgt spid="2056"/>
+                                        </p:tgtEl>
+                                        <p:attrNameLst>
+                                          <p:attrName>ppt_y</p:attrName>
+                                        </p:attrNameLst>
+                                      </p:cBhvr>
+                                      <p:tavLst>
+                                        <p:tav tm="0">
+                                          <p:val>
+                                            <p:strVal val="1+#ppt_h/2"/>
+                                          </p:val>
+                                        </p:tav>
+                                        <p:tav tm="100000">
+                                          <p:val>
+                                            <p:strVal val="#ppt_y"/>
+                                          </p:val>
+                                        </p:tav>
+                                      </p:tavLst>
+                                    </p:anim>
+                                  </p:childTnLst>
+                                </p:cTn>
+                              </p:par>
+                            </p:childTnLst>
+                          </p:cTn>
+                        </p:par>
+                      </p:childTnLst>
+                    </p:cTn>
+                  </p:par>
+                </p:childTnLst>
+              </p:cTn>
+              <p:prevCondLst>
+                <p:cond evt="onPrev" delay="0">
+                  <p:tgtEl>
+                    <p:sldTgt/>
+                  </p:tgtEl>
+                </p:cond>
+              </p:prevCondLst>
+              <p:nextCondLst>
+                <p:cond evt="onNext" delay="0">
+                  <p:tgtEl>
+                    <p:sldTgt/>
+                  </p:tgtEl>
+                </p:cond>
+              </p:nextCondLst>
+            </p:seq>
+          </p:childTnLst>
+        </p:cTn>
+      </p:par>
+    </p:tnLst>
+  </p:timing>
 </p:sld>
 </file>
 
@@ -10423,6 +12764,565 @@
           <p:cNvPr id="2" name="Título 1">
             <a:extLst>
               <a:ext uri="{FF2B5EF4-FFF2-40B4-BE49-F238E27FC236}">
+                <a16:creationId xmlns:a16="http://schemas.microsoft.com/office/drawing/2014/main" id="{3E8D54CD-574E-F90F-2565-114EC97F35D3}"/>
+              </a:ext>
+            </a:extLst>
+          </p:cNvPr>
+          <p:cNvSpPr>
+            <a:spLocks noGrp="1"/>
+          </p:cNvSpPr>
+          <p:nvPr>
+            <p:ph type="title"/>
+          </p:nvPr>
+        </p:nvSpPr>
+        <p:spPr>
+          <a:xfrm>
+            <a:off x="2895600" y="300641"/>
+            <a:ext cx="8503920" cy="1293028"/>
+          </a:xfrm>
+        </p:spPr>
+        <p:txBody>
+          <a:bodyPr/>
+          <a:lstStyle/>
+          <a:p>
+            <a:r>
+              <a:rPr lang="en-US" b="1" dirty="0"/>
+              <a:t>Index</a:t>
+            </a:r>
+          </a:p>
+        </p:txBody>
+      </p:sp>
+      <p:sp>
+        <p:nvSpPr>
+          <p:cNvPr id="3" name="Marcador de contenido 2">
+            <a:extLst>
+              <a:ext uri="{FF2B5EF4-FFF2-40B4-BE49-F238E27FC236}">
+                <a16:creationId xmlns:a16="http://schemas.microsoft.com/office/drawing/2014/main" id="{1251A6A3-61D1-9679-E748-6C847CA835C7}"/>
+              </a:ext>
+            </a:extLst>
+          </p:cNvPr>
+          <p:cNvSpPr>
+            <a:spLocks noGrp="1"/>
+          </p:cNvSpPr>
+          <p:nvPr>
+            <p:ph idx="1"/>
+          </p:nvPr>
+        </p:nvSpPr>
+        <p:spPr>
+          <a:xfrm>
+            <a:off x="714103" y="1236518"/>
+            <a:ext cx="10813868" cy="5621482"/>
+          </a:xfrm>
+        </p:spPr>
+        <p:txBody>
+          <a:bodyPr>
+            <a:normAutofit fontScale="70000" lnSpcReduction="20000"/>
+          </a:bodyPr>
+          <a:lstStyle/>
+          <a:p>
+            <a:r>
+              <a:rPr lang="en-US" b="1" dirty="0"/>
+              <a:t>Objective and Data Sources</a:t>
+            </a:r>
+          </a:p>
+          <a:p>
+            <a:pPr marL="0" indent="0">
+              <a:buNone/>
+            </a:pPr>
+            <a:endParaRPr lang="en-US" b="1" dirty="0"/>
+          </a:p>
+          <a:p>
+            <a:r>
+              <a:rPr lang="en-US" b="1" dirty="0"/>
+              <a:t>Exploratory Data Analysis</a:t>
+            </a:r>
+          </a:p>
+          <a:p>
+            <a:pPr marL="0" indent="0">
+              <a:buNone/>
+            </a:pPr>
+            <a:endParaRPr lang="en-US" b="1" dirty="0"/>
+          </a:p>
+          <a:p>
+            <a:r>
+              <a:rPr lang="en-US" b="1" dirty="0"/>
+              <a:t>Descriptive Statistics</a:t>
+            </a:r>
+          </a:p>
+          <a:p>
+            <a:pPr marL="0" indent="0">
+              <a:buNone/>
+            </a:pPr>
+            <a:endParaRPr lang="en-US" b="1" dirty="0"/>
+          </a:p>
+          <a:p>
+            <a:r>
+              <a:rPr lang="en-US" b="1" dirty="0"/>
+              <a:t>Models</a:t>
+            </a:r>
+          </a:p>
+          <a:p>
+            <a:pPr lvl="1"/>
+            <a:r>
+              <a:rPr lang="en-US" sz="1900" i="1" dirty="0"/>
+              <a:t>What factors make an impact in a (positive) recommendation?</a:t>
+            </a:r>
+          </a:p>
+          <a:p>
+            <a:pPr lvl="2"/>
+            <a:r>
+              <a:rPr lang="en-US" sz="1700" i="1" dirty="0"/>
+              <a:t>Logit/KNN classification models accounting for imbalance and multicollinearity</a:t>
+            </a:r>
+          </a:p>
+          <a:p>
+            <a:pPr marL="914400" lvl="2" indent="0">
+              <a:buNone/>
+            </a:pPr>
+            <a:endParaRPr lang="en-US" sz="1700" i="1" dirty="0"/>
+          </a:p>
+          <a:p>
+            <a:pPr lvl="1"/>
+            <a:r>
+              <a:rPr lang="en-US" sz="1900" i="1" dirty="0"/>
+              <a:t>What factors make an impact in a (high) overall score?</a:t>
+            </a:r>
+          </a:p>
+          <a:p>
+            <a:pPr lvl="2"/>
+            <a:r>
+              <a:rPr lang="en-US" sz="1700" i="1" dirty="0"/>
+              <a:t>OLS/KNN regression models</a:t>
+            </a:r>
+          </a:p>
+          <a:p>
+            <a:pPr lvl="2"/>
+            <a:r>
+              <a:rPr lang="en-US" sz="1700" i="1" dirty="0"/>
+              <a:t>Random forest + feature importance </a:t>
+            </a:r>
+          </a:p>
+          <a:p>
+            <a:pPr marL="914400" lvl="2" indent="0">
+              <a:buNone/>
+            </a:pPr>
+            <a:endParaRPr lang="en-US" sz="1700" i="1" dirty="0"/>
+          </a:p>
+          <a:p>
+            <a:pPr lvl="1"/>
+            <a:r>
+              <a:rPr lang="en-US" sz="1900" i="1" dirty="0"/>
+              <a:t>Real Traveler Reviews and word cloud</a:t>
+            </a:r>
+          </a:p>
+          <a:p>
+            <a:pPr lvl="2"/>
+            <a:r>
+              <a:rPr lang="en-US" sz="1700" i="1" dirty="0"/>
+              <a:t>Sentiment analysis</a:t>
+            </a:r>
+          </a:p>
+          <a:p>
+            <a:pPr marL="914400" lvl="2" indent="0">
+              <a:buNone/>
+            </a:pPr>
+            <a:endParaRPr lang="en-US" sz="1700" i="1" dirty="0"/>
+          </a:p>
+          <a:p>
+            <a:pPr lvl="1"/>
+            <a:r>
+              <a:rPr lang="en-US" sz="1900" i="1" dirty="0"/>
+              <a:t>Review Prediction</a:t>
+            </a:r>
+          </a:p>
+          <a:p>
+            <a:pPr lvl="2"/>
+            <a:r>
+              <a:rPr lang="en-US" sz="1700" i="1" dirty="0"/>
+              <a:t>LSTM models </a:t>
+            </a:r>
+          </a:p>
+          <a:p>
+            <a:pPr marL="914400" lvl="2" indent="0">
+              <a:buNone/>
+            </a:pPr>
+            <a:endParaRPr lang="en-US" sz="1700" i="1" dirty="0"/>
+          </a:p>
+          <a:p>
+            <a:pPr lvl="1"/>
+            <a:r>
+              <a:rPr lang="en-US" sz="1900" i="1" dirty="0"/>
+              <a:t>Airline Classifier</a:t>
+            </a:r>
+          </a:p>
+          <a:p>
+            <a:pPr lvl="2"/>
+            <a:r>
+              <a:rPr lang="en-US" sz="1700" i="1" dirty="0"/>
+              <a:t>Random Forest Regressor</a:t>
+            </a:r>
+          </a:p>
+          <a:p>
+            <a:pPr marL="914400" lvl="2" indent="0">
+              <a:buNone/>
+            </a:pPr>
+            <a:r>
+              <a:rPr lang="en-US" sz="1700" i="1" dirty="0"/>
+              <a:t>	</a:t>
+            </a:r>
+          </a:p>
+          <a:p>
+            <a:pPr lvl="1"/>
+            <a:r>
+              <a:rPr lang="en-US" sz="1900" i="1" dirty="0"/>
+              <a:t>Airline Recommender</a:t>
+            </a:r>
+          </a:p>
+          <a:p>
+            <a:pPr lvl="2"/>
+            <a:r>
+              <a:rPr lang="en-US" dirty="0"/>
+              <a:t>Nearest Neighbors</a:t>
+            </a:r>
+          </a:p>
+          <a:p>
+            <a:pPr lvl="1"/>
+            <a:endParaRPr lang="en-US" dirty="0"/>
+          </a:p>
+          <a:p>
+            <a:endParaRPr lang="en-US" dirty="0"/>
+          </a:p>
+          <a:p>
+            <a:endParaRPr lang="en-US" dirty="0"/>
+          </a:p>
+        </p:txBody>
+      </p:sp>
+    </p:spTree>
+    <p:extLst>
+      <p:ext uri="{BB962C8B-B14F-4D97-AF65-F5344CB8AC3E}">
+        <p14:creationId xmlns:p14="http://schemas.microsoft.com/office/powerpoint/2010/main" val="327937728"/>
+      </p:ext>
+    </p:extLst>
+  </p:cSld>
+  <p:clrMapOvr>
+    <a:masterClrMapping/>
+  </p:clrMapOvr>
+</p:sld>
+</file>
+
+<file path=ppt/slides/slide5.xml><?xml version="1.0" encoding="utf-8"?>
+<p:sld xmlns:a="http://schemas.openxmlformats.org/drawingml/2006/main" xmlns:r="http://schemas.openxmlformats.org/officeDocument/2006/relationships" xmlns:p="http://schemas.openxmlformats.org/presentationml/2006/main">
+  <p:cSld>
+    <p:spTree>
+      <p:nvGrpSpPr>
+        <p:cNvPr id="1" name=""/>
+        <p:cNvGrpSpPr/>
+        <p:nvPr/>
+      </p:nvGrpSpPr>
+      <p:grpSpPr>
+        <a:xfrm>
+          <a:off x="0" y="0"/>
+          <a:ext cx="0" cy="0"/>
+          <a:chOff x="0" y="0"/>
+          <a:chExt cx="0" cy="0"/>
+        </a:xfrm>
+      </p:grpSpPr>
+      <p:sp>
+        <p:nvSpPr>
+          <p:cNvPr id="2" name="Título 1">
+            <a:extLst>
+              <a:ext uri="{FF2B5EF4-FFF2-40B4-BE49-F238E27FC236}">
+                <a16:creationId xmlns:a16="http://schemas.microsoft.com/office/drawing/2014/main" id="{2157EB75-532D-F3E8-BAD3-5F10704C7072}"/>
+              </a:ext>
+            </a:extLst>
+          </p:cNvPr>
+          <p:cNvSpPr>
+            <a:spLocks noGrp="1"/>
+          </p:cNvSpPr>
+          <p:nvPr>
+            <p:ph type="title"/>
+          </p:nvPr>
+        </p:nvSpPr>
+        <p:spPr>
+          <a:xfrm>
+            <a:off x="5258493" y="498366"/>
+            <a:ext cx="6377940" cy="743002"/>
+          </a:xfrm>
+        </p:spPr>
+        <p:txBody>
+          <a:bodyPr>
+            <a:normAutofit/>
+          </a:bodyPr>
+          <a:lstStyle/>
+          <a:p>
+            <a:r>
+              <a:rPr lang="en-US" sz="3200" b="1" dirty="0"/>
+              <a:t>What is this ALL about?</a:t>
+            </a:r>
+          </a:p>
+        </p:txBody>
+      </p:sp>
+      <p:sp>
+        <p:nvSpPr>
+          <p:cNvPr id="3" name="Marcador de contenido 2">
+            <a:extLst>
+              <a:ext uri="{FF2B5EF4-FFF2-40B4-BE49-F238E27FC236}">
+                <a16:creationId xmlns:a16="http://schemas.microsoft.com/office/drawing/2014/main" id="{D7525BDF-633F-F11F-3E7A-1D7F6BFD0E3B}"/>
+              </a:ext>
+            </a:extLst>
+          </p:cNvPr>
+          <p:cNvSpPr>
+            <a:spLocks noGrp="1"/>
+          </p:cNvSpPr>
+          <p:nvPr>
+            <p:ph idx="1"/>
+          </p:nvPr>
+        </p:nvSpPr>
+        <p:spPr>
+          <a:xfrm>
+            <a:off x="903315" y="1607127"/>
+            <a:ext cx="10778838" cy="5250873"/>
+          </a:xfrm>
+        </p:spPr>
+        <p:txBody>
+          <a:bodyPr>
+            <a:normAutofit fontScale="85000" lnSpcReduction="20000"/>
+          </a:bodyPr>
+          <a:lstStyle/>
+          <a:p>
+            <a:r>
+              <a:rPr lang="en-US" b="1" u="sng" dirty="0">
+                <a:solidFill>
+                  <a:srgbClr val="FFFF00"/>
+                </a:solidFill>
+              </a:rPr>
+              <a:t>Objective: </a:t>
+            </a:r>
+            <a:r>
+              <a:rPr lang="en-US" sz="2000" dirty="0"/>
+              <a:t>analysis of real airlines based on reviews &amp; other data provided by previous customers</a:t>
+            </a:r>
+          </a:p>
+          <a:p>
+            <a:endParaRPr lang="en-US" sz="2000" dirty="0"/>
+          </a:p>
+          <a:p>
+            <a:r>
+              <a:rPr lang="en-US" b="1" u="sng" dirty="0">
+                <a:solidFill>
+                  <a:srgbClr val="FFFF00"/>
+                </a:solidFill>
+              </a:rPr>
+              <a:t>Data Source: </a:t>
+            </a:r>
+            <a:r>
+              <a:rPr lang="en-US" sz="1800" i="1" dirty="0"/>
+              <a:t>‘128k Airline Reviews’ </a:t>
+            </a:r>
+            <a:r>
+              <a:rPr lang="en-US" sz="1800" dirty="0"/>
+              <a:t>(</a:t>
+            </a:r>
+            <a:r>
+              <a:rPr lang="en-US" sz="1300" i="1" dirty="0"/>
+              <a:t>https://www.kaggle.com/datasets/joelljungstrom/128k-airline-reviews</a:t>
+            </a:r>
+            <a:r>
+              <a:rPr lang="en-US" sz="1800" dirty="0"/>
+              <a:t>). </a:t>
+            </a:r>
+          </a:p>
+          <a:p>
+            <a:endParaRPr lang="en-US" sz="1800" dirty="0"/>
+          </a:p>
+          <a:p>
+            <a:r>
+              <a:rPr lang="en-US" b="1" u="sng" dirty="0">
+                <a:solidFill>
+                  <a:srgbClr val="FFFF00"/>
+                </a:solidFill>
+              </a:rPr>
+              <a:t>Initial Dataset: </a:t>
+            </a:r>
+            <a:r>
+              <a:rPr lang="en-US" sz="1800" dirty="0"/>
+              <a:t>129,454 rows &amp; 22 columns:</a:t>
+            </a:r>
+          </a:p>
+          <a:p>
+            <a:endParaRPr lang="en-US" sz="1800" dirty="0"/>
+          </a:p>
+          <a:p>
+            <a:pPr lvl="1">
+              <a:lnSpc>
+                <a:spcPct val="120000"/>
+              </a:lnSpc>
+            </a:pPr>
+            <a:r>
+              <a:rPr lang="en-US" sz="1700" dirty="0"/>
+              <a:t>Aircraft</a:t>
+            </a:r>
+          </a:p>
+          <a:p>
+            <a:pPr lvl="1">
+              <a:lnSpc>
+                <a:spcPct val="120000"/>
+              </a:lnSpc>
+            </a:pPr>
+            <a:r>
+              <a:rPr lang="en-US" sz="1700" dirty="0"/>
+              <a:t>Airline</a:t>
+            </a:r>
+          </a:p>
+          <a:p>
+            <a:pPr lvl="1">
+              <a:lnSpc>
+                <a:spcPct val="120000"/>
+              </a:lnSpc>
+            </a:pPr>
+            <a:r>
+              <a:rPr lang="en-US" sz="1700" dirty="0"/>
+              <a:t>Cabin Type </a:t>
+            </a:r>
+            <a:r>
+              <a:rPr lang="en-US" sz="1300" i="1" dirty="0"/>
+              <a:t>(Economy, Premium Economy, Business, First Class)</a:t>
+            </a:r>
+          </a:p>
+          <a:p>
+            <a:pPr lvl="1">
+              <a:lnSpc>
+                <a:spcPct val="120000"/>
+              </a:lnSpc>
+            </a:pPr>
+            <a:r>
+              <a:rPr lang="en-US" sz="1700" dirty="0"/>
+              <a:t>Dates  (trip, publication)</a:t>
+            </a:r>
+          </a:p>
+          <a:p>
+            <a:pPr lvl="1">
+              <a:lnSpc>
+                <a:spcPct val="120000"/>
+              </a:lnSpc>
+            </a:pPr>
+            <a:r>
+              <a:rPr lang="en-US" sz="1700" dirty="0"/>
+              <a:t>Ratings </a:t>
+            </a:r>
+            <a:r>
+              <a:rPr lang="en-US" sz="1300" i="1" dirty="0"/>
+              <a:t>(Entertainment, Cabin service, Ground service, Food, Wi-Fi, Seat comfort, Value for money) </a:t>
+            </a:r>
+            <a:endParaRPr lang="en-US" sz="1700" dirty="0"/>
+          </a:p>
+          <a:p>
+            <a:pPr lvl="1">
+              <a:lnSpc>
+                <a:spcPct val="120000"/>
+              </a:lnSpc>
+            </a:pPr>
+            <a:r>
+              <a:rPr lang="en-US" sz="1700" dirty="0"/>
+              <a:t>Geographic variables: Origin Country, Route</a:t>
+            </a:r>
+          </a:p>
+          <a:p>
+            <a:pPr lvl="1">
+              <a:lnSpc>
+                <a:spcPct val="120000"/>
+              </a:lnSpc>
+            </a:pPr>
+            <a:r>
+              <a:rPr lang="en-US" sz="1700" dirty="0"/>
+              <a:t>Overall Score: Total score (0-10) of the trip</a:t>
+            </a:r>
+          </a:p>
+          <a:p>
+            <a:pPr lvl="1">
+              <a:lnSpc>
+                <a:spcPct val="120000"/>
+              </a:lnSpc>
+            </a:pPr>
+            <a:r>
+              <a:rPr lang="en-US" sz="1700" dirty="0"/>
+              <a:t>Recommended</a:t>
+            </a:r>
+          </a:p>
+          <a:p>
+            <a:pPr lvl="1">
+              <a:lnSpc>
+                <a:spcPct val="120000"/>
+              </a:lnSpc>
+            </a:pPr>
+            <a:r>
+              <a:rPr lang="en-US" sz="1700" dirty="0"/>
+              <a:t>Review (title, body)</a:t>
+            </a:r>
+          </a:p>
+          <a:p>
+            <a:pPr lvl="1">
+              <a:lnSpc>
+                <a:spcPct val="120000"/>
+              </a:lnSpc>
+            </a:pPr>
+            <a:r>
+              <a:rPr lang="en-US" sz="1700" dirty="0"/>
+              <a:t>Travel Type </a:t>
+            </a:r>
+            <a:r>
+              <a:rPr lang="en-US" sz="1300" i="1" dirty="0"/>
+              <a:t>(Solo, Couple, Family + Business, Leisure)</a:t>
+            </a:r>
+          </a:p>
+          <a:p>
+            <a:pPr lvl="1">
+              <a:lnSpc>
+                <a:spcPct val="120000"/>
+              </a:lnSpc>
+            </a:pPr>
+            <a:r>
+              <a:rPr lang="en-US" sz="1700" dirty="0"/>
+              <a:t>Trip Verification</a:t>
+            </a:r>
+          </a:p>
+        </p:txBody>
+      </p:sp>
+    </p:spTree>
+    <p:extLst>
+      <p:ext uri="{BB962C8B-B14F-4D97-AF65-F5344CB8AC3E}">
+        <p14:creationId xmlns:p14="http://schemas.microsoft.com/office/powerpoint/2010/main" val="3590911866"/>
+      </p:ext>
+    </p:extLst>
+  </p:cSld>
+  <p:clrMapOvr>
+    <a:masterClrMapping/>
+  </p:clrMapOvr>
+</p:sld>
+</file>
+
+<file path=ppt/slides/slide6.xml><?xml version="1.0" encoding="utf-8"?>
+<p:sld xmlns:a="http://schemas.openxmlformats.org/drawingml/2006/main" xmlns:r="http://schemas.openxmlformats.org/officeDocument/2006/relationships" xmlns:p="http://schemas.openxmlformats.org/presentationml/2006/main">
+  <p:cSld>
+    <p:spTree>
+      <p:nvGrpSpPr>
+        <p:cNvPr id="1" name=""/>
+        <p:cNvGrpSpPr/>
+        <p:nvPr/>
+      </p:nvGrpSpPr>
+      <p:grpSpPr>
+        <a:xfrm>
+          <a:off x="0" y="0"/>
+          <a:ext cx="0" cy="0"/>
+          <a:chOff x="0" y="0"/>
+          <a:chExt cx="0" cy="0"/>
+        </a:xfrm>
+      </p:grpSpPr>
+      <p:sp>
+        <p:nvSpPr>
+          <p:cNvPr id="2" name="Título 1">
+            <a:extLst>
+              <a:ext uri="{FF2B5EF4-FFF2-40B4-BE49-F238E27FC236}">
                 <a16:creationId xmlns:a16="http://schemas.microsoft.com/office/drawing/2014/main" id="{5D6F8A15-67D1-0AC3-F0BD-CEDC5EF350BE}"/>
               </a:ext>
             </a:extLst>
@@ -10436,7 +13336,7 @@
         </p:nvSpPr>
         <p:spPr>
           <a:xfrm>
-            <a:off x="3695700" y="381987"/>
+            <a:off x="4472940" y="277484"/>
             <a:ext cx="6377940" cy="737460"/>
           </a:xfrm>
         </p:spPr>
@@ -10745,7 +13645,7 @@
 </p:sld>
 </file>
 
-<file path=ppt/slides/slide5.xml><?xml version="1.0" encoding="utf-8"?>
+<file path=ppt/slides/slide7.xml><?xml version="1.0" encoding="utf-8"?>
 <p:sld xmlns:a="http://schemas.openxmlformats.org/drawingml/2006/main" xmlns:r="http://schemas.openxmlformats.org/officeDocument/2006/relationships" xmlns:p="http://schemas.openxmlformats.org/presentationml/2006/main">
   <p:cSld>
     <p:spTree>
@@ -11210,7 +14110,7 @@
 </p:sld>
 </file>
 
-<file path=ppt/slides/slide6.xml><?xml version="1.0" encoding="utf-8"?>
+<file path=ppt/slides/slide8.xml><?xml version="1.0" encoding="utf-8"?>
 <p:sld xmlns:a="http://schemas.openxmlformats.org/drawingml/2006/main" xmlns:r="http://schemas.openxmlformats.org/officeDocument/2006/relationships" xmlns:p="http://schemas.openxmlformats.org/presentationml/2006/main">
   <p:cSld>
     <p:spTree>
@@ -11447,7 +14347,7 @@
 </p:sld>
 </file>
 
-<file path=ppt/slides/slide7.xml><?xml version="1.0" encoding="utf-8"?>
+<file path=ppt/slides/slide9.xml><?xml version="1.0" encoding="utf-8"?>
 <p:sld xmlns:a="http://schemas.openxmlformats.org/drawingml/2006/main" xmlns:r="http://schemas.openxmlformats.org/officeDocument/2006/relationships" xmlns:p="http://schemas.openxmlformats.org/presentationml/2006/main">
   <p:cSld>
     <p:spTree>
@@ -11680,387 +14580,6 @@
     <p:extLst>
       <p:ext uri="{BB962C8B-B14F-4D97-AF65-F5344CB8AC3E}">
         <p14:creationId xmlns:p14="http://schemas.microsoft.com/office/powerpoint/2010/main" val="2585447452"/>
-      </p:ext>
-    </p:extLst>
-  </p:cSld>
-  <p:clrMapOvr>
-    <a:masterClrMapping/>
-  </p:clrMapOvr>
-</p:sld>
-</file>
-
-<file path=ppt/slides/slide8.xml><?xml version="1.0" encoding="utf-8"?>
-<p:sld xmlns:a="http://schemas.openxmlformats.org/drawingml/2006/main" xmlns:r="http://schemas.openxmlformats.org/officeDocument/2006/relationships" xmlns:p="http://schemas.openxmlformats.org/presentationml/2006/main">
-  <p:cSld>
-    <p:spTree>
-      <p:nvGrpSpPr>
-        <p:cNvPr id="1" name=""/>
-        <p:cNvGrpSpPr/>
-        <p:nvPr/>
-      </p:nvGrpSpPr>
-      <p:grpSpPr>
-        <a:xfrm>
-          <a:off x="0" y="0"/>
-          <a:ext cx="0" cy="0"/>
-          <a:chOff x="0" y="0"/>
-          <a:chExt cx="0" cy="0"/>
-        </a:xfrm>
-      </p:grpSpPr>
-      <p:sp>
-        <p:nvSpPr>
-          <p:cNvPr id="4" name="CuadroTexto 3">
-            <a:extLst>
-              <a:ext uri="{FF2B5EF4-FFF2-40B4-BE49-F238E27FC236}">
-                <a16:creationId xmlns:a16="http://schemas.microsoft.com/office/drawing/2014/main" id="{58A35942-FB00-5805-9BC4-81604A32C3E2}"/>
-              </a:ext>
-            </a:extLst>
-          </p:cNvPr>
-          <p:cNvSpPr txBox="1"/>
-          <p:nvPr/>
-        </p:nvSpPr>
-        <p:spPr>
-          <a:xfrm>
-            <a:off x="214728" y="2438871"/>
-            <a:ext cx="5177461" cy="1815882"/>
-          </a:xfrm>
-          <a:prstGeom prst="rect">
-            <a:avLst/>
-          </a:prstGeom>
-          <a:noFill/>
-        </p:spPr>
-        <p:txBody>
-          <a:bodyPr wrap="square" rtlCol="0">
-            <a:spAutoFit/>
-          </a:bodyPr>
-          <a:lstStyle/>
-          <a:p>
-            <a:endParaRPr lang="en-US" sz="1600" dirty="0"/>
-          </a:p>
-          <a:p>
-            <a:pPr marL="285750" indent="-285750">
-              <a:buFont typeface="Wingdings" panose="05000000000000000000" pitchFamily="2" charset="2"/>
-              <a:buChar char="Ø"/>
-            </a:pPr>
-            <a:r>
-              <a:rPr lang="en-US" sz="1600" dirty="0"/>
-              <a:t>No Airline is considered to have comfortable seats.</a:t>
-            </a:r>
-          </a:p>
-          <a:p>
-            <a:endParaRPr lang="en-US" sz="1600" dirty="0"/>
-          </a:p>
-          <a:p>
-            <a:pPr marL="285750" indent="-285750" algn="just">
-              <a:buFont typeface="Wingdings" panose="05000000000000000000" pitchFamily="2" charset="2"/>
-              <a:buChar char="Ø"/>
-            </a:pPr>
-            <a:r>
-              <a:rPr lang="en-US" sz="1600" dirty="0"/>
-              <a:t>American Airlines and British Airways stand as the most valued. Frontier is the most penalized. </a:t>
-            </a:r>
-          </a:p>
-          <a:p>
-            <a:endParaRPr lang="en-US" sz="1600" dirty="0"/>
-          </a:p>
-        </p:txBody>
-      </p:sp>
-      <p:sp>
-        <p:nvSpPr>
-          <p:cNvPr id="8" name="Título 1">
-            <a:extLst>
-              <a:ext uri="{FF2B5EF4-FFF2-40B4-BE49-F238E27FC236}">
-                <a16:creationId xmlns:a16="http://schemas.microsoft.com/office/drawing/2014/main" id="{06568900-B6E3-6D6A-82CF-A6A891A99E25}"/>
-              </a:ext>
-            </a:extLst>
-          </p:cNvPr>
-          <p:cNvSpPr>
-            <a:spLocks noGrp="1"/>
-          </p:cNvSpPr>
-          <p:nvPr>
-            <p:ph type="title"/>
-          </p:nvPr>
-        </p:nvSpPr>
-        <p:spPr>
-          <a:xfrm>
-            <a:off x="5763491" y="442455"/>
-            <a:ext cx="6094615" cy="731918"/>
-          </a:xfrm>
-        </p:spPr>
-        <p:txBody>
-          <a:bodyPr>
-            <a:normAutofit fontScale="90000"/>
-          </a:bodyPr>
-          <a:lstStyle/>
-          <a:p>
-            <a:r>
-              <a:rPr lang="en-US" sz="3100" b="1" i="1" dirty="0"/>
-              <a:t>Ratings</a:t>
-            </a:r>
-            <a:br>
-              <a:rPr lang="en-US" sz="2400" b="1" i="1" dirty="0"/>
-            </a:br>
-            <a:r>
-              <a:rPr lang="en-US" sz="2400" b="1" i="1" dirty="0"/>
-              <a:t>food</a:t>
-            </a:r>
-          </a:p>
-        </p:txBody>
-      </p:sp>
-      <p:pic>
-        <p:nvPicPr>
-          <p:cNvPr id="10" name="Imagen 9">
-            <a:extLst>
-              <a:ext uri="{FF2B5EF4-FFF2-40B4-BE49-F238E27FC236}">
-                <a16:creationId xmlns:a16="http://schemas.microsoft.com/office/drawing/2014/main" id="{C260E4A7-8378-2F87-1B2A-20AA805A02A9}"/>
-              </a:ext>
-            </a:extLst>
-          </p:cNvPr>
-          <p:cNvPicPr>
-            <a:picLocks noChangeAspect="1"/>
-          </p:cNvPicPr>
-          <p:nvPr/>
-        </p:nvPicPr>
-        <p:blipFill>
-          <a:blip r:embed="rId2">
-            <a:extLst>
-              <a:ext uri="{28A0092B-C50C-407E-A947-70E740481C1C}">
-                <a14:useLocalDpi xmlns:a14="http://schemas.microsoft.com/office/drawing/2010/main" val="0"/>
-              </a:ext>
-            </a:extLst>
-          </a:blip>
-          <a:stretch>
-            <a:fillRect/>
-          </a:stretch>
-        </p:blipFill>
-        <p:spPr>
-          <a:xfrm>
-            <a:off x="5580610" y="1535605"/>
-            <a:ext cx="6331464" cy="3622414"/>
-          </a:xfrm>
-          <a:prstGeom prst="roundRect">
-            <a:avLst>
-              <a:gd name="adj" fmla="val 8594"/>
-            </a:avLst>
-          </a:prstGeom>
-          <a:solidFill>
-            <a:srgbClr val="FFFFFF">
-              <a:shade val="85000"/>
-            </a:srgbClr>
-          </a:solidFill>
-          <a:ln>
-            <a:noFill/>
-          </a:ln>
-          <a:effectLst>
-            <a:reflection blurRad="12700" stA="38000" endPos="28000" dist="5000" dir="5400000" sy="-100000" algn="bl" rotWithShape="0"/>
-          </a:effectLst>
-        </p:spPr>
-      </p:pic>
-    </p:spTree>
-    <p:extLst>
-      <p:ext uri="{BB962C8B-B14F-4D97-AF65-F5344CB8AC3E}">
-        <p14:creationId xmlns:p14="http://schemas.microsoft.com/office/powerpoint/2010/main" val="2208134541"/>
-      </p:ext>
-    </p:extLst>
-  </p:cSld>
-  <p:clrMapOvr>
-    <a:masterClrMapping/>
-  </p:clrMapOvr>
-</p:sld>
-</file>
-
-<file path=ppt/slides/slide9.xml><?xml version="1.0" encoding="utf-8"?>
-<p:sld xmlns:a="http://schemas.openxmlformats.org/drawingml/2006/main" xmlns:r="http://schemas.openxmlformats.org/officeDocument/2006/relationships" xmlns:p="http://schemas.openxmlformats.org/presentationml/2006/main">
-  <p:cSld>
-    <p:spTree>
-      <p:nvGrpSpPr>
-        <p:cNvPr id="1" name=""/>
-        <p:cNvGrpSpPr/>
-        <p:nvPr/>
-      </p:nvGrpSpPr>
-      <p:grpSpPr>
-        <a:xfrm>
-          <a:off x="0" y="0"/>
-          <a:ext cx="0" cy="0"/>
-          <a:chOff x="0" y="0"/>
-          <a:chExt cx="0" cy="0"/>
-        </a:xfrm>
-      </p:grpSpPr>
-      <p:pic>
-        <p:nvPicPr>
-          <p:cNvPr id="5" name="Marcador de contenido 4">
-            <a:extLst>
-              <a:ext uri="{FF2B5EF4-FFF2-40B4-BE49-F238E27FC236}">
-                <a16:creationId xmlns:a16="http://schemas.microsoft.com/office/drawing/2014/main" id="{3361C533-D2D8-F05E-EFBC-467E4C626C9B}"/>
-              </a:ext>
-            </a:extLst>
-          </p:cNvPr>
-          <p:cNvPicPr>
-            <a:picLocks noGrp="1" noChangeAspect="1"/>
-          </p:cNvPicPr>
-          <p:nvPr>
-            <p:ph idx="1"/>
-          </p:nvPr>
-        </p:nvPicPr>
-        <p:blipFill>
-          <a:blip r:embed="rId2">
-            <a:extLst>
-              <a:ext uri="{28A0092B-C50C-407E-A947-70E740481C1C}">
-                <a14:useLocalDpi xmlns:a14="http://schemas.microsoft.com/office/drawing/2010/main" val="0"/>
-              </a:ext>
-            </a:extLst>
-          </a:blip>
-          <a:stretch>
-            <a:fillRect/>
-          </a:stretch>
-        </p:blipFill>
-        <p:spPr>
-          <a:xfrm>
-            <a:off x="5583136" y="1778924"/>
-            <a:ext cx="5925782" cy="4464770"/>
-          </a:xfrm>
-          <a:prstGeom prst="roundRect">
-            <a:avLst>
-              <a:gd name="adj" fmla="val 8594"/>
-            </a:avLst>
-          </a:prstGeom>
-          <a:solidFill>
-            <a:srgbClr val="FFFFFF">
-              <a:shade val="85000"/>
-            </a:srgbClr>
-          </a:solidFill>
-          <a:ln>
-            <a:noFill/>
-          </a:ln>
-          <a:effectLst>
-            <a:reflection blurRad="12700" stA="38000" endPos="28000" dist="5000" dir="5400000" sy="-100000" algn="bl" rotWithShape="0"/>
-          </a:effectLst>
-        </p:spPr>
-      </p:pic>
-      <p:sp>
-        <p:nvSpPr>
-          <p:cNvPr id="6" name="Título 1">
-            <a:extLst>
-              <a:ext uri="{FF2B5EF4-FFF2-40B4-BE49-F238E27FC236}">
-                <a16:creationId xmlns:a16="http://schemas.microsoft.com/office/drawing/2014/main" id="{3812F62B-3CD3-6F7F-B2E9-1470A26B8B03}"/>
-              </a:ext>
-            </a:extLst>
-          </p:cNvPr>
-          <p:cNvSpPr>
-            <a:spLocks noGrp="1"/>
-          </p:cNvSpPr>
-          <p:nvPr>
-            <p:ph type="title"/>
-          </p:nvPr>
-        </p:nvSpPr>
-        <p:spPr>
-          <a:xfrm>
-            <a:off x="5829993" y="481248"/>
-            <a:ext cx="6094615" cy="731918"/>
-          </a:xfrm>
-        </p:spPr>
-        <p:txBody>
-          <a:bodyPr>
-            <a:normAutofit fontScale="90000"/>
-          </a:bodyPr>
-          <a:lstStyle/>
-          <a:p>
-            <a:r>
-              <a:rPr lang="en-US" sz="3100" b="1" i="1" dirty="0"/>
-              <a:t>Type of </a:t>
-            </a:r>
-            <a:r>
-              <a:rPr lang="en-US" sz="3100" b="1" i="1" dirty="0" err="1"/>
-              <a:t>travEler</a:t>
-            </a:r>
-            <a:br>
-              <a:rPr lang="en-US" sz="3100" b="1" i="1" dirty="0"/>
-            </a:br>
-            <a:r>
-              <a:rPr lang="en-US" sz="3100" b="1" i="1" dirty="0"/>
-              <a:t>	</a:t>
-            </a:r>
-            <a:r>
-              <a:rPr lang="en-US" sz="2400" b="1" i="1" dirty="0"/>
-              <a:t>by Trip purpose</a:t>
-            </a:r>
-          </a:p>
-        </p:txBody>
-      </p:sp>
-      <p:sp>
-        <p:nvSpPr>
-          <p:cNvPr id="7" name="CuadroTexto 6">
-            <a:extLst>
-              <a:ext uri="{FF2B5EF4-FFF2-40B4-BE49-F238E27FC236}">
-                <a16:creationId xmlns:a16="http://schemas.microsoft.com/office/drawing/2014/main" id="{13415CA3-44DB-F325-AF84-DF6B63E6D5A2}"/>
-              </a:ext>
-            </a:extLst>
-          </p:cNvPr>
-          <p:cNvSpPr txBox="1"/>
-          <p:nvPr/>
-        </p:nvSpPr>
-        <p:spPr>
-          <a:xfrm>
-            <a:off x="286772" y="2848965"/>
-            <a:ext cx="5177461" cy="1815882"/>
-          </a:xfrm>
-          <a:prstGeom prst="rect">
-            <a:avLst/>
-          </a:prstGeom>
-          <a:noFill/>
-        </p:spPr>
-        <p:txBody>
-          <a:bodyPr wrap="square" rtlCol="0">
-            <a:spAutoFit/>
-          </a:bodyPr>
-          <a:lstStyle/>
-          <a:p>
-            <a:endParaRPr lang="en-US" sz="1600" dirty="0"/>
-          </a:p>
-          <a:p>
-            <a:pPr marL="285750" indent="-285750">
-              <a:buFont typeface="Wingdings" panose="05000000000000000000" pitchFamily="2" charset="2"/>
-              <a:buChar char="Ø"/>
-            </a:pPr>
-            <a:r>
-              <a:rPr lang="en-US" sz="1600" dirty="0"/>
-              <a:t>People in business trips travel alone</a:t>
-            </a:r>
-          </a:p>
-          <a:p>
-            <a:endParaRPr lang="en-US" sz="1600" dirty="0"/>
-          </a:p>
-          <a:p>
-            <a:pPr marL="285750" indent="-285750">
-              <a:buFont typeface="Wingdings" panose="05000000000000000000" pitchFamily="2" charset="2"/>
-              <a:buChar char="Ø"/>
-            </a:pPr>
-            <a:r>
-              <a:rPr lang="en-US" sz="1600" dirty="0"/>
-              <a:t>Travelling with couple/family is always for leisure</a:t>
-            </a:r>
-          </a:p>
-          <a:p>
-            <a:endParaRPr lang="en-US" sz="1600" dirty="0"/>
-          </a:p>
-          <a:p>
-            <a:pPr marL="285750" indent="-285750" algn="just">
-              <a:buFont typeface="Wingdings" panose="05000000000000000000" pitchFamily="2" charset="2"/>
-              <a:buChar char="Ø"/>
-            </a:pPr>
-            <a:r>
-              <a:rPr lang="en-US" sz="1600" dirty="0"/>
-              <a:t>Most travelers overall travel alone</a:t>
-            </a:r>
-          </a:p>
-          <a:p>
-            <a:endParaRPr lang="en-US" sz="1600" dirty="0"/>
-          </a:p>
-        </p:txBody>
-      </p:sp>
-    </p:spTree>
-    <p:extLst>
-      <p:ext uri="{BB962C8B-B14F-4D97-AF65-F5344CB8AC3E}">
-        <p14:creationId xmlns:p14="http://schemas.microsoft.com/office/powerpoint/2010/main" val="3062284034"/>
       </p:ext>
     </p:extLst>
   </p:cSld>
